--- a/figures/Chapter 1 - Introduction and Review/1.2 Poisson Processes.pptx
+++ b/figures/Chapter 1 - Introduction and Review/1.2 Poisson Processes.pptx
@@ -6,6 +6,8 @@
   </p:sldMasterIdLst>
   <p:sldIdLst>
     <p:sldId id="256" r:id="rId2"/>
+    <p:sldId id="257" r:id="rId3"/>
+    <p:sldId id="258" r:id="rId4"/>
   </p:sldIdLst>
   <p:sldSz cx="12192000" cy="6858000"/>
   <p:notesSz cx="6858000" cy="9144000"/>
@@ -104,6 +106,11 @@
       </a:defRPr>
     </a:lvl9pPr>
   </p:defaultTextStyle>
+  <p:extLst>
+    <p:ext uri="{EFAFB233-063F-42B5-8137-9DF3F51BA10A}">
+      <p15:sldGuideLst xmlns:p15="http://schemas.microsoft.com/office/powerpoint/2012/main"/>
+    </p:ext>
+  </p:extLst>
 </p:presentation>
 </file>
 
@@ -3364,6 +3371,4295 @@
 </p:sld>
 </file>
 
+<file path=ppt/slides/slide2.xml><?xml version="1.0" encoding="utf-8"?>
+<p:sld xmlns:a="http://schemas.openxmlformats.org/drawingml/2006/main" xmlns:r="http://schemas.openxmlformats.org/officeDocument/2006/relationships" xmlns:p="http://schemas.openxmlformats.org/presentationml/2006/main">
+  <p:cSld>
+    <p:spTree>
+      <p:nvGrpSpPr>
+        <p:cNvPr id="1" name=""/>
+        <p:cNvGrpSpPr/>
+        <p:nvPr/>
+      </p:nvGrpSpPr>
+      <p:grpSpPr>
+        <a:xfrm>
+          <a:off x="0" y="0"/>
+          <a:ext cx="0" cy="0"/>
+          <a:chOff x="0" y="0"/>
+          <a:chExt cx="0" cy="0"/>
+        </a:xfrm>
+      </p:grpSpPr>
+      <p:grpSp>
+        <p:nvGrpSpPr>
+          <p:cNvPr id="51" name="Group 50">
+            <a:extLst>
+              <a:ext uri="{FF2B5EF4-FFF2-40B4-BE49-F238E27FC236}">
+                <a16:creationId xmlns:a16="http://schemas.microsoft.com/office/drawing/2014/main" id="{B7473FB9-920D-1E48-93F9-FD50FA77DDD1}"/>
+              </a:ext>
+            </a:extLst>
+          </p:cNvPr>
+          <p:cNvGrpSpPr/>
+          <p:nvPr/>
+        </p:nvGrpSpPr>
+        <p:grpSpPr>
+          <a:xfrm>
+            <a:off x="1605425" y="1174707"/>
+            <a:ext cx="8691780" cy="4842100"/>
+            <a:chOff x="1605425" y="1174707"/>
+            <a:chExt cx="8691780" cy="4842100"/>
+          </a:xfrm>
+        </p:grpSpPr>
+        <p:cxnSp>
+          <p:nvCxnSpPr>
+            <p:cNvPr id="3" name="Straight Arrow Connector 2">
+              <a:extLst>
+                <a:ext uri="{FF2B5EF4-FFF2-40B4-BE49-F238E27FC236}">
+                  <a16:creationId xmlns:a16="http://schemas.microsoft.com/office/drawing/2014/main" id="{FDB94F1F-0C06-9846-A8EC-70FD3D5DF689}"/>
+                </a:ext>
+              </a:extLst>
+            </p:cNvPr>
+            <p:cNvCxnSpPr>
+              <a:cxnSpLocks/>
+            </p:cNvCxnSpPr>
+            <p:nvPr/>
+          </p:nvCxnSpPr>
+          <p:spPr>
+            <a:xfrm>
+              <a:off x="2413348" y="5423769"/>
+              <a:ext cx="7645052" cy="0"/>
+            </a:xfrm>
+            <a:prstGeom prst="straightConnector1">
+              <a:avLst/>
+            </a:prstGeom>
+            <a:ln w="57150">
+              <a:solidFill>
+                <a:schemeClr val="tx1"/>
+              </a:solidFill>
+              <a:tailEnd type="triangle"/>
+            </a:ln>
+          </p:spPr>
+          <p:style>
+            <a:lnRef idx="1">
+              <a:schemeClr val="accent1"/>
+            </a:lnRef>
+            <a:fillRef idx="0">
+              <a:schemeClr val="accent1"/>
+            </a:fillRef>
+            <a:effectRef idx="0">
+              <a:schemeClr val="accent1"/>
+            </a:effectRef>
+            <a:fontRef idx="minor">
+              <a:schemeClr val="tx1"/>
+            </a:fontRef>
+          </p:style>
+        </p:cxnSp>
+        <p:cxnSp>
+          <p:nvCxnSpPr>
+            <p:cNvPr id="5" name="Straight Arrow Connector 4">
+              <a:extLst>
+                <a:ext uri="{FF2B5EF4-FFF2-40B4-BE49-F238E27FC236}">
+                  <a16:creationId xmlns:a16="http://schemas.microsoft.com/office/drawing/2014/main" id="{40037B4F-ED63-7348-9E64-D74BE587983E}"/>
+                </a:ext>
+              </a:extLst>
+            </p:cNvPr>
+            <p:cNvCxnSpPr>
+              <a:cxnSpLocks/>
+            </p:cNvCxnSpPr>
+            <p:nvPr/>
+          </p:nvCxnSpPr>
+          <p:spPr>
+            <a:xfrm flipV="1">
+              <a:off x="2417523" y="1290181"/>
+              <a:ext cx="0" cy="4158641"/>
+            </a:xfrm>
+            <a:prstGeom prst="straightConnector1">
+              <a:avLst/>
+            </a:prstGeom>
+            <a:ln w="57150">
+              <a:solidFill>
+                <a:schemeClr val="tx1"/>
+              </a:solidFill>
+              <a:tailEnd type="triangle"/>
+            </a:ln>
+          </p:spPr>
+          <p:style>
+            <a:lnRef idx="1">
+              <a:schemeClr val="accent1"/>
+            </a:lnRef>
+            <a:fillRef idx="0">
+              <a:schemeClr val="accent1"/>
+            </a:fillRef>
+            <a:effectRef idx="0">
+              <a:schemeClr val="accent1"/>
+            </a:effectRef>
+            <a:fontRef idx="minor">
+              <a:schemeClr val="tx1"/>
+            </a:fontRef>
+          </p:style>
+        </p:cxnSp>
+        <mc:AlternateContent xmlns:mc="http://schemas.openxmlformats.org/markup-compatibility/2006">
+          <mc:Choice xmlns:a14="http://schemas.microsoft.com/office/drawing/2010/main" Requires="a14">
+            <p:sp>
+              <p:nvSpPr>
+                <p:cNvPr id="8" name="TextBox 7">
+                  <a:extLst>
+                    <a:ext uri="{FF2B5EF4-FFF2-40B4-BE49-F238E27FC236}">
+                      <a16:creationId xmlns:a16="http://schemas.microsoft.com/office/drawing/2014/main" id="{B58B5C60-DEE6-1445-AA0C-219FA77EDEFB}"/>
+                    </a:ext>
+                  </a:extLst>
+                </p:cNvPr>
+                <p:cNvSpPr txBox="1"/>
+                <p:nvPr/>
+              </p:nvSpPr>
+              <p:spPr>
+                <a:xfrm>
+                  <a:off x="1990597" y="5421683"/>
+                  <a:ext cx="338200" cy="523220"/>
+                </a:xfrm>
+                <a:prstGeom prst="rect">
+                  <a:avLst/>
+                </a:prstGeom>
+                <a:noFill/>
+              </p:spPr>
+              <p:txBody>
+                <a:bodyPr wrap="square" rtlCol="0">
+                  <a:spAutoFit/>
+                </a:bodyPr>
+                <a:lstStyle/>
+                <a:p>
+                  <a:pPr algn="ctr"/>
+                  <a14:m>
+                    <m:oMathPara xmlns:m="http://schemas.openxmlformats.org/officeDocument/2006/math">
+                      <m:oMathParaPr>
+                        <m:jc m:val="centerGroup"/>
+                      </m:oMathParaPr>
+                      <m:oMath xmlns:m="http://schemas.openxmlformats.org/officeDocument/2006/math">
+                        <m:r>
+                          <a:rPr lang="en-US" sz="2800" b="0" i="1" smtClean="0">
+                            <a:latin typeface="Cambria Math" panose="02040503050406030204" pitchFamily="18" charset="0"/>
+                          </a:rPr>
+                          <m:t>0</m:t>
+                        </m:r>
+                      </m:oMath>
+                    </m:oMathPara>
+                  </a14:m>
+                  <a:endParaRPr lang="en-US" sz="2800" dirty="0"/>
+                </a:p>
+              </p:txBody>
+            </p:sp>
+          </mc:Choice>
+          <mc:Fallback>
+            <p:sp>
+              <p:nvSpPr>
+                <p:cNvPr id="8" name="TextBox 7">
+                  <a:extLst>
+                    <a:ext uri="{FF2B5EF4-FFF2-40B4-BE49-F238E27FC236}">
+                      <a16:creationId xmlns:a16="http://schemas.microsoft.com/office/drawing/2014/main" id="{B58B5C60-DEE6-1445-AA0C-219FA77EDEFB}"/>
+                    </a:ext>
+                  </a:extLst>
+                </p:cNvPr>
+                <p:cNvSpPr txBox="1">
+                  <a:spLocks noRot="1" noChangeAspect="1" noMove="1" noResize="1" noEditPoints="1" noAdjustHandles="1" noChangeArrowheads="1" noChangeShapeType="1" noTextEdit="1"/>
+                </p:cNvSpPr>
+                <p:nvPr/>
+              </p:nvSpPr>
+              <p:spPr>
+                <a:xfrm>
+                  <a:off x="1990597" y="5421683"/>
+                  <a:ext cx="338200" cy="523220"/>
+                </a:xfrm>
+                <a:prstGeom prst="rect">
+                  <a:avLst/>
+                </a:prstGeom>
+                <a:blipFill>
+                  <a:blip r:embed="rId2"/>
+                  <a:stretch>
+                    <a:fillRect l="-25926" r="-3704"/>
+                  </a:stretch>
+                </a:blipFill>
+              </p:spPr>
+              <p:txBody>
+                <a:bodyPr/>
+                <a:lstStyle/>
+                <a:p>
+                  <a:r>
+                    <a:rPr lang="en-US">
+                      <a:noFill/>
+                    </a:rPr>
+                    <a:t> </a:t>
+                  </a:r>
+                </a:p>
+              </p:txBody>
+            </p:sp>
+          </mc:Fallback>
+        </mc:AlternateContent>
+        <mc:AlternateContent xmlns:mc="http://schemas.openxmlformats.org/markup-compatibility/2006">
+          <mc:Choice xmlns:a14="http://schemas.microsoft.com/office/drawing/2010/main" Requires="a14">
+            <p:sp>
+              <p:nvSpPr>
+                <p:cNvPr id="9" name="TextBox 8">
+                  <a:extLst>
+                    <a:ext uri="{FF2B5EF4-FFF2-40B4-BE49-F238E27FC236}">
+                      <a16:creationId xmlns:a16="http://schemas.microsoft.com/office/drawing/2014/main" id="{D996CDB9-889B-A14A-808B-CA31B544F759}"/>
+                    </a:ext>
+                  </a:extLst>
+                </p:cNvPr>
+                <p:cNvSpPr txBox="1"/>
+                <p:nvPr/>
+              </p:nvSpPr>
+              <p:spPr>
+                <a:xfrm>
+                  <a:off x="1605425" y="1174707"/>
+                  <a:ext cx="770345" cy="523220"/>
+                </a:xfrm>
+                <a:prstGeom prst="rect">
+                  <a:avLst/>
+                </a:prstGeom>
+                <a:noFill/>
+              </p:spPr>
+              <p:txBody>
+                <a:bodyPr wrap="square" rtlCol="0">
+                  <a:spAutoFit/>
+                </a:bodyPr>
+                <a:lstStyle/>
+                <a:p>
+                  <a:pPr algn="ctr"/>
+                  <a14:m>
+                    <m:oMathPara xmlns:m="http://schemas.openxmlformats.org/officeDocument/2006/math">
+                      <m:oMathParaPr>
+                        <m:jc m:val="centerGroup"/>
+                      </m:oMathParaPr>
+                      <m:oMath xmlns:m="http://schemas.openxmlformats.org/officeDocument/2006/math">
+                        <m:r>
+                          <a:rPr lang="en-US" sz="2800" b="0" i="1" smtClean="0">
+                            <a:latin typeface="Cambria Math" panose="02040503050406030204" pitchFamily="18" charset="0"/>
+                          </a:rPr>
+                          <m:t>𝑁</m:t>
+                        </m:r>
+                        <m:d>
+                          <m:dPr>
+                            <m:ctrlPr>
+                              <a:rPr lang="en-US" sz="2800" b="0" i="1" smtClean="0">
+                                <a:latin typeface="Cambria Math" panose="02040503050406030204" pitchFamily="18" charset="0"/>
+                              </a:rPr>
+                            </m:ctrlPr>
+                          </m:dPr>
+                          <m:e>
+                            <m:r>
+                              <a:rPr lang="en-US" sz="2800" b="0" i="1" smtClean="0">
+                                <a:latin typeface="Cambria Math" panose="02040503050406030204" pitchFamily="18" charset="0"/>
+                              </a:rPr>
+                              <m:t>𝑡</m:t>
+                            </m:r>
+                          </m:e>
+                        </m:d>
+                      </m:oMath>
+                    </m:oMathPara>
+                  </a14:m>
+                  <a:endParaRPr lang="en-US" sz="2800" i="1" dirty="0"/>
+                </a:p>
+              </p:txBody>
+            </p:sp>
+          </mc:Choice>
+          <mc:Fallback>
+            <p:sp>
+              <p:nvSpPr>
+                <p:cNvPr id="9" name="TextBox 8">
+                  <a:extLst>
+                    <a:ext uri="{FF2B5EF4-FFF2-40B4-BE49-F238E27FC236}">
+                      <a16:creationId xmlns:a16="http://schemas.microsoft.com/office/drawing/2014/main" id="{D996CDB9-889B-A14A-808B-CA31B544F759}"/>
+                    </a:ext>
+                  </a:extLst>
+                </p:cNvPr>
+                <p:cNvSpPr txBox="1">
+                  <a:spLocks noRot="1" noChangeAspect="1" noMove="1" noResize="1" noEditPoints="1" noAdjustHandles="1" noChangeArrowheads="1" noChangeShapeType="1" noTextEdit="1"/>
+                </p:cNvSpPr>
+                <p:nvPr/>
+              </p:nvSpPr>
+              <p:spPr>
+                <a:xfrm>
+                  <a:off x="1605425" y="1174707"/>
+                  <a:ext cx="770345" cy="523220"/>
+                </a:xfrm>
+                <a:prstGeom prst="rect">
+                  <a:avLst/>
+                </a:prstGeom>
+                <a:blipFill>
+                  <a:blip r:embed="rId3"/>
+                  <a:stretch>
+                    <a:fillRect l="-16129"/>
+                  </a:stretch>
+                </a:blipFill>
+              </p:spPr>
+              <p:txBody>
+                <a:bodyPr/>
+                <a:lstStyle/>
+                <a:p>
+                  <a:r>
+                    <a:rPr lang="en-US">
+                      <a:noFill/>
+                    </a:rPr>
+                    <a:t> </a:t>
+                  </a:r>
+                </a:p>
+              </p:txBody>
+            </p:sp>
+          </mc:Fallback>
+        </mc:AlternateContent>
+        <mc:AlternateContent xmlns:mc="http://schemas.openxmlformats.org/markup-compatibility/2006">
+          <mc:Choice xmlns:a14="http://schemas.microsoft.com/office/drawing/2010/main" Requires="a14">
+            <p:sp>
+              <p:nvSpPr>
+                <p:cNvPr id="10" name="TextBox 9">
+                  <a:extLst>
+                    <a:ext uri="{FF2B5EF4-FFF2-40B4-BE49-F238E27FC236}">
+                      <a16:creationId xmlns:a16="http://schemas.microsoft.com/office/drawing/2014/main" id="{1FFC6D24-B9A9-1C4D-BB0B-40A79BCC26E3}"/>
+                    </a:ext>
+                  </a:extLst>
+                </p:cNvPr>
+                <p:cNvSpPr txBox="1"/>
+                <p:nvPr/>
+              </p:nvSpPr>
+              <p:spPr>
+                <a:xfrm>
+                  <a:off x="9933953" y="5355824"/>
+                  <a:ext cx="363252" cy="523220"/>
+                </a:xfrm>
+                <a:prstGeom prst="rect">
+                  <a:avLst/>
+                </a:prstGeom>
+                <a:noFill/>
+              </p:spPr>
+              <p:txBody>
+                <a:bodyPr wrap="square" rtlCol="0">
+                  <a:spAutoFit/>
+                </a:bodyPr>
+                <a:lstStyle/>
+                <a:p>
+                  <a:pPr algn="ctr"/>
+                  <a14:m>
+                    <m:oMathPara xmlns:m="http://schemas.openxmlformats.org/officeDocument/2006/math">
+                      <m:oMathParaPr>
+                        <m:jc m:val="centerGroup"/>
+                      </m:oMathParaPr>
+                      <m:oMath xmlns:m="http://schemas.openxmlformats.org/officeDocument/2006/math">
+                        <m:r>
+                          <a:rPr lang="en-US" sz="2800" b="0" i="1" smtClean="0">
+                            <a:latin typeface="Cambria Math" panose="02040503050406030204" pitchFamily="18" charset="0"/>
+                          </a:rPr>
+                          <m:t>𝑡</m:t>
+                        </m:r>
+                      </m:oMath>
+                    </m:oMathPara>
+                  </a14:m>
+                  <a:endParaRPr lang="en-US" sz="2800" i="1" dirty="0"/>
+                </a:p>
+              </p:txBody>
+            </p:sp>
+          </mc:Choice>
+          <mc:Fallback>
+            <p:sp>
+              <p:nvSpPr>
+                <p:cNvPr id="10" name="TextBox 9">
+                  <a:extLst>
+                    <a:ext uri="{FF2B5EF4-FFF2-40B4-BE49-F238E27FC236}">
+                      <a16:creationId xmlns:a16="http://schemas.microsoft.com/office/drawing/2014/main" id="{1FFC6D24-B9A9-1C4D-BB0B-40A79BCC26E3}"/>
+                    </a:ext>
+                  </a:extLst>
+                </p:cNvPr>
+                <p:cNvSpPr txBox="1">
+                  <a:spLocks noRot="1" noChangeAspect="1" noMove="1" noResize="1" noEditPoints="1" noAdjustHandles="1" noChangeArrowheads="1" noChangeShapeType="1" noTextEdit="1"/>
+                </p:cNvSpPr>
+                <p:nvPr/>
+              </p:nvSpPr>
+              <p:spPr>
+                <a:xfrm>
+                  <a:off x="9933953" y="5355824"/>
+                  <a:ext cx="363252" cy="523220"/>
+                </a:xfrm>
+                <a:prstGeom prst="rect">
+                  <a:avLst/>
+                </a:prstGeom>
+                <a:blipFill>
+                  <a:blip r:embed="rId4"/>
+                  <a:stretch>
+                    <a:fillRect l="-6667"/>
+                  </a:stretch>
+                </a:blipFill>
+              </p:spPr>
+              <p:txBody>
+                <a:bodyPr/>
+                <a:lstStyle/>
+                <a:p>
+                  <a:r>
+                    <a:rPr lang="en-US">
+                      <a:noFill/>
+                    </a:rPr>
+                    <a:t> </a:t>
+                  </a:r>
+                </a:p>
+              </p:txBody>
+            </p:sp>
+          </mc:Fallback>
+        </mc:AlternateContent>
+        <p:cxnSp>
+          <p:nvCxnSpPr>
+            <p:cNvPr id="11" name="Straight Arrow Connector 10">
+              <a:extLst>
+                <a:ext uri="{FF2B5EF4-FFF2-40B4-BE49-F238E27FC236}">
+                  <a16:creationId xmlns:a16="http://schemas.microsoft.com/office/drawing/2014/main" id="{2A3854D9-2960-D44D-9685-462BCFC356B4}"/>
+                </a:ext>
+              </a:extLst>
+            </p:cNvPr>
+            <p:cNvCxnSpPr>
+              <a:cxnSpLocks/>
+            </p:cNvCxnSpPr>
+            <p:nvPr/>
+          </p:nvCxnSpPr>
+          <p:spPr>
+            <a:xfrm>
+              <a:off x="2459277" y="5423769"/>
+              <a:ext cx="2248421" cy="0"/>
+            </a:xfrm>
+            <a:prstGeom prst="straightConnector1">
+              <a:avLst/>
+            </a:prstGeom>
+            <a:ln w="76200">
+              <a:solidFill>
+                <a:srgbClr val="7030A0"/>
+              </a:solidFill>
+              <a:headEnd type="none"/>
+              <a:tailEnd type="none"/>
+            </a:ln>
+          </p:spPr>
+          <p:style>
+            <a:lnRef idx="1">
+              <a:schemeClr val="accent1"/>
+            </a:lnRef>
+            <a:fillRef idx="0">
+              <a:schemeClr val="accent1"/>
+            </a:fillRef>
+            <a:effectRef idx="0">
+              <a:schemeClr val="accent1"/>
+            </a:effectRef>
+            <a:fontRef idx="minor">
+              <a:schemeClr val="tx1"/>
+            </a:fontRef>
+          </p:style>
+        </p:cxnSp>
+        <p:sp>
+          <p:nvSpPr>
+            <p:cNvPr id="13" name="Oval 12">
+              <a:extLst>
+                <a:ext uri="{FF2B5EF4-FFF2-40B4-BE49-F238E27FC236}">
+                  <a16:creationId xmlns:a16="http://schemas.microsoft.com/office/drawing/2014/main" id="{3F674ECF-DAF8-0E4B-904B-BB8C16E7834B}"/>
+                </a:ext>
+              </a:extLst>
+            </p:cNvPr>
+            <p:cNvSpPr/>
+            <p:nvPr/>
+          </p:nvSpPr>
+          <p:spPr>
+            <a:xfrm>
+              <a:off x="2294814" y="5305235"/>
+              <a:ext cx="237067" cy="237067"/>
+            </a:xfrm>
+            <a:prstGeom prst="ellipse">
+              <a:avLst/>
+            </a:prstGeom>
+            <a:solidFill>
+              <a:srgbClr val="7030A0"/>
+            </a:solidFill>
+            <a:ln w="38100">
+              <a:solidFill>
+                <a:srgbClr val="7030A0"/>
+              </a:solidFill>
+            </a:ln>
+          </p:spPr>
+          <p:style>
+            <a:lnRef idx="2">
+              <a:schemeClr val="accent1">
+                <a:shade val="50000"/>
+              </a:schemeClr>
+            </a:lnRef>
+            <a:fillRef idx="1">
+              <a:schemeClr val="accent1"/>
+            </a:fillRef>
+            <a:effectRef idx="0">
+              <a:schemeClr val="accent1"/>
+            </a:effectRef>
+            <a:fontRef idx="minor">
+              <a:schemeClr val="lt1"/>
+            </a:fontRef>
+          </p:style>
+          <p:txBody>
+            <a:bodyPr rtlCol="0" anchor="ctr"/>
+            <a:lstStyle/>
+            <a:p>
+              <a:pPr algn="ctr"/>
+              <a:endParaRPr lang="en-US"/>
+            </a:p>
+          </p:txBody>
+        </p:sp>
+        <p:sp>
+          <p:nvSpPr>
+            <p:cNvPr id="14" name="Oval 13">
+              <a:extLst>
+                <a:ext uri="{FF2B5EF4-FFF2-40B4-BE49-F238E27FC236}">
+                  <a16:creationId xmlns:a16="http://schemas.microsoft.com/office/drawing/2014/main" id="{DBCEAA98-815C-6C49-A764-173DF487067F}"/>
+                </a:ext>
+              </a:extLst>
+            </p:cNvPr>
+            <p:cNvSpPr/>
+            <p:nvPr/>
+          </p:nvSpPr>
+          <p:spPr>
+            <a:xfrm>
+              <a:off x="4589164" y="5305235"/>
+              <a:ext cx="237067" cy="237067"/>
+            </a:xfrm>
+            <a:prstGeom prst="ellipse">
+              <a:avLst/>
+            </a:prstGeom>
+            <a:solidFill>
+              <a:schemeClr val="bg1"/>
+            </a:solidFill>
+            <a:ln w="38100">
+              <a:solidFill>
+                <a:srgbClr val="7030A0"/>
+              </a:solidFill>
+            </a:ln>
+          </p:spPr>
+          <p:style>
+            <a:lnRef idx="2">
+              <a:schemeClr val="accent1">
+                <a:shade val="50000"/>
+              </a:schemeClr>
+            </a:lnRef>
+            <a:fillRef idx="1">
+              <a:schemeClr val="accent1"/>
+            </a:fillRef>
+            <a:effectRef idx="0">
+              <a:schemeClr val="accent1"/>
+            </a:effectRef>
+            <a:fontRef idx="minor">
+              <a:schemeClr val="lt1"/>
+            </a:fontRef>
+          </p:style>
+          <p:txBody>
+            <a:bodyPr rtlCol="0" anchor="ctr"/>
+            <a:lstStyle/>
+            <a:p>
+              <a:pPr algn="ctr"/>
+              <a:endParaRPr lang="en-US"/>
+            </a:p>
+          </p:txBody>
+        </p:sp>
+        <p:cxnSp>
+          <p:nvCxnSpPr>
+            <p:cNvPr id="16" name="Straight Arrow Connector 15">
+              <a:extLst>
+                <a:ext uri="{FF2B5EF4-FFF2-40B4-BE49-F238E27FC236}">
+                  <a16:creationId xmlns:a16="http://schemas.microsoft.com/office/drawing/2014/main" id="{28024E44-C565-3844-8DDE-FA6BFC3F7D2C}"/>
+                </a:ext>
+              </a:extLst>
+            </p:cNvPr>
+            <p:cNvCxnSpPr>
+              <a:cxnSpLocks/>
+            </p:cNvCxnSpPr>
+            <p:nvPr/>
+          </p:nvCxnSpPr>
+          <p:spPr>
+            <a:xfrm>
+              <a:off x="4749451" y="4357479"/>
+              <a:ext cx="2248421" cy="0"/>
+            </a:xfrm>
+            <a:prstGeom prst="straightConnector1">
+              <a:avLst/>
+            </a:prstGeom>
+            <a:ln w="76200">
+              <a:solidFill>
+                <a:srgbClr val="7030A0"/>
+              </a:solidFill>
+              <a:headEnd type="none"/>
+              <a:tailEnd type="none"/>
+            </a:ln>
+          </p:spPr>
+          <p:style>
+            <a:lnRef idx="1">
+              <a:schemeClr val="accent1"/>
+            </a:lnRef>
+            <a:fillRef idx="0">
+              <a:schemeClr val="accent1"/>
+            </a:fillRef>
+            <a:effectRef idx="0">
+              <a:schemeClr val="accent1"/>
+            </a:effectRef>
+            <a:fontRef idx="minor">
+              <a:schemeClr val="tx1"/>
+            </a:fontRef>
+          </p:style>
+        </p:cxnSp>
+        <p:sp>
+          <p:nvSpPr>
+            <p:cNvPr id="17" name="Oval 16">
+              <a:extLst>
+                <a:ext uri="{FF2B5EF4-FFF2-40B4-BE49-F238E27FC236}">
+                  <a16:creationId xmlns:a16="http://schemas.microsoft.com/office/drawing/2014/main" id="{0C38B011-B480-D940-88F1-631866CBAB9F}"/>
+                </a:ext>
+              </a:extLst>
+            </p:cNvPr>
+            <p:cNvSpPr/>
+            <p:nvPr/>
+          </p:nvSpPr>
+          <p:spPr>
+            <a:xfrm>
+              <a:off x="4584988" y="4238945"/>
+              <a:ext cx="237067" cy="237067"/>
+            </a:xfrm>
+            <a:prstGeom prst="ellipse">
+              <a:avLst/>
+            </a:prstGeom>
+            <a:solidFill>
+              <a:srgbClr val="7030A0"/>
+            </a:solidFill>
+            <a:ln w="38100">
+              <a:solidFill>
+                <a:srgbClr val="7030A0"/>
+              </a:solidFill>
+            </a:ln>
+          </p:spPr>
+          <p:style>
+            <a:lnRef idx="2">
+              <a:schemeClr val="accent1">
+                <a:shade val="50000"/>
+              </a:schemeClr>
+            </a:lnRef>
+            <a:fillRef idx="1">
+              <a:schemeClr val="accent1"/>
+            </a:fillRef>
+            <a:effectRef idx="0">
+              <a:schemeClr val="accent1"/>
+            </a:effectRef>
+            <a:fontRef idx="minor">
+              <a:schemeClr val="lt1"/>
+            </a:fontRef>
+          </p:style>
+          <p:txBody>
+            <a:bodyPr rtlCol="0" anchor="ctr"/>
+            <a:lstStyle/>
+            <a:p>
+              <a:pPr algn="ctr"/>
+              <a:endParaRPr lang="en-US"/>
+            </a:p>
+          </p:txBody>
+        </p:sp>
+        <p:sp>
+          <p:nvSpPr>
+            <p:cNvPr id="18" name="Oval 17">
+              <a:extLst>
+                <a:ext uri="{FF2B5EF4-FFF2-40B4-BE49-F238E27FC236}">
+                  <a16:creationId xmlns:a16="http://schemas.microsoft.com/office/drawing/2014/main" id="{096746F6-0280-4A44-B7C8-E2751A5DC11D}"/>
+                </a:ext>
+              </a:extLst>
+            </p:cNvPr>
+            <p:cNvSpPr/>
+            <p:nvPr/>
+          </p:nvSpPr>
+          <p:spPr>
+            <a:xfrm>
+              <a:off x="6879338" y="4238945"/>
+              <a:ext cx="237067" cy="237067"/>
+            </a:xfrm>
+            <a:prstGeom prst="ellipse">
+              <a:avLst/>
+            </a:prstGeom>
+            <a:solidFill>
+              <a:schemeClr val="bg1"/>
+            </a:solidFill>
+            <a:ln w="38100">
+              <a:solidFill>
+                <a:srgbClr val="7030A0"/>
+              </a:solidFill>
+            </a:ln>
+          </p:spPr>
+          <p:style>
+            <a:lnRef idx="2">
+              <a:schemeClr val="accent1">
+                <a:shade val="50000"/>
+              </a:schemeClr>
+            </a:lnRef>
+            <a:fillRef idx="1">
+              <a:schemeClr val="accent1"/>
+            </a:fillRef>
+            <a:effectRef idx="0">
+              <a:schemeClr val="accent1"/>
+            </a:effectRef>
+            <a:fontRef idx="minor">
+              <a:schemeClr val="lt1"/>
+            </a:fontRef>
+          </p:style>
+          <p:txBody>
+            <a:bodyPr rtlCol="0" anchor="ctr"/>
+            <a:lstStyle/>
+            <a:p>
+              <a:pPr algn="ctr"/>
+              <a:endParaRPr lang="en-US"/>
+            </a:p>
+          </p:txBody>
+        </p:sp>
+        <p:cxnSp>
+          <p:nvCxnSpPr>
+            <p:cNvPr id="25" name="Straight Arrow Connector 24">
+              <a:extLst>
+                <a:ext uri="{FF2B5EF4-FFF2-40B4-BE49-F238E27FC236}">
+                  <a16:creationId xmlns:a16="http://schemas.microsoft.com/office/drawing/2014/main" id="{F9998BDD-7B79-674C-B4F3-B0EA90569249}"/>
+                </a:ext>
+              </a:extLst>
+            </p:cNvPr>
+            <p:cNvCxnSpPr>
+              <a:cxnSpLocks/>
+            </p:cNvCxnSpPr>
+            <p:nvPr/>
+          </p:nvCxnSpPr>
+          <p:spPr>
+            <a:xfrm>
+              <a:off x="7043801" y="3202439"/>
+              <a:ext cx="2248421" cy="0"/>
+            </a:xfrm>
+            <a:prstGeom prst="straightConnector1">
+              <a:avLst/>
+            </a:prstGeom>
+            <a:ln w="76200">
+              <a:solidFill>
+                <a:srgbClr val="7030A0"/>
+              </a:solidFill>
+              <a:headEnd type="none"/>
+              <a:tailEnd type="none"/>
+            </a:ln>
+          </p:spPr>
+          <p:style>
+            <a:lnRef idx="1">
+              <a:schemeClr val="accent1"/>
+            </a:lnRef>
+            <a:fillRef idx="0">
+              <a:schemeClr val="accent1"/>
+            </a:fillRef>
+            <a:effectRef idx="0">
+              <a:schemeClr val="accent1"/>
+            </a:effectRef>
+            <a:fontRef idx="minor">
+              <a:schemeClr val="tx1"/>
+            </a:fontRef>
+          </p:style>
+        </p:cxnSp>
+        <p:sp>
+          <p:nvSpPr>
+            <p:cNvPr id="26" name="Oval 25">
+              <a:extLst>
+                <a:ext uri="{FF2B5EF4-FFF2-40B4-BE49-F238E27FC236}">
+                  <a16:creationId xmlns:a16="http://schemas.microsoft.com/office/drawing/2014/main" id="{507948D2-ECF8-F24C-A4F8-A18B08A517BB}"/>
+                </a:ext>
+              </a:extLst>
+            </p:cNvPr>
+            <p:cNvSpPr/>
+            <p:nvPr/>
+          </p:nvSpPr>
+          <p:spPr>
+            <a:xfrm>
+              <a:off x="6879338" y="3083905"/>
+              <a:ext cx="237067" cy="237067"/>
+            </a:xfrm>
+            <a:prstGeom prst="ellipse">
+              <a:avLst/>
+            </a:prstGeom>
+            <a:solidFill>
+              <a:srgbClr val="7030A0"/>
+            </a:solidFill>
+            <a:ln w="38100">
+              <a:solidFill>
+                <a:srgbClr val="7030A0"/>
+              </a:solidFill>
+            </a:ln>
+          </p:spPr>
+          <p:style>
+            <a:lnRef idx="2">
+              <a:schemeClr val="accent1">
+                <a:shade val="50000"/>
+              </a:schemeClr>
+            </a:lnRef>
+            <a:fillRef idx="1">
+              <a:schemeClr val="accent1"/>
+            </a:fillRef>
+            <a:effectRef idx="0">
+              <a:schemeClr val="accent1"/>
+            </a:effectRef>
+            <a:fontRef idx="minor">
+              <a:schemeClr val="lt1"/>
+            </a:fontRef>
+          </p:style>
+          <p:txBody>
+            <a:bodyPr rtlCol="0" anchor="ctr"/>
+            <a:lstStyle/>
+            <a:p>
+              <a:pPr algn="ctr"/>
+              <a:endParaRPr lang="en-US"/>
+            </a:p>
+          </p:txBody>
+        </p:sp>
+        <p:sp>
+          <p:nvSpPr>
+            <p:cNvPr id="27" name="Oval 26">
+              <a:extLst>
+                <a:ext uri="{FF2B5EF4-FFF2-40B4-BE49-F238E27FC236}">
+                  <a16:creationId xmlns:a16="http://schemas.microsoft.com/office/drawing/2014/main" id="{97EE64B8-F631-204E-91E4-F5F627BC7159}"/>
+                </a:ext>
+              </a:extLst>
+            </p:cNvPr>
+            <p:cNvSpPr/>
+            <p:nvPr/>
+          </p:nvSpPr>
+          <p:spPr>
+            <a:xfrm>
+              <a:off x="9173688" y="3083905"/>
+              <a:ext cx="237067" cy="237067"/>
+            </a:xfrm>
+            <a:prstGeom prst="ellipse">
+              <a:avLst/>
+            </a:prstGeom>
+            <a:solidFill>
+              <a:schemeClr val="bg1"/>
+            </a:solidFill>
+            <a:ln w="38100">
+              <a:solidFill>
+                <a:srgbClr val="7030A0"/>
+              </a:solidFill>
+            </a:ln>
+          </p:spPr>
+          <p:style>
+            <a:lnRef idx="2">
+              <a:schemeClr val="accent1">
+                <a:shade val="50000"/>
+              </a:schemeClr>
+            </a:lnRef>
+            <a:fillRef idx="1">
+              <a:schemeClr val="accent1"/>
+            </a:fillRef>
+            <a:effectRef idx="0">
+              <a:schemeClr val="accent1"/>
+            </a:effectRef>
+            <a:fontRef idx="minor">
+              <a:schemeClr val="lt1"/>
+            </a:fontRef>
+          </p:style>
+          <p:txBody>
+            <a:bodyPr rtlCol="0" anchor="ctr"/>
+            <a:lstStyle/>
+            <a:p>
+              <a:pPr algn="ctr"/>
+              <a:endParaRPr lang="en-US"/>
+            </a:p>
+          </p:txBody>
+        </p:sp>
+        <mc:AlternateContent xmlns:mc="http://schemas.openxmlformats.org/markup-compatibility/2006">
+          <mc:Choice xmlns:a14="http://schemas.microsoft.com/office/drawing/2010/main" Requires="a14">
+            <p:sp>
+              <p:nvSpPr>
+                <p:cNvPr id="28" name="TextBox 27">
+                  <a:extLst>
+                    <a:ext uri="{FF2B5EF4-FFF2-40B4-BE49-F238E27FC236}">
+                      <a16:creationId xmlns:a16="http://schemas.microsoft.com/office/drawing/2014/main" id="{F76DF09F-6436-5642-8AC7-6603FA055411}"/>
+                    </a:ext>
+                  </a:extLst>
+                </p:cNvPr>
+                <p:cNvSpPr txBox="1"/>
+                <p:nvPr/>
+              </p:nvSpPr>
+              <p:spPr>
+                <a:xfrm>
+                  <a:off x="4603087" y="5493587"/>
+                  <a:ext cx="363252" cy="523220"/>
+                </a:xfrm>
+                <a:prstGeom prst="rect">
+                  <a:avLst/>
+                </a:prstGeom>
+                <a:noFill/>
+              </p:spPr>
+              <p:txBody>
+                <a:bodyPr wrap="square" rtlCol="0">
+                  <a:spAutoFit/>
+                </a:bodyPr>
+                <a:lstStyle/>
+                <a:p>
+                  <a:pPr algn="ctr"/>
+                  <a14:m>
+                    <m:oMathPara xmlns:m="http://schemas.openxmlformats.org/officeDocument/2006/math">
+                      <m:oMathParaPr>
+                        <m:jc m:val="centerGroup"/>
+                      </m:oMathParaPr>
+                      <m:oMath xmlns:m="http://schemas.openxmlformats.org/officeDocument/2006/math">
+                        <m:sSub>
+                          <m:sSubPr>
+                            <m:ctrlPr>
+                              <a:rPr lang="en-US" sz="2800" b="0" i="1" smtClean="0">
+                                <a:latin typeface="Cambria Math" panose="02040503050406030204" pitchFamily="18" charset="0"/>
+                              </a:rPr>
+                            </m:ctrlPr>
+                          </m:sSubPr>
+                          <m:e>
+                            <m:r>
+                              <a:rPr lang="en-US" sz="2800" b="0" i="1" smtClean="0">
+                                <a:latin typeface="Cambria Math" panose="02040503050406030204" pitchFamily="18" charset="0"/>
+                              </a:rPr>
+                              <m:t>𝑇</m:t>
+                            </m:r>
+                          </m:e>
+                          <m:sub>
+                            <m:r>
+                              <a:rPr lang="en-US" sz="2800" b="0" i="1" smtClean="0">
+                                <a:latin typeface="Cambria Math" panose="02040503050406030204" pitchFamily="18" charset="0"/>
+                              </a:rPr>
+                              <m:t>1</m:t>
+                            </m:r>
+                          </m:sub>
+                        </m:sSub>
+                      </m:oMath>
+                    </m:oMathPara>
+                  </a14:m>
+                  <a:endParaRPr lang="en-US" sz="2800" i="1" dirty="0"/>
+                </a:p>
+              </p:txBody>
+            </p:sp>
+          </mc:Choice>
+          <mc:Fallback>
+            <p:sp>
+              <p:nvSpPr>
+                <p:cNvPr id="28" name="TextBox 27">
+                  <a:extLst>
+                    <a:ext uri="{FF2B5EF4-FFF2-40B4-BE49-F238E27FC236}">
+                      <a16:creationId xmlns:a16="http://schemas.microsoft.com/office/drawing/2014/main" id="{F76DF09F-6436-5642-8AC7-6603FA055411}"/>
+                    </a:ext>
+                  </a:extLst>
+                </p:cNvPr>
+                <p:cNvSpPr txBox="1">
+                  <a:spLocks noRot="1" noChangeAspect="1" noMove="1" noResize="1" noEditPoints="1" noAdjustHandles="1" noChangeArrowheads="1" noChangeShapeType="1" noTextEdit="1"/>
+                </p:cNvSpPr>
+                <p:nvPr/>
+              </p:nvSpPr>
+              <p:spPr>
+                <a:xfrm>
+                  <a:off x="4603087" y="5493587"/>
+                  <a:ext cx="363252" cy="523220"/>
+                </a:xfrm>
+                <a:prstGeom prst="rect">
+                  <a:avLst/>
+                </a:prstGeom>
+                <a:blipFill>
+                  <a:blip r:embed="rId5"/>
+                  <a:stretch>
+                    <a:fillRect l="-36667" r="-3333"/>
+                  </a:stretch>
+                </a:blipFill>
+              </p:spPr>
+              <p:txBody>
+                <a:bodyPr/>
+                <a:lstStyle/>
+                <a:p>
+                  <a:r>
+                    <a:rPr lang="en-US">
+                      <a:noFill/>
+                    </a:rPr>
+                    <a:t> </a:t>
+                  </a:r>
+                </a:p>
+              </p:txBody>
+            </p:sp>
+          </mc:Fallback>
+        </mc:AlternateContent>
+        <mc:AlternateContent xmlns:mc="http://schemas.openxmlformats.org/markup-compatibility/2006">
+          <mc:Choice xmlns:a14="http://schemas.microsoft.com/office/drawing/2010/main" Requires="a14">
+            <p:sp>
+              <p:nvSpPr>
+                <p:cNvPr id="29" name="TextBox 28">
+                  <a:extLst>
+                    <a:ext uri="{FF2B5EF4-FFF2-40B4-BE49-F238E27FC236}">
+                      <a16:creationId xmlns:a16="http://schemas.microsoft.com/office/drawing/2014/main" id="{6396A6A0-5072-9F40-BAA0-3EE203F9B908}"/>
+                    </a:ext>
+                  </a:extLst>
+                </p:cNvPr>
+                <p:cNvSpPr txBox="1"/>
+                <p:nvPr/>
+              </p:nvSpPr>
+              <p:spPr>
+                <a:xfrm>
+                  <a:off x="6855919" y="5493587"/>
+                  <a:ext cx="363252" cy="523220"/>
+                </a:xfrm>
+                <a:prstGeom prst="rect">
+                  <a:avLst/>
+                </a:prstGeom>
+                <a:noFill/>
+              </p:spPr>
+              <p:txBody>
+                <a:bodyPr wrap="square" rtlCol="0">
+                  <a:spAutoFit/>
+                </a:bodyPr>
+                <a:lstStyle/>
+                <a:p>
+                  <a:pPr algn="ctr"/>
+                  <a14:m>
+                    <m:oMathPara xmlns:m="http://schemas.openxmlformats.org/officeDocument/2006/math">
+                      <m:oMathParaPr>
+                        <m:jc m:val="centerGroup"/>
+                      </m:oMathParaPr>
+                      <m:oMath xmlns:m="http://schemas.openxmlformats.org/officeDocument/2006/math">
+                        <m:sSub>
+                          <m:sSubPr>
+                            <m:ctrlPr>
+                              <a:rPr lang="en-US" sz="2800" b="0" i="1" smtClean="0">
+                                <a:latin typeface="Cambria Math" panose="02040503050406030204" pitchFamily="18" charset="0"/>
+                              </a:rPr>
+                            </m:ctrlPr>
+                          </m:sSubPr>
+                          <m:e>
+                            <m:r>
+                              <a:rPr lang="en-US" sz="2800" b="0" i="1" smtClean="0">
+                                <a:latin typeface="Cambria Math" panose="02040503050406030204" pitchFamily="18" charset="0"/>
+                              </a:rPr>
+                              <m:t>𝑇</m:t>
+                            </m:r>
+                          </m:e>
+                          <m:sub>
+                            <m:r>
+                              <a:rPr lang="en-US" sz="2800" b="0" i="1" smtClean="0">
+                                <a:latin typeface="Cambria Math" panose="02040503050406030204" pitchFamily="18" charset="0"/>
+                              </a:rPr>
+                              <m:t>2</m:t>
+                            </m:r>
+                          </m:sub>
+                        </m:sSub>
+                      </m:oMath>
+                    </m:oMathPara>
+                  </a14:m>
+                  <a:endParaRPr lang="en-US" sz="2800" i="1" dirty="0"/>
+                </a:p>
+              </p:txBody>
+            </p:sp>
+          </mc:Choice>
+          <mc:Fallback>
+            <p:sp>
+              <p:nvSpPr>
+                <p:cNvPr id="29" name="TextBox 28">
+                  <a:extLst>
+                    <a:ext uri="{FF2B5EF4-FFF2-40B4-BE49-F238E27FC236}">
+                      <a16:creationId xmlns:a16="http://schemas.microsoft.com/office/drawing/2014/main" id="{6396A6A0-5072-9F40-BAA0-3EE203F9B908}"/>
+                    </a:ext>
+                  </a:extLst>
+                </p:cNvPr>
+                <p:cNvSpPr txBox="1">
+                  <a:spLocks noRot="1" noChangeAspect="1" noMove="1" noResize="1" noEditPoints="1" noAdjustHandles="1" noChangeArrowheads="1" noChangeShapeType="1" noTextEdit="1"/>
+                </p:cNvSpPr>
+                <p:nvPr/>
+              </p:nvSpPr>
+              <p:spPr>
+                <a:xfrm>
+                  <a:off x="6855919" y="5493587"/>
+                  <a:ext cx="363252" cy="523220"/>
+                </a:xfrm>
+                <a:prstGeom prst="rect">
+                  <a:avLst/>
+                </a:prstGeom>
+                <a:blipFill>
+                  <a:blip r:embed="rId6"/>
+                  <a:stretch>
+                    <a:fillRect l="-42857" r="-3571"/>
+                  </a:stretch>
+                </a:blipFill>
+              </p:spPr>
+              <p:txBody>
+                <a:bodyPr/>
+                <a:lstStyle/>
+                <a:p>
+                  <a:r>
+                    <a:rPr lang="en-US">
+                      <a:noFill/>
+                    </a:rPr>
+                    <a:t> </a:t>
+                  </a:r>
+                </a:p>
+              </p:txBody>
+            </p:sp>
+          </mc:Fallback>
+        </mc:AlternateContent>
+        <mc:AlternateContent xmlns:mc="http://schemas.openxmlformats.org/markup-compatibility/2006">
+          <mc:Choice xmlns:a14="http://schemas.microsoft.com/office/drawing/2010/main" Requires="a14">
+            <p:sp>
+              <p:nvSpPr>
+                <p:cNvPr id="30" name="TextBox 29">
+                  <a:extLst>
+                    <a:ext uri="{FF2B5EF4-FFF2-40B4-BE49-F238E27FC236}">
+                      <a16:creationId xmlns:a16="http://schemas.microsoft.com/office/drawing/2014/main" id="{0723A41B-58CB-A642-BC1C-5934E46739FD}"/>
+                    </a:ext>
+                  </a:extLst>
+                </p:cNvPr>
+                <p:cNvSpPr txBox="1"/>
+                <p:nvPr/>
+              </p:nvSpPr>
+              <p:spPr>
+                <a:xfrm>
+                  <a:off x="9113623" y="5493587"/>
+                  <a:ext cx="363252" cy="523220"/>
+                </a:xfrm>
+                <a:prstGeom prst="rect">
+                  <a:avLst/>
+                </a:prstGeom>
+                <a:noFill/>
+              </p:spPr>
+              <p:txBody>
+                <a:bodyPr wrap="square" rtlCol="0">
+                  <a:spAutoFit/>
+                </a:bodyPr>
+                <a:lstStyle/>
+                <a:p>
+                  <a:pPr algn="ctr"/>
+                  <a14:m>
+                    <m:oMathPara xmlns:m="http://schemas.openxmlformats.org/officeDocument/2006/math">
+                      <m:oMathParaPr>
+                        <m:jc m:val="centerGroup"/>
+                      </m:oMathParaPr>
+                      <m:oMath xmlns:m="http://schemas.openxmlformats.org/officeDocument/2006/math">
+                        <m:sSub>
+                          <m:sSubPr>
+                            <m:ctrlPr>
+                              <a:rPr lang="en-US" sz="2800" b="0" i="1" smtClean="0">
+                                <a:latin typeface="Cambria Math" panose="02040503050406030204" pitchFamily="18" charset="0"/>
+                              </a:rPr>
+                            </m:ctrlPr>
+                          </m:sSubPr>
+                          <m:e>
+                            <m:r>
+                              <a:rPr lang="en-US" sz="2800" b="0" i="1" smtClean="0">
+                                <a:latin typeface="Cambria Math" panose="02040503050406030204" pitchFamily="18" charset="0"/>
+                              </a:rPr>
+                              <m:t>𝑇</m:t>
+                            </m:r>
+                          </m:e>
+                          <m:sub>
+                            <m:r>
+                              <a:rPr lang="en-US" sz="2800" b="0" i="1" smtClean="0">
+                                <a:latin typeface="Cambria Math" panose="02040503050406030204" pitchFamily="18" charset="0"/>
+                              </a:rPr>
+                              <m:t>3</m:t>
+                            </m:r>
+                          </m:sub>
+                        </m:sSub>
+                      </m:oMath>
+                    </m:oMathPara>
+                  </a14:m>
+                  <a:endParaRPr lang="en-US" sz="2800" i="1" dirty="0"/>
+                </a:p>
+              </p:txBody>
+            </p:sp>
+          </mc:Choice>
+          <mc:Fallback>
+            <p:sp>
+              <p:nvSpPr>
+                <p:cNvPr id="30" name="TextBox 29">
+                  <a:extLst>
+                    <a:ext uri="{FF2B5EF4-FFF2-40B4-BE49-F238E27FC236}">
+                      <a16:creationId xmlns:a16="http://schemas.microsoft.com/office/drawing/2014/main" id="{0723A41B-58CB-A642-BC1C-5934E46739FD}"/>
+                    </a:ext>
+                  </a:extLst>
+                </p:cNvPr>
+                <p:cNvSpPr txBox="1">
+                  <a:spLocks noRot="1" noChangeAspect="1" noMove="1" noResize="1" noEditPoints="1" noAdjustHandles="1" noChangeArrowheads="1" noChangeShapeType="1" noTextEdit="1"/>
+                </p:cNvSpPr>
+                <p:nvPr/>
+              </p:nvSpPr>
+              <p:spPr>
+                <a:xfrm>
+                  <a:off x="9113623" y="5493587"/>
+                  <a:ext cx="363252" cy="523220"/>
+                </a:xfrm>
+                <a:prstGeom prst="rect">
+                  <a:avLst/>
+                </a:prstGeom>
+                <a:blipFill>
+                  <a:blip r:embed="rId7"/>
+                  <a:stretch>
+                    <a:fillRect l="-41379" r="-3448"/>
+                  </a:stretch>
+                </a:blipFill>
+              </p:spPr>
+              <p:txBody>
+                <a:bodyPr/>
+                <a:lstStyle/>
+                <a:p>
+                  <a:r>
+                    <a:rPr lang="en-US">
+                      <a:noFill/>
+                    </a:rPr>
+                    <a:t> </a:t>
+                  </a:r>
+                </a:p>
+              </p:txBody>
+            </p:sp>
+          </mc:Fallback>
+        </mc:AlternateContent>
+        <p:cxnSp>
+          <p:nvCxnSpPr>
+            <p:cNvPr id="31" name="Straight Arrow Connector 30">
+              <a:extLst>
+                <a:ext uri="{FF2B5EF4-FFF2-40B4-BE49-F238E27FC236}">
+                  <a16:creationId xmlns:a16="http://schemas.microsoft.com/office/drawing/2014/main" id="{8FF32EE5-8E48-894E-BD1E-FEB55B0C41C0}"/>
+                </a:ext>
+              </a:extLst>
+            </p:cNvPr>
+            <p:cNvCxnSpPr>
+              <a:cxnSpLocks/>
+            </p:cNvCxnSpPr>
+            <p:nvPr/>
+          </p:nvCxnSpPr>
+          <p:spPr>
+            <a:xfrm>
+              <a:off x="9338151" y="2135837"/>
+              <a:ext cx="409353" cy="0"/>
+            </a:xfrm>
+            <a:prstGeom prst="straightConnector1">
+              <a:avLst/>
+            </a:prstGeom>
+            <a:ln w="76200">
+              <a:solidFill>
+                <a:srgbClr val="7030A0"/>
+              </a:solidFill>
+              <a:headEnd type="none"/>
+              <a:tailEnd type="none"/>
+            </a:ln>
+          </p:spPr>
+          <p:style>
+            <a:lnRef idx="1">
+              <a:schemeClr val="accent1"/>
+            </a:lnRef>
+            <a:fillRef idx="0">
+              <a:schemeClr val="accent1"/>
+            </a:fillRef>
+            <a:effectRef idx="0">
+              <a:schemeClr val="accent1"/>
+            </a:effectRef>
+            <a:fontRef idx="minor">
+              <a:schemeClr val="tx1"/>
+            </a:fontRef>
+          </p:style>
+        </p:cxnSp>
+        <p:sp>
+          <p:nvSpPr>
+            <p:cNvPr id="32" name="Oval 31">
+              <a:extLst>
+                <a:ext uri="{FF2B5EF4-FFF2-40B4-BE49-F238E27FC236}">
+                  <a16:creationId xmlns:a16="http://schemas.microsoft.com/office/drawing/2014/main" id="{0273C6C6-B10A-D34E-825E-DA24F5047782}"/>
+                </a:ext>
+              </a:extLst>
+            </p:cNvPr>
+            <p:cNvSpPr/>
+            <p:nvPr/>
+          </p:nvSpPr>
+          <p:spPr>
+            <a:xfrm>
+              <a:off x="9173688" y="2017303"/>
+              <a:ext cx="237067" cy="237067"/>
+            </a:xfrm>
+            <a:prstGeom prst="ellipse">
+              <a:avLst/>
+            </a:prstGeom>
+            <a:solidFill>
+              <a:srgbClr val="7030A0"/>
+            </a:solidFill>
+            <a:ln w="38100">
+              <a:solidFill>
+                <a:srgbClr val="7030A0"/>
+              </a:solidFill>
+            </a:ln>
+          </p:spPr>
+          <p:style>
+            <a:lnRef idx="2">
+              <a:schemeClr val="accent1">
+                <a:shade val="50000"/>
+              </a:schemeClr>
+            </a:lnRef>
+            <a:fillRef idx="1">
+              <a:schemeClr val="accent1"/>
+            </a:fillRef>
+            <a:effectRef idx="0">
+              <a:schemeClr val="accent1"/>
+            </a:effectRef>
+            <a:fontRef idx="minor">
+              <a:schemeClr val="lt1"/>
+            </a:fontRef>
+          </p:style>
+          <p:txBody>
+            <a:bodyPr rtlCol="0" anchor="ctr"/>
+            <a:lstStyle/>
+            <a:p>
+              <a:pPr algn="ctr"/>
+              <a:endParaRPr lang="en-US"/>
+            </a:p>
+          </p:txBody>
+        </p:sp>
+        <p:cxnSp>
+          <p:nvCxnSpPr>
+            <p:cNvPr id="36" name="Straight Arrow Connector 35">
+              <a:extLst>
+                <a:ext uri="{FF2B5EF4-FFF2-40B4-BE49-F238E27FC236}">
+                  <a16:creationId xmlns:a16="http://schemas.microsoft.com/office/drawing/2014/main" id="{504B2B03-D53F-EC47-835C-597EA1B30601}"/>
+                </a:ext>
+              </a:extLst>
+            </p:cNvPr>
+            <p:cNvCxnSpPr>
+              <a:cxnSpLocks/>
+            </p:cNvCxnSpPr>
+            <p:nvPr/>
+          </p:nvCxnSpPr>
+          <p:spPr>
+            <a:xfrm>
+              <a:off x="9738360" y="2135836"/>
+              <a:ext cx="549701" cy="0"/>
+            </a:xfrm>
+            <a:prstGeom prst="straightConnector1">
+              <a:avLst/>
+            </a:prstGeom>
+            <a:ln w="76200">
+              <a:solidFill>
+                <a:srgbClr val="7030A0"/>
+              </a:solidFill>
+              <a:prstDash val="sysDot"/>
+              <a:headEnd type="none"/>
+              <a:tailEnd type="none"/>
+            </a:ln>
+          </p:spPr>
+          <p:style>
+            <a:lnRef idx="1">
+              <a:schemeClr val="accent1"/>
+            </a:lnRef>
+            <a:fillRef idx="0">
+              <a:schemeClr val="accent1"/>
+            </a:fillRef>
+            <a:effectRef idx="0">
+              <a:schemeClr val="accent1"/>
+            </a:effectRef>
+            <a:fontRef idx="minor">
+              <a:schemeClr val="tx1"/>
+            </a:fontRef>
+          </p:style>
+        </p:cxnSp>
+        <mc:AlternateContent xmlns:mc="http://schemas.openxmlformats.org/markup-compatibility/2006">
+          <mc:Choice xmlns:a14="http://schemas.microsoft.com/office/drawing/2010/main" Requires="a14">
+            <p:sp>
+              <p:nvSpPr>
+                <p:cNvPr id="41" name="TextBox 40">
+                  <a:extLst>
+                    <a:ext uri="{FF2B5EF4-FFF2-40B4-BE49-F238E27FC236}">
+                      <a16:creationId xmlns:a16="http://schemas.microsoft.com/office/drawing/2014/main" id="{98790F13-941B-2C4D-AFFC-2F19CE66938A}"/>
+                    </a:ext>
+                  </a:extLst>
+                </p:cNvPr>
+                <p:cNvSpPr txBox="1"/>
+                <p:nvPr/>
+              </p:nvSpPr>
+              <p:spPr>
+                <a:xfrm>
+                  <a:off x="1997092" y="4108089"/>
+                  <a:ext cx="338200" cy="523220"/>
+                </a:xfrm>
+                <a:prstGeom prst="rect">
+                  <a:avLst/>
+                </a:prstGeom>
+                <a:noFill/>
+              </p:spPr>
+              <p:txBody>
+                <a:bodyPr wrap="square" rtlCol="0">
+                  <a:spAutoFit/>
+                </a:bodyPr>
+                <a:lstStyle/>
+                <a:p>
+                  <a:pPr algn="ctr"/>
+                  <a14:m>
+                    <m:oMathPara xmlns:m="http://schemas.openxmlformats.org/officeDocument/2006/math">
+                      <m:oMathParaPr>
+                        <m:jc m:val="centerGroup"/>
+                      </m:oMathParaPr>
+                      <m:oMath xmlns:m="http://schemas.openxmlformats.org/officeDocument/2006/math">
+                        <m:r>
+                          <a:rPr lang="en-US" sz="2800" b="0" i="1" smtClean="0">
+                            <a:latin typeface="Cambria Math" panose="02040503050406030204" pitchFamily="18" charset="0"/>
+                          </a:rPr>
+                          <m:t>1</m:t>
+                        </m:r>
+                      </m:oMath>
+                    </m:oMathPara>
+                  </a14:m>
+                  <a:endParaRPr lang="en-US" sz="2800" dirty="0"/>
+                </a:p>
+              </p:txBody>
+            </p:sp>
+          </mc:Choice>
+          <mc:Fallback>
+            <p:sp>
+              <p:nvSpPr>
+                <p:cNvPr id="41" name="TextBox 40">
+                  <a:extLst>
+                    <a:ext uri="{FF2B5EF4-FFF2-40B4-BE49-F238E27FC236}">
+                      <a16:creationId xmlns:a16="http://schemas.microsoft.com/office/drawing/2014/main" id="{98790F13-941B-2C4D-AFFC-2F19CE66938A}"/>
+                    </a:ext>
+                  </a:extLst>
+                </p:cNvPr>
+                <p:cNvSpPr txBox="1">
+                  <a:spLocks noRot="1" noChangeAspect="1" noMove="1" noResize="1" noEditPoints="1" noAdjustHandles="1" noChangeArrowheads="1" noChangeShapeType="1" noTextEdit="1"/>
+                </p:cNvSpPr>
+                <p:nvPr/>
+              </p:nvSpPr>
+              <p:spPr>
+                <a:xfrm>
+                  <a:off x="1997092" y="4108089"/>
+                  <a:ext cx="338200" cy="523220"/>
+                </a:xfrm>
+                <a:prstGeom prst="rect">
+                  <a:avLst/>
+                </a:prstGeom>
+                <a:blipFill>
+                  <a:blip r:embed="rId8"/>
+                  <a:stretch>
+                    <a:fillRect l="-25000"/>
+                  </a:stretch>
+                </a:blipFill>
+              </p:spPr>
+              <p:txBody>
+                <a:bodyPr/>
+                <a:lstStyle/>
+                <a:p>
+                  <a:r>
+                    <a:rPr lang="en-US">
+                      <a:noFill/>
+                    </a:rPr>
+                    <a:t> </a:t>
+                  </a:r>
+                </a:p>
+              </p:txBody>
+            </p:sp>
+          </mc:Fallback>
+        </mc:AlternateContent>
+        <mc:AlternateContent xmlns:mc="http://schemas.openxmlformats.org/markup-compatibility/2006">
+          <mc:Choice xmlns:a14="http://schemas.microsoft.com/office/drawing/2010/main" Requires="a14">
+            <p:sp>
+              <p:nvSpPr>
+                <p:cNvPr id="42" name="TextBox 41">
+                  <a:extLst>
+                    <a:ext uri="{FF2B5EF4-FFF2-40B4-BE49-F238E27FC236}">
+                      <a16:creationId xmlns:a16="http://schemas.microsoft.com/office/drawing/2014/main" id="{547F7FB4-5249-B74A-8F8E-E85675384232}"/>
+                    </a:ext>
+                  </a:extLst>
+                </p:cNvPr>
+                <p:cNvSpPr txBox="1"/>
+                <p:nvPr/>
+              </p:nvSpPr>
+              <p:spPr>
+                <a:xfrm>
+                  <a:off x="1997092" y="2940828"/>
+                  <a:ext cx="338200" cy="523220"/>
+                </a:xfrm>
+                <a:prstGeom prst="rect">
+                  <a:avLst/>
+                </a:prstGeom>
+                <a:noFill/>
+              </p:spPr>
+              <p:txBody>
+                <a:bodyPr wrap="square" rtlCol="0">
+                  <a:spAutoFit/>
+                </a:bodyPr>
+                <a:lstStyle/>
+                <a:p>
+                  <a:pPr algn="ctr"/>
+                  <a14:m>
+                    <m:oMathPara xmlns:m="http://schemas.openxmlformats.org/officeDocument/2006/math">
+                      <m:oMathParaPr>
+                        <m:jc m:val="centerGroup"/>
+                      </m:oMathParaPr>
+                      <m:oMath xmlns:m="http://schemas.openxmlformats.org/officeDocument/2006/math">
+                        <m:r>
+                          <a:rPr lang="en-US" sz="2800" b="0" i="1" smtClean="0">
+                            <a:latin typeface="Cambria Math" panose="02040503050406030204" pitchFamily="18" charset="0"/>
+                          </a:rPr>
+                          <m:t>2</m:t>
+                        </m:r>
+                      </m:oMath>
+                    </m:oMathPara>
+                  </a14:m>
+                  <a:endParaRPr lang="en-US" sz="2800" dirty="0"/>
+                </a:p>
+              </p:txBody>
+            </p:sp>
+          </mc:Choice>
+          <mc:Fallback>
+            <p:sp>
+              <p:nvSpPr>
+                <p:cNvPr id="42" name="TextBox 41">
+                  <a:extLst>
+                    <a:ext uri="{FF2B5EF4-FFF2-40B4-BE49-F238E27FC236}">
+                      <a16:creationId xmlns:a16="http://schemas.microsoft.com/office/drawing/2014/main" id="{547F7FB4-5249-B74A-8F8E-E85675384232}"/>
+                    </a:ext>
+                  </a:extLst>
+                </p:cNvPr>
+                <p:cNvSpPr txBox="1">
+                  <a:spLocks noRot="1" noChangeAspect="1" noMove="1" noResize="1" noEditPoints="1" noAdjustHandles="1" noChangeArrowheads="1" noChangeShapeType="1" noTextEdit="1"/>
+                </p:cNvSpPr>
+                <p:nvPr/>
+              </p:nvSpPr>
+              <p:spPr>
+                <a:xfrm>
+                  <a:off x="1997092" y="2940828"/>
+                  <a:ext cx="338200" cy="523220"/>
+                </a:xfrm>
+                <a:prstGeom prst="rect">
+                  <a:avLst/>
+                </a:prstGeom>
+                <a:blipFill>
+                  <a:blip r:embed="rId9"/>
+                  <a:stretch>
+                    <a:fillRect l="-25000"/>
+                  </a:stretch>
+                </a:blipFill>
+              </p:spPr>
+              <p:txBody>
+                <a:bodyPr/>
+                <a:lstStyle/>
+                <a:p>
+                  <a:r>
+                    <a:rPr lang="en-US">
+                      <a:noFill/>
+                    </a:rPr>
+                    <a:t> </a:t>
+                  </a:r>
+                </a:p>
+              </p:txBody>
+            </p:sp>
+          </mc:Fallback>
+        </mc:AlternateContent>
+        <mc:AlternateContent xmlns:mc="http://schemas.openxmlformats.org/markup-compatibility/2006">
+          <mc:Choice xmlns:a14="http://schemas.microsoft.com/office/drawing/2010/main" Requires="a14">
+            <p:sp>
+              <p:nvSpPr>
+                <p:cNvPr id="43" name="TextBox 42">
+                  <a:extLst>
+                    <a:ext uri="{FF2B5EF4-FFF2-40B4-BE49-F238E27FC236}">
+                      <a16:creationId xmlns:a16="http://schemas.microsoft.com/office/drawing/2014/main" id="{1A48F87A-3067-D74E-ADE3-7C9E6EED7C78}"/>
+                    </a:ext>
+                  </a:extLst>
+                </p:cNvPr>
+                <p:cNvSpPr txBox="1"/>
+                <p:nvPr/>
+              </p:nvSpPr>
+              <p:spPr>
+                <a:xfrm>
+                  <a:off x="2007850" y="1875283"/>
+                  <a:ext cx="338200" cy="523220"/>
+                </a:xfrm>
+                <a:prstGeom prst="rect">
+                  <a:avLst/>
+                </a:prstGeom>
+                <a:noFill/>
+              </p:spPr>
+              <p:txBody>
+                <a:bodyPr wrap="square" rtlCol="0">
+                  <a:spAutoFit/>
+                </a:bodyPr>
+                <a:lstStyle/>
+                <a:p>
+                  <a:pPr algn="ctr"/>
+                  <a14:m>
+                    <m:oMathPara xmlns:m="http://schemas.openxmlformats.org/officeDocument/2006/math">
+                      <m:oMathParaPr>
+                        <m:jc m:val="centerGroup"/>
+                      </m:oMathParaPr>
+                      <m:oMath xmlns:m="http://schemas.openxmlformats.org/officeDocument/2006/math">
+                        <m:r>
+                          <a:rPr lang="en-US" sz="2800" b="0" i="1" smtClean="0">
+                            <a:latin typeface="Cambria Math" panose="02040503050406030204" pitchFamily="18" charset="0"/>
+                          </a:rPr>
+                          <m:t>3</m:t>
+                        </m:r>
+                      </m:oMath>
+                    </m:oMathPara>
+                  </a14:m>
+                  <a:endParaRPr lang="en-US" sz="2800" dirty="0"/>
+                </a:p>
+              </p:txBody>
+            </p:sp>
+          </mc:Choice>
+          <mc:Fallback>
+            <p:sp>
+              <p:nvSpPr>
+                <p:cNvPr id="43" name="TextBox 42">
+                  <a:extLst>
+                    <a:ext uri="{FF2B5EF4-FFF2-40B4-BE49-F238E27FC236}">
+                      <a16:creationId xmlns:a16="http://schemas.microsoft.com/office/drawing/2014/main" id="{1A48F87A-3067-D74E-ADE3-7C9E6EED7C78}"/>
+                    </a:ext>
+                  </a:extLst>
+                </p:cNvPr>
+                <p:cNvSpPr txBox="1">
+                  <a:spLocks noRot="1" noChangeAspect="1" noMove="1" noResize="1" noEditPoints="1" noAdjustHandles="1" noChangeArrowheads="1" noChangeShapeType="1" noTextEdit="1"/>
+                </p:cNvSpPr>
+                <p:nvPr/>
+              </p:nvSpPr>
+              <p:spPr>
+                <a:xfrm>
+                  <a:off x="2007850" y="1875283"/>
+                  <a:ext cx="338200" cy="523220"/>
+                </a:xfrm>
+                <a:prstGeom prst="rect">
+                  <a:avLst/>
+                </a:prstGeom>
+                <a:blipFill>
+                  <a:blip r:embed="rId10"/>
+                  <a:stretch>
+                    <a:fillRect l="-25000"/>
+                  </a:stretch>
+                </a:blipFill>
+              </p:spPr>
+              <p:txBody>
+                <a:bodyPr/>
+                <a:lstStyle/>
+                <a:p>
+                  <a:r>
+                    <a:rPr lang="en-US">
+                      <a:noFill/>
+                    </a:rPr>
+                    <a:t> </a:t>
+                  </a:r>
+                </a:p>
+              </p:txBody>
+            </p:sp>
+          </mc:Fallback>
+        </mc:AlternateContent>
+        <mc:AlternateContent xmlns:mc="http://schemas.openxmlformats.org/markup-compatibility/2006">
+          <mc:Choice xmlns:a14="http://schemas.microsoft.com/office/drawing/2010/main" Requires="a14">
+            <p:sp>
+              <p:nvSpPr>
+                <p:cNvPr id="45" name="TextBox 44">
+                  <a:extLst>
+                    <a:ext uri="{FF2B5EF4-FFF2-40B4-BE49-F238E27FC236}">
+                      <a16:creationId xmlns:a16="http://schemas.microsoft.com/office/drawing/2014/main" id="{C92A6E99-879E-9641-A9B1-99263A338859}"/>
+                    </a:ext>
+                  </a:extLst>
+                </p:cNvPr>
+                <p:cNvSpPr txBox="1"/>
+                <p:nvPr/>
+              </p:nvSpPr>
+              <p:spPr>
+                <a:xfrm>
+                  <a:off x="3419732" y="3918819"/>
+                  <a:ext cx="363252" cy="523220"/>
+                </a:xfrm>
+                <a:prstGeom prst="rect">
+                  <a:avLst/>
+                </a:prstGeom>
+                <a:noFill/>
+              </p:spPr>
+              <p:txBody>
+                <a:bodyPr wrap="square" rtlCol="0">
+                  <a:spAutoFit/>
+                </a:bodyPr>
+                <a:lstStyle/>
+                <a:p>
+                  <a:pPr algn="ctr"/>
+                  <a14:m>
+                    <m:oMathPara xmlns:m="http://schemas.openxmlformats.org/officeDocument/2006/math">
+                      <m:oMathParaPr>
+                        <m:jc m:val="centerGroup"/>
+                      </m:oMathParaPr>
+                      <m:oMath xmlns:m="http://schemas.openxmlformats.org/officeDocument/2006/math">
+                        <m:sSub>
+                          <m:sSubPr>
+                            <m:ctrlPr>
+                              <a:rPr lang="en-US" sz="2800" b="0" i="1" smtClean="0">
+                                <a:latin typeface="Cambria Math" panose="02040503050406030204" pitchFamily="18" charset="0"/>
+                              </a:rPr>
+                            </m:ctrlPr>
+                          </m:sSubPr>
+                          <m:e>
+                            <m:r>
+                              <a:rPr lang="en-US" sz="2800" b="0" i="1" smtClean="0">
+                                <a:latin typeface="Cambria Math" panose="02040503050406030204" pitchFamily="18" charset="0"/>
+                              </a:rPr>
+                              <m:t>𝛿</m:t>
+                            </m:r>
+                          </m:e>
+                          <m:sub>
+                            <m:r>
+                              <a:rPr lang="en-US" sz="2800" b="0" i="1" smtClean="0">
+                                <a:latin typeface="Cambria Math" panose="02040503050406030204" pitchFamily="18" charset="0"/>
+                              </a:rPr>
+                              <m:t>1</m:t>
+                            </m:r>
+                          </m:sub>
+                        </m:sSub>
+                      </m:oMath>
+                    </m:oMathPara>
+                  </a14:m>
+                  <a:endParaRPr lang="en-US" sz="2800" i="1" dirty="0"/>
+                </a:p>
+              </p:txBody>
+            </p:sp>
+          </mc:Choice>
+          <mc:Fallback>
+            <p:sp>
+              <p:nvSpPr>
+                <p:cNvPr id="45" name="TextBox 44">
+                  <a:extLst>
+                    <a:ext uri="{FF2B5EF4-FFF2-40B4-BE49-F238E27FC236}">
+                      <a16:creationId xmlns:a16="http://schemas.microsoft.com/office/drawing/2014/main" id="{C92A6E99-879E-9641-A9B1-99263A338859}"/>
+                    </a:ext>
+                  </a:extLst>
+                </p:cNvPr>
+                <p:cNvSpPr txBox="1">
+                  <a:spLocks noRot="1" noChangeAspect="1" noMove="1" noResize="1" noEditPoints="1" noAdjustHandles="1" noChangeArrowheads="1" noChangeShapeType="1" noTextEdit="1"/>
+                </p:cNvSpPr>
+                <p:nvPr/>
+              </p:nvSpPr>
+              <p:spPr>
+                <a:xfrm>
+                  <a:off x="3419732" y="3918819"/>
+                  <a:ext cx="363252" cy="523220"/>
+                </a:xfrm>
+                <a:prstGeom prst="rect">
+                  <a:avLst/>
+                </a:prstGeom>
+                <a:blipFill>
+                  <a:blip r:embed="rId11"/>
+                  <a:stretch>
+                    <a:fillRect l="-40000" r="-3333"/>
+                  </a:stretch>
+                </a:blipFill>
+              </p:spPr>
+              <p:txBody>
+                <a:bodyPr/>
+                <a:lstStyle/>
+                <a:p>
+                  <a:r>
+                    <a:rPr lang="en-US">
+                      <a:noFill/>
+                    </a:rPr>
+                    <a:t> </a:t>
+                  </a:r>
+                </a:p>
+              </p:txBody>
+            </p:sp>
+          </mc:Fallback>
+        </mc:AlternateContent>
+        <p:sp>
+          <p:nvSpPr>
+            <p:cNvPr id="46" name="Right Brace 45">
+              <a:extLst>
+                <a:ext uri="{FF2B5EF4-FFF2-40B4-BE49-F238E27FC236}">
+                  <a16:creationId xmlns:a16="http://schemas.microsoft.com/office/drawing/2014/main" id="{7F39D59C-A83A-BB43-B5EA-EFCDC1EC12EF}"/>
+                </a:ext>
+              </a:extLst>
+            </p:cNvPr>
+            <p:cNvSpPr/>
+            <p:nvPr/>
+          </p:nvSpPr>
+          <p:spPr>
+            <a:xfrm rot="16200000">
+              <a:off x="3161177" y="3728185"/>
+              <a:ext cx="790345" cy="2285998"/>
+            </a:xfrm>
+            <a:prstGeom prst="rightBrace">
+              <a:avLst/>
+            </a:prstGeom>
+            <a:ln w="38100">
+              <a:solidFill>
+                <a:schemeClr val="tx1"/>
+              </a:solidFill>
+            </a:ln>
+          </p:spPr>
+          <p:style>
+            <a:lnRef idx="1">
+              <a:schemeClr val="accent1"/>
+            </a:lnRef>
+            <a:fillRef idx="0">
+              <a:schemeClr val="accent1"/>
+            </a:fillRef>
+            <a:effectRef idx="0">
+              <a:schemeClr val="accent1"/>
+            </a:effectRef>
+            <a:fontRef idx="minor">
+              <a:schemeClr val="tx1"/>
+            </a:fontRef>
+          </p:style>
+          <p:txBody>
+            <a:bodyPr rtlCol="0" anchor="ctr"/>
+            <a:lstStyle/>
+            <a:p>
+              <a:pPr algn="ctr"/>
+              <a:endParaRPr lang="en-US"/>
+            </a:p>
+          </p:txBody>
+        </p:sp>
+        <mc:AlternateContent xmlns:mc="http://schemas.openxmlformats.org/markup-compatibility/2006">
+          <mc:Choice xmlns:a14="http://schemas.microsoft.com/office/drawing/2010/main" Requires="a14">
+            <p:sp>
+              <p:nvSpPr>
+                <p:cNvPr id="47" name="TextBox 46">
+                  <a:extLst>
+                    <a:ext uri="{FF2B5EF4-FFF2-40B4-BE49-F238E27FC236}">
+                      <a16:creationId xmlns:a16="http://schemas.microsoft.com/office/drawing/2014/main" id="{B596C289-2178-F94B-BDAC-BD62ADE5A69B}"/>
+                    </a:ext>
+                  </a:extLst>
+                </p:cNvPr>
+                <p:cNvSpPr txBox="1"/>
+                <p:nvPr/>
+              </p:nvSpPr>
+              <p:spPr>
+                <a:xfrm>
+                  <a:off x="5703650" y="2862405"/>
+                  <a:ext cx="363252" cy="523220"/>
+                </a:xfrm>
+                <a:prstGeom prst="rect">
+                  <a:avLst/>
+                </a:prstGeom>
+                <a:noFill/>
+              </p:spPr>
+              <p:txBody>
+                <a:bodyPr wrap="square" rtlCol="0">
+                  <a:spAutoFit/>
+                </a:bodyPr>
+                <a:lstStyle/>
+                <a:p>
+                  <a:pPr algn="ctr"/>
+                  <a14:m>
+                    <m:oMathPara xmlns:m="http://schemas.openxmlformats.org/officeDocument/2006/math">
+                      <m:oMathParaPr>
+                        <m:jc m:val="centerGroup"/>
+                      </m:oMathParaPr>
+                      <m:oMath xmlns:m="http://schemas.openxmlformats.org/officeDocument/2006/math">
+                        <m:sSub>
+                          <m:sSubPr>
+                            <m:ctrlPr>
+                              <a:rPr lang="en-US" sz="2800" b="0" i="1" smtClean="0">
+                                <a:latin typeface="Cambria Math" panose="02040503050406030204" pitchFamily="18" charset="0"/>
+                              </a:rPr>
+                            </m:ctrlPr>
+                          </m:sSubPr>
+                          <m:e>
+                            <m:r>
+                              <a:rPr lang="en-US" sz="2800" b="0" i="1" smtClean="0">
+                                <a:latin typeface="Cambria Math" panose="02040503050406030204" pitchFamily="18" charset="0"/>
+                              </a:rPr>
+                              <m:t>𝛿</m:t>
+                            </m:r>
+                          </m:e>
+                          <m:sub>
+                            <m:r>
+                              <a:rPr lang="en-US" sz="2800" b="0" i="1" smtClean="0">
+                                <a:latin typeface="Cambria Math" panose="02040503050406030204" pitchFamily="18" charset="0"/>
+                              </a:rPr>
+                              <m:t>2</m:t>
+                            </m:r>
+                          </m:sub>
+                        </m:sSub>
+                      </m:oMath>
+                    </m:oMathPara>
+                  </a14:m>
+                  <a:endParaRPr lang="en-US" sz="2800" i="1" dirty="0"/>
+                </a:p>
+              </p:txBody>
+            </p:sp>
+          </mc:Choice>
+          <mc:Fallback>
+            <p:sp>
+              <p:nvSpPr>
+                <p:cNvPr id="47" name="TextBox 46">
+                  <a:extLst>
+                    <a:ext uri="{FF2B5EF4-FFF2-40B4-BE49-F238E27FC236}">
+                      <a16:creationId xmlns:a16="http://schemas.microsoft.com/office/drawing/2014/main" id="{B596C289-2178-F94B-BDAC-BD62ADE5A69B}"/>
+                    </a:ext>
+                  </a:extLst>
+                </p:cNvPr>
+                <p:cNvSpPr txBox="1">
+                  <a:spLocks noRot="1" noChangeAspect="1" noMove="1" noResize="1" noEditPoints="1" noAdjustHandles="1" noChangeArrowheads="1" noChangeShapeType="1" noTextEdit="1"/>
+                </p:cNvSpPr>
+                <p:nvPr/>
+              </p:nvSpPr>
+              <p:spPr>
+                <a:xfrm>
+                  <a:off x="5703650" y="2862405"/>
+                  <a:ext cx="363252" cy="523220"/>
+                </a:xfrm>
+                <a:prstGeom prst="rect">
+                  <a:avLst/>
+                </a:prstGeom>
+                <a:blipFill>
+                  <a:blip r:embed="rId12"/>
+                  <a:stretch>
+                    <a:fillRect l="-40000" r="-3333"/>
+                  </a:stretch>
+                </a:blipFill>
+              </p:spPr>
+              <p:txBody>
+                <a:bodyPr/>
+                <a:lstStyle/>
+                <a:p>
+                  <a:r>
+                    <a:rPr lang="en-US">
+                      <a:noFill/>
+                    </a:rPr>
+                    <a:t> </a:t>
+                  </a:r>
+                </a:p>
+              </p:txBody>
+            </p:sp>
+          </mc:Fallback>
+        </mc:AlternateContent>
+        <p:sp>
+          <p:nvSpPr>
+            <p:cNvPr id="48" name="Right Brace 47">
+              <a:extLst>
+                <a:ext uri="{FF2B5EF4-FFF2-40B4-BE49-F238E27FC236}">
+                  <a16:creationId xmlns:a16="http://schemas.microsoft.com/office/drawing/2014/main" id="{B17B6512-90C5-7149-9965-EB5A29EAF228}"/>
+                </a:ext>
+              </a:extLst>
+            </p:cNvPr>
+            <p:cNvSpPr/>
+            <p:nvPr/>
+          </p:nvSpPr>
+          <p:spPr>
+            <a:xfrm rot="16200000">
+              <a:off x="5445095" y="2671771"/>
+              <a:ext cx="790345" cy="2285998"/>
+            </a:xfrm>
+            <a:prstGeom prst="rightBrace">
+              <a:avLst/>
+            </a:prstGeom>
+            <a:ln w="38100">
+              <a:solidFill>
+                <a:schemeClr val="tx1"/>
+              </a:solidFill>
+            </a:ln>
+          </p:spPr>
+          <p:style>
+            <a:lnRef idx="1">
+              <a:schemeClr val="accent1"/>
+            </a:lnRef>
+            <a:fillRef idx="0">
+              <a:schemeClr val="accent1"/>
+            </a:fillRef>
+            <a:effectRef idx="0">
+              <a:schemeClr val="accent1"/>
+            </a:effectRef>
+            <a:fontRef idx="minor">
+              <a:schemeClr val="tx1"/>
+            </a:fontRef>
+          </p:style>
+          <p:txBody>
+            <a:bodyPr rtlCol="0" anchor="ctr"/>
+            <a:lstStyle/>
+            <a:p>
+              <a:pPr algn="ctr"/>
+              <a:endParaRPr lang="en-US"/>
+            </a:p>
+          </p:txBody>
+        </p:sp>
+        <mc:AlternateContent xmlns:mc="http://schemas.openxmlformats.org/markup-compatibility/2006">
+          <mc:Choice xmlns:a14="http://schemas.microsoft.com/office/drawing/2010/main" Requires="a14">
+            <p:sp>
+              <p:nvSpPr>
+                <p:cNvPr id="49" name="TextBox 48">
+                  <a:extLst>
+                    <a:ext uri="{FF2B5EF4-FFF2-40B4-BE49-F238E27FC236}">
+                      <a16:creationId xmlns:a16="http://schemas.microsoft.com/office/drawing/2014/main" id="{20C60DCC-06C2-3443-8D76-CBCDD00D16B0}"/>
+                    </a:ext>
+                  </a:extLst>
+                </p:cNvPr>
+                <p:cNvSpPr txBox="1"/>
+                <p:nvPr/>
+              </p:nvSpPr>
+              <p:spPr>
+                <a:xfrm>
+                  <a:off x="8004255" y="1707364"/>
+                  <a:ext cx="363252" cy="523220"/>
+                </a:xfrm>
+                <a:prstGeom prst="rect">
+                  <a:avLst/>
+                </a:prstGeom>
+                <a:noFill/>
+              </p:spPr>
+              <p:txBody>
+                <a:bodyPr wrap="square" rtlCol="0">
+                  <a:spAutoFit/>
+                </a:bodyPr>
+                <a:lstStyle/>
+                <a:p>
+                  <a:pPr algn="ctr"/>
+                  <a14:m>
+                    <m:oMathPara xmlns:m="http://schemas.openxmlformats.org/officeDocument/2006/math">
+                      <m:oMathParaPr>
+                        <m:jc m:val="centerGroup"/>
+                      </m:oMathParaPr>
+                      <m:oMath xmlns:m="http://schemas.openxmlformats.org/officeDocument/2006/math">
+                        <m:sSub>
+                          <m:sSubPr>
+                            <m:ctrlPr>
+                              <a:rPr lang="en-US" sz="2800" b="0" i="1" smtClean="0">
+                                <a:latin typeface="Cambria Math" panose="02040503050406030204" pitchFamily="18" charset="0"/>
+                              </a:rPr>
+                            </m:ctrlPr>
+                          </m:sSubPr>
+                          <m:e>
+                            <m:r>
+                              <a:rPr lang="en-US" sz="2800" b="0" i="1" smtClean="0">
+                                <a:latin typeface="Cambria Math" panose="02040503050406030204" pitchFamily="18" charset="0"/>
+                              </a:rPr>
+                              <m:t>𝛿</m:t>
+                            </m:r>
+                          </m:e>
+                          <m:sub>
+                            <m:r>
+                              <a:rPr lang="en-US" sz="2800" b="0" i="1" smtClean="0">
+                                <a:latin typeface="Cambria Math" panose="02040503050406030204" pitchFamily="18" charset="0"/>
+                              </a:rPr>
+                              <m:t>3</m:t>
+                            </m:r>
+                          </m:sub>
+                        </m:sSub>
+                      </m:oMath>
+                    </m:oMathPara>
+                  </a14:m>
+                  <a:endParaRPr lang="en-US" sz="2800" i="1" dirty="0"/>
+                </a:p>
+              </p:txBody>
+            </p:sp>
+          </mc:Choice>
+          <mc:Fallback>
+            <p:sp>
+              <p:nvSpPr>
+                <p:cNvPr id="49" name="TextBox 48">
+                  <a:extLst>
+                    <a:ext uri="{FF2B5EF4-FFF2-40B4-BE49-F238E27FC236}">
+                      <a16:creationId xmlns:a16="http://schemas.microsoft.com/office/drawing/2014/main" id="{20C60DCC-06C2-3443-8D76-CBCDD00D16B0}"/>
+                    </a:ext>
+                  </a:extLst>
+                </p:cNvPr>
+                <p:cNvSpPr txBox="1">
+                  <a:spLocks noRot="1" noChangeAspect="1" noMove="1" noResize="1" noEditPoints="1" noAdjustHandles="1" noChangeArrowheads="1" noChangeShapeType="1" noTextEdit="1"/>
+                </p:cNvSpPr>
+                <p:nvPr/>
+              </p:nvSpPr>
+              <p:spPr>
+                <a:xfrm>
+                  <a:off x="8004255" y="1707364"/>
+                  <a:ext cx="363252" cy="523220"/>
+                </a:xfrm>
+                <a:prstGeom prst="rect">
+                  <a:avLst/>
+                </a:prstGeom>
+                <a:blipFill>
+                  <a:blip r:embed="rId13"/>
+                  <a:stretch>
+                    <a:fillRect l="-40000" r="-3333"/>
+                  </a:stretch>
+                </a:blipFill>
+              </p:spPr>
+              <p:txBody>
+                <a:bodyPr/>
+                <a:lstStyle/>
+                <a:p>
+                  <a:r>
+                    <a:rPr lang="en-US">
+                      <a:noFill/>
+                    </a:rPr>
+                    <a:t> </a:t>
+                  </a:r>
+                </a:p>
+              </p:txBody>
+            </p:sp>
+          </mc:Fallback>
+        </mc:AlternateContent>
+        <p:sp>
+          <p:nvSpPr>
+            <p:cNvPr id="50" name="Right Brace 49">
+              <a:extLst>
+                <a:ext uri="{FF2B5EF4-FFF2-40B4-BE49-F238E27FC236}">
+                  <a16:creationId xmlns:a16="http://schemas.microsoft.com/office/drawing/2014/main" id="{701699BC-ABEE-F74E-B9CD-673038A73EEE}"/>
+                </a:ext>
+              </a:extLst>
+            </p:cNvPr>
+            <p:cNvSpPr/>
+            <p:nvPr/>
+          </p:nvSpPr>
+          <p:spPr>
+            <a:xfrm rot="16200000">
+              <a:off x="7745700" y="1516730"/>
+              <a:ext cx="790345" cy="2285998"/>
+            </a:xfrm>
+            <a:prstGeom prst="rightBrace">
+              <a:avLst/>
+            </a:prstGeom>
+            <a:ln w="38100">
+              <a:solidFill>
+                <a:schemeClr val="tx1"/>
+              </a:solidFill>
+            </a:ln>
+          </p:spPr>
+          <p:style>
+            <a:lnRef idx="1">
+              <a:schemeClr val="accent1"/>
+            </a:lnRef>
+            <a:fillRef idx="0">
+              <a:schemeClr val="accent1"/>
+            </a:fillRef>
+            <a:effectRef idx="0">
+              <a:schemeClr val="accent1"/>
+            </a:effectRef>
+            <a:fontRef idx="minor">
+              <a:schemeClr val="tx1"/>
+            </a:fontRef>
+          </p:style>
+          <p:txBody>
+            <a:bodyPr rtlCol="0" anchor="ctr"/>
+            <a:lstStyle/>
+            <a:p>
+              <a:pPr algn="ctr"/>
+              <a:endParaRPr lang="en-US"/>
+            </a:p>
+          </p:txBody>
+        </p:sp>
+      </p:grpSp>
+    </p:spTree>
+    <p:extLst>
+      <p:ext uri="{BB962C8B-B14F-4D97-AF65-F5344CB8AC3E}">
+        <p14:creationId xmlns:p14="http://schemas.microsoft.com/office/powerpoint/2010/main" val="1478851075"/>
+      </p:ext>
+    </p:extLst>
+  </p:cSld>
+  <p:clrMapOvr>
+    <a:masterClrMapping/>
+  </p:clrMapOvr>
+</p:sld>
+</file>
+
+<file path=ppt/slides/slide3.xml><?xml version="1.0" encoding="utf-8"?>
+<p:sld xmlns:a="http://schemas.openxmlformats.org/drawingml/2006/main" xmlns:r="http://schemas.openxmlformats.org/officeDocument/2006/relationships" xmlns:p="http://schemas.openxmlformats.org/presentationml/2006/main">
+  <p:cSld>
+    <p:spTree>
+      <p:nvGrpSpPr>
+        <p:cNvPr id="1" name=""/>
+        <p:cNvGrpSpPr/>
+        <p:nvPr/>
+      </p:nvGrpSpPr>
+      <p:grpSpPr>
+        <a:xfrm>
+          <a:off x="0" y="0"/>
+          <a:ext cx="0" cy="0"/>
+          <a:chOff x="0" y="0"/>
+          <a:chExt cx="0" cy="0"/>
+        </a:xfrm>
+      </p:grpSpPr>
+      <p:grpSp>
+        <p:nvGrpSpPr>
+          <p:cNvPr id="2" name="Group 1">
+            <a:extLst>
+              <a:ext uri="{FF2B5EF4-FFF2-40B4-BE49-F238E27FC236}">
+                <a16:creationId xmlns:a16="http://schemas.microsoft.com/office/drawing/2014/main" id="{199495C2-E75E-C14F-AF77-83E8ACE89B5E}"/>
+              </a:ext>
+            </a:extLst>
+          </p:cNvPr>
+          <p:cNvGrpSpPr/>
+          <p:nvPr/>
+        </p:nvGrpSpPr>
+        <p:grpSpPr>
+          <a:xfrm>
+            <a:off x="1605425" y="1174707"/>
+            <a:ext cx="8691780" cy="4842100"/>
+            <a:chOff x="1605425" y="1174707"/>
+            <a:chExt cx="8691780" cy="4842100"/>
+          </a:xfrm>
+        </p:grpSpPr>
+        <p:cxnSp>
+          <p:nvCxnSpPr>
+            <p:cNvPr id="3" name="Straight Arrow Connector 2">
+              <a:extLst>
+                <a:ext uri="{FF2B5EF4-FFF2-40B4-BE49-F238E27FC236}">
+                  <a16:creationId xmlns:a16="http://schemas.microsoft.com/office/drawing/2014/main" id="{FDB94F1F-0C06-9846-A8EC-70FD3D5DF689}"/>
+                </a:ext>
+              </a:extLst>
+            </p:cNvPr>
+            <p:cNvCxnSpPr>
+              <a:cxnSpLocks/>
+            </p:cNvCxnSpPr>
+            <p:nvPr/>
+          </p:nvCxnSpPr>
+          <p:spPr>
+            <a:xfrm>
+              <a:off x="2413348" y="5423769"/>
+              <a:ext cx="7645052" cy="0"/>
+            </a:xfrm>
+            <a:prstGeom prst="straightConnector1">
+              <a:avLst/>
+            </a:prstGeom>
+            <a:ln w="57150">
+              <a:solidFill>
+                <a:schemeClr val="tx1"/>
+              </a:solidFill>
+              <a:tailEnd type="triangle"/>
+            </a:ln>
+          </p:spPr>
+          <p:style>
+            <a:lnRef idx="1">
+              <a:schemeClr val="accent1"/>
+            </a:lnRef>
+            <a:fillRef idx="0">
+              <a:schemeClr val="accent1"/>
+            </a:fillRef>
+            <a:effectRef idx="0">
+              <a:schemeClr val="accent1"/>
+            </a:effectRef>
+            <a:fontRef idx="minor">
+              <a:schemeClr val="tx1"/>
+            </a:fontRef>
+          </p:style>
+        </p:cxnSp>
+        <p:cxnSp>
+          <p:nvCxnSpPr>
+            <p:cNvPr id="5" name="Straight Arrow Connector 4">
+              <a:extLst>
+                <a:ext uri="{FF2B5EF4-FFF2-40B4-BE49-F238E27FC236}">
+                  <a16:creationId xmlns:a16="http://schemas.microsoft.com/office/drawing/2014/main" id="{40037B4F-ED63-7348-9E64-D74BE587983E}"/>
+                </a:ext>
+              </a:extLst>
+            </p:cNvPr>
+            <p:cNvCxnSpPr>
+              <a:cxnSpLocks/>
+            </p:cNvCxnSpPr>
+            <p:nvPr/>
+          </p:nvCxnSpPr>
+          <p:spPr>
+            <a:xfrm flipV="1">
+              <a:off x="2417523" y="1290181"/>
+              <a:ext cx="0" cy="4158641"/>
+            </a:xfrm>
+            <a:prstGeom prst="straightConnector1">
+              <a:avLst/>
+            </a:prstGeom>
+            <a:ln w="57150">
+              <a:solidFill>
+                <a:schemeClr val="tx1"/>
+              </a:solidFill>
+              <a:tailEnd type="triangle"/>
+            </a:ln>
+          </p:spPr>
+          <p:style>
+            <a:lnRef idx="1">
+              <a:schemeClr val="accent1"/>
+            </a:lnRef>
+            <a:fillRef idx="0">
+              <a:schemeClr val="accent1"/>
+            </a:fillRef>
+            <a:effectRef idx="0">
+              <a:schemeClr val="accent1"/>
+            </a:effectRef>
+            <a:fontRef idx="minor">
+              <a:schemeClr val="tx1"/>
+            </a:fontRef>
+          </p:style>
+        </p:cxnSp>
+        <mc:AlternateContent xmlns:mc="http://schemas.openxmlformats.org/markup-compatibility/2006">
+          <mc:Choice xmlns:a14="http://schemas.microsoft.com/office/drawing/2010/main" Requires="a14">
+            <p:sp>
+              <p:nvSpPr>
+                <p:cNvPr id="8" name="TextBox 7">
+                  <a:extLst>
+                    <a:ext uri="{FF2B5EF4-FFF2-40B4-BE49-F238E27FC236}">
+                      <a16:creationId xmlns:a16="http://schemas.microsoft.com/office/drawing/2014/main" id="{B58B5C60-DEE6-1445-AA0C-219FA77EDEFB}"/>
+                    </a:ext>
+                  </a:extLst>
+                </p:cNvPr>
+                <p:cNvSpPr txBox="1"/>
+                <p:nvPr/>
+              </p:nvSpPr>
+              <p:spPr>
+                <a:xfrm>
+                  <a:off x="1990597" y="5421683"/>
+                  <a:ext cx="338200" cy="523220"/>
+                </a:xfrm>
+                <a:prstGeom prst="rect">
+                  <a:avLst/>
+                </a:prstGeom>
+                <a:noFill/>
+              </p:spPr>
+              <p:txBody>
+                <a:bodyPr wrap="square" rtlCol="0">
+                  <a:spAutoFit/>
+                </a:bodyPr>
+                <a:lstStyle/>
+                <a:p>
+                  <a:pPr algn="ctr"/>
+                  <a14:m>
+                    <m:oMathPara xmlns:m="http://schemas.openxmlformats.org/officeDocument/2006/math">
+                      <m:oMathParaPr>
+                        <m:jc m:val="centerGroup"/>
+                      </m:oMathParaPr>
+                      <m:oMath xmlns:m="http://schemas.openxmlformats.org/officeDocument/2006/math">
+                        <m:r>
+                          <a:rPr lang="en-US" sz="2800" b="0" i="1" smtClean="0">
+                            <a:latin typeface="Cambria Math" panose="02040503050406030204" pitchFamily="18" charset="0"/>
+                          </a:rPr>
+                          <m:t>0</m:t>
+                        </m:r>
+                      </m:oMath>
+                    </m:oMathPara>
+                  </a14:m>
+                  <a:endParaRPr lang="en-US" sz="2800" dirty="0"/>
+                </a:p>
+              </p:txBody>
+            </p:sp>
+          </mc:Choice>
+          <mc:Fallback>
+            <p:sp>
+              <p:nvSpPr>
+                <p:cNvPr id="8" name="TextBox 7">
+                  <a:extLst>
+                    <a:ext uri="{FF2B5EF4-FFF2-40B4-BE49-F238E27FC236}">
+                      <a16:creationId xmlns:a16="http://schemas.microsoft.com/office/drawing/2014/main" id="{B58B5C60-DEE6-1445-AA0C-219FA77EDEFB}"/>
+                    </a:ext>
+                  </a:extLst>
+                </p:cNvPr>
+                <p:cNvSpPr txBox="1">
+                  <a:spLocks noRot="1" noChangeAspect="1" noMove="1" noResize="1" noEditPoints="1" noAdjustHandles="1" noChangeArrowheads="1" noChangeShapeType="1" noTextEdit="1"/>
+                </p:cNvSpPr>
+                <p:nvPr/>
+              </p:nvSpPr>
+              <p:spPr>
+                <a:xfrm>
+                  <a:off x="1990597" y="5421683"/>
+                  <a:ext cx="338200" cy="523220"/>
+                </a:xfrm>
+                <a:prstGeom prst="rect">
+                  <a:avLst/>
+                </a:prstGeom>
+                <a:blipFill>
+                  <a:blip r:embed="rId2"/>
+                  <a:stretch>
+                    <a:fillRect l="-25926" r="-3704"/>
+                  </a:stretch>
+                </a:blipFill>
+              </p:spPr>
+              <p:txBody>
+                <a:bodyPr/>
+                <a:lstStyle/>
+                <a:p>
+                  <a:r>
+                    <a:rPr lang="en-US">
+                      <a:noFill/>
+                    </a:rPr>
+                    <a:t> </a:t>
+                  </a:r>
+                </a:p>
+              </p:txBody>
+            </p:sp>
+          </mc:Fallback>
+        </mc:AlternateContent>
+        <mc:AlternateContent xmlns:mc="http://schemas.openxmlformats.org/markup-compatibility/2006">
+          <mc:Choice xmlns:a14="http://schemas.microsoft.com/office/drawing/2010/main" Requires="a14">
+            <p:sp>
+              <p:nvSpPr>
+                <p:cNvPr id="9" name="TextBox 8">
+                  <a:extLst>
+                    <a:ext uri="{FF2B5EF4-FFF2-40B4-BE49-F238E27FC236}">
+                      <a16:creationId xmlns:a16="http://schemas.microsoft.com/office/drawing/2014/main" id="{D996CDB9-889B-A14A-808B-CA31B544F759}"/>
+                    </a:ext>
+                  </a:extLst>
+                </p:cNvPr>
+                <p:cNvSpPr txBox="1"/>
+                <p:nvPr/>
+              </p:nvSpPr>
+              <p:spPr>
+                <a:xfrm>
+                  <a:off x="1605425" y="1174707"/>
+                  <a:ext cx="770345" cy="523220"/>
+                </a:xfrm>
+                <a:prstGeom prst="rect">
+                  <a:avLst/>
+                </a:prstGeom>
+                <a:noFill/>
+              </p:spPr>
+              <p:txBody>
+                <a:bodyPr wrap="square" rtlCol="0">
+                  <a:spAutoFit/>
+                </a:bodyPr>
+                <a:lstStyle/>
+                <a:p>
+                  <a:pPr algn="ctr"/>
+                  <a14:m>
+                    <m:oMathPara xmlns:m="http://schemas.openxmlformats.org/officeDocument/2006/math">
+                      <m:oMathParaPr>
+                        <m:jc m:val="centerGroup"/>
+                      </m:oMathParaPr>
+                      <m:oMath xmlns:m="http://schemas.openxmlformats.org/officeDocument/2006/math">
+                        <m:r>
+                          <a:rPr lang="en-US" sz="2800" b="0" i="1" smtClean="0">
+                            <a:latin typeface="Cambria Math" panose="02040503050406030204" pitchFamily="18" charset="0"/>
+                          </a:rPr>
+                          <m:t>𝑁</m:t>
+                        </m:r>
+                        <m:d>
+                          <m:dPr>
+                            <m:ctrlPr>
+                              <a:rPr lang="en-US" sz="2800" b="0" i="1" smtClean="0">
+                                <a:latin typeface="Cambria Math" panose="02040503050406030204" pitchFamily="18" charset="0"/>
+                              </a:rPr>
+                            </m:ctrlPr>
+                          </m:dPr>
+                          <m:e>
+                            <m:r>
+                              <a:rPr lang="en-US" sz="2800" b="0" i="1" smtClean="0">
+                                <a:latin typeface="Cambria Math" panose="02040503050406030204" pitchFamily="18" charset="0"/>
+                              </a:rPr>
+                              <m:t>𝑡</m:t>
+                            </m:r>
+                          </m:e>
+                        </m:d>
+                      </m:oMath>
+                    </m:oMathPara>
+                  </a14:m>
+                  <a:endParaRPr lang="en-US" sz="2800" i="1" dirty="0"/>
+                </a:p>
+              </p:txBody>
+            </p:sp>
+          </mc:Choice>
+          <mc:Fallback>
+            <p:sp>
+              <p:nvSpPr>
+                <p:cNvPr id="9" name="TextBox 8">
+                  <a:extLst>
+                    <a:ext uri="{FF2B5EF4-FFF2-40B4-BE49-F238E27FC236}">
+                      <a16:creationId xmlns:a16="http://schemas.microsoft.com/office/drawing/2014/main" id="{D996CDB9-889B-A14A-808B-CA31B544F759}"/>
+                    </a:ext>
+                  </a:extLst>
+                </p:cNvPr>
+                <p:cNvSpPr txBox="1">
+                  <a:spLocks noRot="1" noChangeAspect="1" noMove="1" noResize="1" noEditPoints="1" noAdjustHandles="1" noChangeArrowheads="1" noChangeShapeType="1" noTextEdit="1"/>
+                </p:cNvSpPr>
+                <p:nvPr/>
+              </p:nvSpPr>
+              <p:spPr>
+                <a:xfrm>
+                  <a:off x="1605425" y="1174707"/>
+                  <a:ext cx="770345" cy="523220"/>
+                </a:xfrm>
+                <a:prstGeom prst="rect">
+                  <a:avLst/>
+                </a:prstGeom>
+                <a:blipFill>
+                  <a:blip r:embed="rId3"/>
+                  <a:stretch>
+                    <a:fillRect l="-16129"/>
+                  </a:stretch>
+                </a:blipFill>
+              </p:spPr>
+              <p:txBody>
+                <a:bodyPr/>
+                <a:lstStyle/>
+                <a:p>
+                  <a:r>
+                    <a:rPr lang="en-US">
+                      <a:noFill/>
+                    </a:rPr>
+                    <a:t> </a:t>
+                  </a:r>
+                </a:p>
+              </p:txBody>
+            </p:sp>
+          </mc:Fallback>
+        </mc:AlternateContent>
+        <mc:AlternateContent xmlns:mc="http://schemas.openxmlformats.org/markup-compatibility/2006">
+          <mc:Choice xmlns:a14="http://schemas.microsoft.com/office/drawing/2010/main" Requires="a14">
+            <p:sp>
+              <p:nvSpPr>
+                <p:cNvPr id="10" name="TextBox 9">
+                  <a:extLst>
+                    <a:ext uri="{FF2B5EF4-FFF2-40B4-BE49-F238E27FC236}">
+                      <a16:creationId xmlns:a16="http://schemas.microsoft.com/office/drawing/2014/main" id="{1FFC6D24-B9A9-1C4D-BB0B-40A79BCC26E3}"/>
+                    </a:ext>
+                  </a:extLst>
+                </p:cNvPr>
+                <p:cNvSpPr txBox="1"/>
+                <p:nvPr/>
+              </p:nvSpPr>
+              <p:spPr>
+                <a:xfrm>
+                  <a:off x="9933953" y="5355824"/>
+                  <a:ext cx="363252" cy="523220"/>
+                </a:xfrm>
+                <a:prstGeom prst="rect">
+                  <a:avLst/>
+                </a:prstGeom>
+                <a:noFill/>
+              </p:spPr>
+              <p:txBody>
+                <a:bodyPr wrap="square" rtlCol="0">
+                  <a:spAutoFit/>
+                </a:bodyPr>
+                <a:lstStyle/>
+                <a:p>
+                  <a:pPr algn="ctr"/>
+                  <a14:m>
+                    <m:oMathPara xmlns:m="http://schemas.openxmlformats.org/officeDocument/2006/math">
+                      <m:oMathParaPr>
+                        <m:jc m:val="centerGroup"/>
+                      </m:oMathParaPr>
+                      <m:oMath xmlns:m="http://schemas.openxmlformats.org/officeDocument/2006/math">
+                        <m:r>
+                          <a:rPr lang="en-US" sz="2800" b="0" i="1" smtClean="0">
+                            <a:latin typeface="Cambria Math" panose="02040503050406030204" pitchFamily="18" charset="0"/>
+                          </a:rPr>
+                          <m:t>𝑡</m:t>
+                        </m:r>
+                      </m:oMath>
+                    </m:oMathPara>
+                  </a14:m>
+                  <a:endParaRPr lang="en-US" sz="2800" i="1" dirty="0"/>
+                </a:p>
+              </p:txBody>
+            </p:sp>
+          </mc:Choice>
+          <mc:Fallback>
+            <p:sp>
+              <p:nvSpPr>
+                <p:cNvPr id="10" name="TextBox 9">
+                  <a:extLst>
+                    <a:ext uri="{FF2B5EF4-FFF2-40B4-BE49-F238E27FC236}">
+                      <a16:creationId xmlns:a16="http://schemas.microsoft.com/office/drawing/2014/main" id="{1FFC6D24-B9A9-1C4D-BB0B-40A79BCC26E3}"/>
+                    </a:ext>
+                  </a:extLst>
+                </p:cNvPr>
+                <p:cNvSpPr txBox="1">
+                  <a:spLocks noRot="1" noChangeAspect="1" noMove="1" noResize="1" noEditPoints="1" noAdjustHandles="1" noChangeArrowheads="1" noChangeShapeType="1" noTextEdit="1"/>
+                </p:cNvSpPr>
+                <p:nvPr/>
+              </p:nvSpPr>
+              <p:spPr>
+                <a:xfrm>
+                  <a:off x="9933953" y="5355824"/>
+                  <a:ext cx="363252" cy="523220"/>
+                </a:xfrm>
+                <a:prstGeom prst="rect">
+                  <a:avLst/>
+                </a:prstGeom>
+                <a:blipFill>
+                  <a:blip r:embed="rId4"/>
+                  <a:stretch>
+                    <a:fillRect l="-6667"/>
+                  </a:stretch>
+                </a:blipFill>
+              </p:spPr>
+              <p:txBody>
+                <a:bodyPr/>
+                <a:lstStyle/>
+                <a:p>
+                  <a:r>
+                    <a:rPr lang="en-US">
+                      <a:noFill/>
+                    </a:rPr>
+                    <a:t> </a:t>
+                  </a:r>
+                </a:p>
+              </p:txBody>
+            </p:sp>
+          </mc:Fallback>
+        </mc:AlternateContent>
+        <p:cxnSp>
+          <p:nvCxnSpPr>
+            <p:cNvPr id="11" name="Straight Arrow Connector 10">
+              <a:extLst>
+                <a:ext uri="{FF2B5EF4-FFF2-40B4-BE49-F238E27FC236}">
+                  <a16:creationId xmlns:a16="http://schemas.microsoft.com/office/drawing/2014/main" id="{2A3854D9-2960-D44D-9685-462BCFC356B4}"/>
+                </a:ext>
+              </a:extLst>
+            </p:cNvPr>
+            <p:cNvCxnSpPr>
+              <a:cxnSpLocks/>
+            </p:cNvCxnSpPr>
+            <p:nvPr/>
+          </p:nvCxnSpPr>
+          <p:spPr>
+            <a:xfrm>
+              <a:off x="2459277" y="5423769"/>
+              <a:ext cx="2248421" cy="0"/>
+            </a:xfrm>
+            <a:prstGeom prst="straightConnector1">
+              <a:avLst/>
+            </a:prstGeom>
+            <a:ln w="76200">
+              <a:solidFill>
+                <a:srgbClr val="7030A0"/>
+              </a:solidFill>
+              <a:headEnd type="none"/>
+              <a:tailEnd type="none"/>
+            </a:ln>
+          </p:spPr>
+          <p:style>
+            <a:lnRef idx="1">
+              <a:schemeClr val="accent1"/>
+            </a:lnRef>
+            <a:fillRef idx="0">
+              <a:schemeClr val="accent1"/>
+            </a:fillRef>
+            <a:effectRef idx="0">
+              <a:schemeClr val="accent1"/>
+            </a:effectRef>
+            <a:fontRef idx="minor">
+              <a:schemeClr val="tx1"/>
+            </a:fontRef>
+          </p:style>
+        </p:cxnSp>
+        <p:sp>
+          <p:nvSpPr>
+            <p:cNvPr id="13" name="Oval 12">
+              <a:extLst>
+                <a:ext uri="{FF2B5EF4-FFF2-40B4-BE49-F238E27FC236}">
+                  <a16:creationId xmlns:a16="http://schemas.microsoft.com/office/drawing/2014/main" id="{3F674ECF-DAF8-0E4B-904B-BB8C16E7834B}"/>
+                </a:ext>
+              </a:extLst>
+            </p:cNvPr>
+            <p:cNvSpPr/>
+            <p:nvPr/>
+          </p:nvSpPr>
+          <p:spPr>
+            <a:xfrm>
+              <a:off x="2294814" y="5305235"/>
+              <a:ext cx="237067" cy="237067"/>
+            </a:xfrm>
+            <a:prstGeom prst="ellipse">
+              <a:avLst/>
+            </a:prstGeom>
+            <a:solidFill>
+              <a:srgbClr val="7030A0"/>
+            </a:solidFill>
+            <a:ln w="38100">
+              <a:solidFill>
+                <a:srgbClr val="7030A0"/>
+              </a:solidFill>
+            </a:ln>
+          </p:spPr>
+          <p:style>
+            <a:lnRef idx="2">
+              <a:schemeClr val="accent1">
+                <a:shade val="50000"/>
+              </a:schemeClr>
+            </a:lnRef>
+            <a:fillRef idx="1">
+              <a:schemeClr val="accent1"/>
+            </a:fillRef>
+            <a:effectRef idx="0">
+              <a:schemeClr val="accent1"/>
+            </a:effectRef>
+            <a:fontRef idx="minor">
+              <a:schemeClr val="lt1"/>
+            </a:fontRef>
+          </p:style>
+          <p:txBody>
+            <a:bodyPr rtlCol="0" anchor="ctr"/>
+            <a:lstStyle/>
+            <a:p>
+              <a:pPr algn="ctr"/>
+              <a:endParaRPr lang="en-US"/>
+            </a:p>
+          </p:txBody>
+        </p:sp>
+        <p:sp>
+          <p:nvSpPr>
+            <p:cNvPr id="14" name="Oval 13">
+              <a:extLst>
+                <a:ext uri="{FF2B5EF4-FFF2-40B4-BE49-F238E27FC236}">
+                  <a16:creationId xmlns:a16="http://schemas.microsoft.com/office/drawing/2014/main" id="{DBCEAA98-815C-6C49-A764-173DF487067F}"/>
+                </a:ext>
+              </a:extLst>
+            </p:cNvPr>
+            <p:cNvSpPr/>
+            <p:nvPr/>
+          </p:nvSpPr>
+          <p:spPr>
+            <a:xfrm>
+              <a:off x="4589164" y="5305235"/>
+              <a:ext cx="237067" cy="237067"/>
+            </a:xfrm>
+            <a:prstGeom prst="ellipse">
+              <a:avLst/>
+            </a:prstGeom>
+            <a:solidFill>
+              <a:schemeClr val="bg1"/>
+            </a:solidFill>
+            <a:ln w="38100">
+              <a:solidFill>
+                <a:srgbClr val="7030A0"/>
+              </a:solidFill>
+            </a:ln>
+          </p:spPr>
+          <p:style>
+            <a:lnRef idx="2">
+              <a:schemeClr val="accent1">
+                <a:shade val="50000"/>
+              </a:schemeClr>
+            </a:lnRef>
+            <a:fillRef idx="1">
+              <a:schemeClr val="accent1"/>
+            </a:fillRef>
+            <a:effectRef idx="0">
+              <a:schemeClr val="accent1"/>
+            </a:effectRef>
+            <a:fontRef idx="minor">
+              <a:schemeClr val="lt1"/>
+            </a:fontRef>
+          </p:style>
+          <p:txBody>
+            <a:bodyPr rtlCol="0" anchor="ctr"/>
+            <a:lstStyle/>
+            <a:p>
+              <a:pPr algn="ctr"/>
+              <a:endParaRPr lang="en-US"/>
+            </a:p>
+          </p:txBody>
+        </p:sp>
+        <p:cxnSp>
+          <p:nvCxnSpPr>
+            <p:cNvPr id="16" name="Straight Arrow Connector 15">
+              <a:extLst>
+                <a:ext uri="{FF2B5EF4-FFF2-40B4-BE49-F238E27FC236}">
+                  <a16:creationId xmlns:a16="http://schemas.microsoft.com/office/drawing/2014/main" id="{28024E44-C565-3844-8DDE-FA6BFC3F7D2C}"/>
+                </a:ext>
+              </a:extLst>
+            </p:cNvPr>
+            <p:cNvCxnSpPr>
+              <a:cxnSpLocks/>
+            </p:cNvCxnSpPr>
+            <p:nvPr/>
+          </p:nvCxnSpPr>
+          <p:spPr>
+            <a:xfrm>
+              <a:off x="4749451" y="4357479"/>
+              <a:ext cx="2248421" cy="0"/>
+            </a:xfrm>
+            <a:prstGeom prst="straightConnector1">
+              <a:avLst/>
+            </a:prstGeom>
+            <a:ln w="76200">
+              <a:solidFill>
+                <a:srgbClr val="7030A0"/>
+              </a:solidFill>
+              <a:headEnd type="none"/>
+              <a:tailEnd type="none"/>
+            </a:ln>
+          </p:spPr>
+          <p:style>
+            <a:lnRef idx="1">
+              <a:schemeClr val="accent1"/>
+            </a:lnRef>
+            <a:fillRef idx="0">
+              <a:schemeClr val="accent1"/>
+            </a:fillRef>
+            <a:effectRef idx="0">
+              <a:schemeClr val="accent1"/>
+            </a:effectRef>
+            <a:fontRef idx="minor">
+              <a:schemeClr val="tx1"/>
+            </a:fontRef>
+          </p:style>
+        </p:cxnSp>
+        <p:sp>
+          <p:nvSpPr>
+            <p:cNvPr id="17" name="Oval 16">
+              <a:extLst>
+                <a:ext uri="{FF2B5EF4-FFF2-40B4-BE49-F238E27FC236}">
+                  <a16:creationId xmlns:a16="http://schemas.microsoft.com/office/drawing/2014/main" id="{0C38B011-B480-D940-88F1-631866CBAB9F}"/>
+                </a:ext>
+              </a:extLst>
+            </p:cNvPr>
+            <p:cNvSpPr/>
+            <p:nvPr/>
+          </p:nvSpPr>
+          <p:spPr>
+            <a:xfrm>
+              <a:off x="4584988" y="4238945"/>
+              <a:ext cx="237067" cy="237067"/>
+            </a:xfrm>
+            <a:prstGeom prst="ellipse">
+              <a:avLst/>
+            </a:prstGeom>
+            <a:solidFill>
+              <a:srgbClr val="7030A0"/>
+            </a:solidFill>
+            <a:ln w="38100">
+              <a:solidFill>
+                <a:srgbClr val="7030A0"/>
+              </a:solidFill>
+            </a:ln>
+          </p:spPr>
+          <p:style>
+            <a:lnRef idx="2">
+              <a:schemeClr val="accent1">
+                <a:shade val="50000"/>
+              </a:schemeClr>
+            </a:lnRef>
+            <a:fillRef idx="1">
+              <a:schemeClr val="accent1"/>
+            </a:fillRef>
+            <a:effectRef idx="0">
+              <a:schemeClr val="accent1"/>
+            </a:effectRef>
+            <a:fontRef idx="minor">
+              <a:schemeClr val="lt1"/>
+            </a:fontRef>
+          </p:style>
+          <p:txBody>
+            <a:bodyPr rtlCol="0" anchor="ctr"/>
+            <a:lstStyle/>
+            <a:p>
+              <a:pPr algn="ctr"/>
+              <a:endParaRPr lang="en-US"/>
+            </a:p>
+          </p:txBody>
+        </p:sp>
+        <p:sp>
+          <p:nvSpPr>
+            <p:cNvPr id="18" name="Oval 17">
+              <a:extLst>
+                <a:ext uri="{FF2B5EF4-FFF2-40B4-BE49-F238E27FC236}">
+                  <a16:creationId xmlns:a16="http://schemas.microsoft.com/office/drawing/2014/main" id="{096746F6-0280-4A44-B7C8-E2751A5DC11D}"/>
+                </a:ext>
+              </a:extLst>
+            </p:cNvPr>
+            <p:cNvSpPr/>
+            <p:nvPr/>
+          </p:nvSpPr>
+          <p:spPr>
+            <a:xfrm>
+              <a:off x="6879338" y="4238945"/>
+              <a:ext cx="237067" cy="237067"/>
+            </a:xfrm>
+            <a:prstGeom prst="ellipse">
+              <a:avLst/>
+            </a:prstGeom>
+            <a:solidFill>
+              <a:schemeClr val="bg1"/>
+            </a:solidFill>
+            <a:ln w="38100">
+              <a:solidFill>
+                <a:srgbClr val="7030A0"/>
+              </a:solidFill>
+            </a:ln>
+          </p:spPr>
+          <p:style>
+            <a:lnRef idx="2">
+              <a:schemeClr val="accent1">
+                <a:shade val="50000"/>
+              </a:schemeClr>
+            </a:lnRef>
+            <a:fillRef idx="1">
+              <a:schemeClr val="accent1"/>
+            </a:fillRef>
+            <a:effectRef idx="0">
+              <a:schemeClr val="accent1"/>
+            </a:effectRef>
+            <a:fontRef idx="minor">
+              <a:schemeClr val="lt1"/>
+            </a:fontRef>
+          </p:style>
+          <p:txBody>
+            <a:bodyPr rtlCol="0" anchor="ctr"/>
+            <a:lstStyle/>
+            <a:p>
+              <a:pPr algn="ctr"/>
+              <a:endParaRPr lang="en-US"/>
+            </a:p>
+          </p:txBody>
+        </p:sp>
+        <p:cxnSp>
+          <p:nvCxnSpPr>
+            <p:cNvPr id="25" name="Straight Arrow Connector 24">
+              <a:extLst>
+                <a:ext uri="{FF2B5EF4-FFF2-40B4-BE49-F238E27FC236}">
+                  <a16:creationId xmlns:a16="http://schemas.microsoft.com/office/drawing/2014/main" id="{F9998BDD-7B79-674C-B4F3-B0EA90569249}"/>
+                </a:ext>
+              </a:extLst>
+            </p:cNvPr>
+            <p:cNvCxnSpPr>
+              <a:cxnSpLocks/>
+            </p:cNvCxnSpPr>
+            <p:nvPr/>
+          </p:nvCxnSpPr>
+          <p:spPr>
+            <a:xfrm>
+              <a:off x="7043801" y="3202439"/>
+              <a:ext cx="2248421" cy="0"/>
+            </a:xfrm>
+            <a:prstGeom prst="straightConnector1">
+              <a:avLst/>
+            </a:prstGeom>
+            <a:ln w="76200">
+              <a:solidFill>
+                <a:srgbClr val="7030A0"/>
+              </a:solidFill>
+              <a:headEnd type="none"/>
+              <a:tailEnd type="none"/>
+            </a:ln>
+          </p:spPr>
+          <p:style>
+            <a:lnRef idx="1">
+              <a:schemeClr val="accent1"/>
+            </a:lnRef>
+            <a:fillRef idx="0">
+              <a:schemeClr val="accent1"/>
+            </a:fillRef>
+            <a:effectRef idx="0">
+              <a:schemeClr val="accent1"/>
+            </a:effectRef>
+            <a:fontRef idx="minor">
+              <a:schemeClr val="tx1"/>
+            </a:fontRef>
+          </p:style>
+        </p:cxnSp>
+        <p:sp>
+          <p:nvSpPr>
+            <p:cNvPr id="26" name="Oval 25">
+              <a:extLst>
+                <a:ext uri="{FF2B5EF4-FFF2-40B4-BE49-F238E27FC236}">
+                  <a16:creationId xmlns:a16="http://schemas.microsoft.com/office/drawing/2014/main" id="{507948D2-ECF8-F24C-A4F8-A18B08A517BB}"/>
+                </a:ext>
+              </a:extLst>
+            </p:cNvPr>
+            <p:cNvSpPr/>
+            <p:nvPr/>
+          </p:nvSpPr>
+          <p:spPr>
+            <a:xfrm>
+              <a:off x="6879338" y="3083905"/>
+              <a:ext cx="237067" cy="237067"/>
+            </a:xfrm>
+            <a:prstGeom prst="ellipse">
+              <a:avLst/>
+            </a:prstGeom>
+            <a:solidFill>
+              <a:srgbClr val="7030A0"/>
+            </a:solidFill>
+            <a:ln w="38100">
+              <a:solidFill>
+                <a:srgbClr val="7030A0"/>
+              </a:solidFill>
+            </a:ln>
+          </p:spPr>
+          <p:style>
+            <a:lnRef idx="2">
+              <a:schemeClr val="accent1">
+                <a:shade val="50000"/>
+              </a:schemeClr>
+            </a:lnRef>
+            <a:fillRef idx="1">
+              <a:schemeClr val="accent1"/>
+            </a:fillRef>
+            <a:effectRef idx="0">
+              <a:schemeClr val="accent1"/>
+            </a:effectRef>
+            <a:fontRef idx="minor">
+              <a:schemeClr val="lt1"/>
+            </a:fontRef>
+          </p:style>
+          <p:txBody>
+            <a:bodyPr rtlCol="0" anchor="ctr"/>
+            <a:lstStyle/>
+            <a:p>
+              <a:pPr algn="ctr"/>
+              <a:endParaRPr lang="en-US"/>
+            </a:p>
+          </p:txBody>
+        </p:sp>
+        <p:sp>
+          <p:nvSpPr>
+            <p:cNvPr id="27" name="Oval 26">
+              <a:extLst>
+                <a:ext uri="{FF2B5EF4-FFF2-40B4-BE49-F238E27FC236}">
+                  <a16:creationId xmlns:a16="http://schemas.microsoft.com/office/drawing/2014/main" id="{97EE64B8-F631-204E-91E4-F5F627BC7159}"/>
+                </a:ext>
+              </a:extLst>
+            </p:cNvPr>
+            <p:cNvSpPr/>
+            <p:nvPr/>
+          </p:nvSpPr>
+          <p:spPr>
+            <a:xfrm>
+              <a:off x="9173688" y="3083905"/>
+              <a:ext cx="237067" cy="237067"/>
+            </a:xfrm>
+            <a:prstGeom prst="ellipse">
+              <a:avLst/>
+            </a:prstGeom>
+            <a:solidFill>
+              <a:schemeClr val="bg1"/>
+            </a:solidFill>
+            <a:ln w="38100">
+              <a:solidFill>
+                <a:srgbClr val="7030A0"/>
+              </a:solidFill>
+            </a:ln>
+          </p:spPr>
+          <p:style>
+            <a:lnRef idx="2">
+              <a:schemeClr val="accent1">
+                <a:shade val="50000"/>
+              </a:schemeClr>
+            </a:lnRef>
+            <a:fillRef idx="1">
+              <a:schemeClr val="accent1"/>
+            </a:fillRef>
+            <a:effectRef idx="0">
+              <a:schemeClr val="accent1"/>
+            </a:effectRef>
+            <a:fontRef idx="minor">
+              <a:schemeClr val="lt1"/>
+            </a:fontRef>
+          </p:style>
+          <p:txBody>
+            <a:bodyPr rtlCol="0" anchor="ctr"/>
+            <a:lstStyle/>
+            <a:p>
+              <a:pPr algn="ctr"/>
+              <a:endParaRPr lang="en-US"/>
+            </a:p>
+          </p:txBody>
+        </p:sp>
+        <mc:AlternateContent xmlns:mc="http://schemas.openxmlformats.org/markup-compatibility/2006">
+          <mc:Choice xmlns:a14="http://schemas.microsoft.com/office/drawing/2010/main" Requires="a14">
+            <p:sp>
+              <p:nvSpPr>
+                <p:cNvPr id="28" name="TextBox 27">
+                  <a:extLst>
+                    <a:ext uri="{FF2B5EF4-FFF2-40B4-BE49-F238E27FC236}">
+                      <a16:creationId xmlns:a16="http://schemas.microsoft.com/office/drawing/2014/main" id="{F76DF09F-6436-5642-8AC7-6603FA055411}"/>
+                    </a:ext>
+                  </a:extLst>
+                </p:cNvPr>
+                <p:cNvSpPr txBox="1"/>
+                <p:nvPr/>
+              </p:nvSpPr>
+              <p:spPr>
+                <a:xfrm>
+                  <a:off x="4603087" y="5493587"/>
+                  <a:ext cx="363252" cy="523220"/>
+                </a:xfrm>
+                <a:prstGeom prst="rect">
+                  <a:avLst/>
+                </a:prstGeom>
+                <a:noFill/>
+              </p:spPr>
+              <p:txBody>
+                <a:bodyPr wrap="square" rtlCol="0">
+                  <a:spAutoFit/>
+                </a:bodyPr>
+                <a:lstStyle/>
+                <a:p>
+                  <a:pPr algn="ctr"/>
+                  <a14:m>
+                    <m:oMathPara xmlns:m="http://schemas.openxmlformats.org/officeDocument/2006/math">
+                      <m:oMathParaPr>
+                        <m:jc m:val="centerGroup"/>
+                      </m:oMathParaPr>
+                      <m:oMath xmlns:m="http://schemas.openxmlformats.org/officeDocument/2006/math">
+                        <m:r>
+                          <a:rPr lang="en-US" sz="2800" b="0" i="1" smtClean="0">
+                            <a:latin typeface="Cambria Math" panose="02040503050406030204" pitchFamily="18" charset="0"/>
+                          </a:rPr>
+                          <m:t>0.5</m:t>
+                        </m:r>
+                      </m:oMath>
+                    </m:oMathPara>
+                  </a14:m>
+                  <a:endParaRPr lang="en-US" sz="2800" i="1" dirty="0"/>
+                </a:p>
+              </p:txBody>
+            </p:sp>
+          </mc:Choice>
+          <mc:Fallback>
+            <p:sp>
+              <p:nvSpPr>
+                <p:cNvPr id="28" name="TextBox 27">
+                  <a:extLst>
+                    <a:ext uri="{FF2B5EF4-FFF2-40B4-BE49-F238E27FC236}">
+                      <a16:creationId xmlns:a16="http://schemas.microsoft.com/office/drawing/2014/main" id="{F76DF09F-6436-5642-8AC7-6603FA055411}"/>
+                    </a:ext>
+                  </a:extLst>
+                </p:cNvPr>
+                <p:cNvSpPr txBox="1">
+                  <a:spLocks noRot="1" noChangeAspect="1" noMove="1" noResize="1" noEditPoints="1" noAdjustHandles="1" noChangeArrowheads="1" noChangeShapeType="1" noTextEdit="1"/>
+                </p:cNvSpPr>
+                <p:nvPr/>
+              </p:nvSpPr>
+              <p:spPr>
+                <a:xfrm>
+                  <a:off x="4603087" y="5493587"/>
+                  <a:ext cx="363252" cy="523220"/>
+                </a:xfrm>
+                <a:prstGeom prst="rect">
+                  <a:avLst/>
+                </a:prstGeom>
+                <a:blipFill>
+                  <a:blip r:embed="rId5"/>
+                  <a:stretch>
+                    <a:fillRect l="-53333" r="-36667"/>
+                  </a:stretch>
+                </a:blipFill>
+              </p:spPr>
+              <p:txBody>
+                <a:bodyPr/>
+                <a:lstStyle/>
+                <a:p>
+                  <a:r>
+                    <a:rPr lang="en-US">
+                      <a:noFill/>
+                    </a:rPr>
+                    <a:t> </a:t>
+                  </a:r>
+                </a:p>
+              </p:txBody>
+            </p:sp>
+          </mc:Fallback>
+        </mc:AlternateContent>
+        <mc:AlternateContent xmlns:mc="http://schemas.openxmlformats.org/markup-compatibility/2006">
+          <mc:Choice xmlns:a14="http://schemas.microsoft.com/office/drawing/2010/main" Requires="a14">
+            <p:sp>
+              <p:nvSpPr>
+                <p:cNvPr id="29" name="TextBox 28">
+                  <a:extLst>
+                    <a:ext uri="{FF2B5EF4-FFF2-40B4-BE49-F238E27FC236}">
+                      <a16:creationId xmlns:a16="http://schemas.microsoft.com/office/drawing/2014/main" id="{6396A6A0-5072-9F40-BAA0-3EE203F9B908}"/>
+                    </a:ext>
+                  </a:extLst>
+                </p:cNvPr>
+                <p:cNvSpPr txBox="1"/>
+                <p:nvPr/>
+              </p:nvSpPr>
+              <p:spPr>
+                <a:xfrm>
+                  <a:off x="6855919" y="5493587"/>
+                  <a:ext cx="363252" cy="523220"/>
+                </a:xfrm>
+                <a:prstGeom prst="rect">
+                  <a:avLst/>
+                </a:prstGeom>
+                <a:noFill/>
+              </p:spPr>
+              <p:txBody>
+                <a:bodyPr wrap="square" rtlCol="0">
+                  <a:spAutoFit/>
+                </a:bodyPr>
+                <a:lstStyle/>
+                <a:p>
+                  <a:pPr algn="ctr"/>
+                  <a14:m>
+                    <m:oMathPara xmlns:m="http://schemas.openxmlformats.org/officeDocument/2006/math">
+                      <m:oMathParaPr>
+                        <m:jc m:val="centerGroup"/>
+                      </m:oMathParaPr>
+                      <m:oMath xmlns:m="http://schemas.openxmlformats.org/officeDocument/2006/math">
+                        <m:r>
+                          <a:rPr lang="en-US" sz="2800" b="0" i="1" smtClean="0">
+                            <a:latin typeface="Cambria Math" panose="02040503050406030204" pitchFamily="18" charset="0"/>
+                          </a:rPr>
+                          <m:t>1</m:t>
+                        </m:r>
+                      </m:oMath>
+                    </m:oMathPara>
+                  </a14:m>
+                  <a:endParaRPr lang="en-US" sz="2800" i="1" dirty="0"/>
+                </a:p>
+              </p:txBody>
+            </p:sp>
+          </mc:Choice>
+          <mc:Fallback>
+            <p:sp>
+              <p:nvSpPr>
+                <p:cNvPr id="29" name="TextBox 28">
+                  <a:extLst>
+                    <a:ext uri="{FF2B5EF4-FFF2-40B4-BE49-F238E27FC236}">
+                      <a16:creationId xmlns:a16="http://schemas.microsoft.com/office/drawing/2014/main" id="{6396A6A0-5072-9F40-BAA0-3EE203F9B908}"/>
+                    </a:ext>
+                  </a:extLst>
+                </p:cNvPr>
+                <p:cNvSpPr txBox="1">
+                  <a:spLocks noRot="1" noChangeAspect="1" noMove="1" noResize="1" noEditPoints="1" noAdjustHandles="1" noChangeArrowheads="1" noChangeShapeType="1" noTextEdit="1"/>
+                </p:cNvSpPr>
+                <p:nvPr/>
+              </p:nvSpPr>
+              <p:spPr>
+                <a:xfrm>
+                  <a:off x="6855919" y="5493587"/>
+                  <a:ext cx="363252" cy="523220"/>
+                </a:xfrm>
+                <a:prstGeom prst="rect">
+                  <a:avLst/>
+                </a:prstGeom>
+                <a:blipFill>
+                  <a:blip r:embed="rId6"/>
+                  <a:stretch>
+                    <a:fillRect l="-25000"/>
+                  </a:stretch>
+                </a:blipFill>
+              </p:spPr>
+              <p:txBody>
+                <a:bodyPr/>
+                <a:lstStyle/>
+                <a:p>
+                  <a:r>
+                    <a:rPr lang="en-US">
+                      <a:noFill/>
+                    </a:rPr>
+                    <a:t> </a:t>
+                  </a:r>
+                </a:p>
+              </p:txBody>
+            </p:sp>
+          </mc:Fallback>
+        </mc:AlternateContent>
+        <mc:AlternateContent xmlns:mc="http://schemas.openxmlformats.org/markup-compatibility/2006">
+          <mc:Choice xmlns:a14="http://schemas.microsoft.com/office/drawing/2010/main" Requires="a14">
+            <p:sp>
+              <p:nvSpPr>
+                <p:cNvPr id="30" name="TextBox 29">
+                  <a:extLst>
+                    <a:ext uri="{FF2B5EF4-FFF2-40B4-BE49-F238E27FC236}">
+                      <a16:creationId xmlns:a16="http://schemas.microsoft.com/office/drawing/2014/main" id="{0723A41B-58CB-A642-BC1C-5934E46739FD}"/>
+                    </a:ext>
+                  </a:extLst>
+                </p:cNvPr>
+                <p:cNvSpPr txBox="1"/>
+                <p:nvPr/>
+              </p:nvSpPr>
+              <p:spPr>
+                <a:xfrm>
+                  <a:off x="9113623" y="5493587"/>
+                  <a:ext cx="363252" cy="523220"/>
+                </a:xfrm>
+                <a:prstGeom prst="rect">
+                  <a:avLst/>
+                </a:prstGeom>
+                <a:noFill/>
+              </p:spPr>
+              <p:txBody>
+                <a:bodyPr wrap="square" rtlCol="0">
+                  <a:spAutoFit/>
+                </a:bodyPr>
+                <a:lstStyle/>
+                <a:p>
+                  <a:pPr algn="ctr"/>
+                  <a14:m>
+                    <m:oMathPara xmlns:m="http://schemas.openxmlformats.org/officeDocument/2006/math">
+                      <m:oMathParaPr>
+                        <m:jc m:val="centerGroup"/>
+                      </m:oMathParaPr>
+                      <m:oMath xmlns:m="http://schemas.openxmlformats.org/officeDocument/2006/math">
+                        <m:r>
+                          <a:rPr lang="en-US" sz="2800" b="0" i="1" smtClean="0">
+                            <a:latin typeface="Cambria Math" panose="02040503050406030204" pitchFamily="18" charset="0"/>
+                          </a:rPr>
+                          <m:t>1.5</m:t>
+                        </m:r>
+                      </m:oMath>
+                    </m:oMathPara>
+                  </a14:m>
+                  <a:endParaRPr lang="en-US" sz="2800" i="1" dirty="0"/>
+                </a:p>
+              </p:txBody>
+            </p:sp>
+          </mc:Choice>
+          <mc:Fallback>
+            <p:sp>
+              <p:nvSpPr>
+                <p:cNvPr id="30" name="TextBox 29">
+                  <a:extLst>
+                    <a:ext uri="{FF2B5EF4-FFF2-40B4-BE49-F238E27FC236}">
+                      <a16:creationId xmlns:a16="http://schemas.microsoft.com/office/drawing/2014/main" id="{0723A41B-58CB-A642-BC1C-5934E46739FD}"/>
+                    </a:ext>
+                  </a:extLst>
+                </p:cNvPr>
+                <p:cNvSpPr txBox="1">
+                  <a:spLocks noRot="1" noChangeAspect="1" noMove="1" noResize="1" noEditPoints="1" noAdjustHandles="1" noChangeArrowheads="1" noChangeShapeType="1" noTextEdit="1"/>
+                </p:cNvSpPr>
+                <p:nvPr/>
+              </p:nvSpPr>
+              <p:spPr>
+                <a:xfrm>
+                  <a:off x="9113623" y="5493587"/>
+                  <a:ext cx="363252" cy="523220"/>
+                </a:xfrm>
+                <a:prstGeom prst="rect">
+                  <a:avLst/>
+                </a:prstGeom>
+                <a:blipFill>
+                  <a:blip r:embed="rId7"/>
+                  <a:stretch>
+                    <a:fillRect l="-58621" r="-37931"/>
+                  </a:stretch>
+                </a:blipFill>
+              </p:spPr>
+              <p:txBody>
+                <a:bodyPr/>
+                <a:lstStyle/>
+                <a:p>
+                  <a:r>
+                    <a:rPr lang="en-US">
+                      <a:noFill/>
+                    </a:rPr>
+                    <a:t> </a:t>
+                  </a:r>
+                </a:p>
+              </p:txBody>
+            </p:sp>
+          </mc:Fallback>
+        </mc:AlternateContent>
+        <p:cxnSp>
+          <p:nvCxnSpPr>
+            <p:cNvPr id="31" name="Straight Arrow Connector 30">
+              <a:extLst>
+                <a:ext uri="{FF2B5EF4-FFF2-40B4-BE49-F238E27FC236}">
+                  <a16:creationId xmlns:a16="http://schemas.microsoft.com/office/drawing/2014/main" id="{8FF32EE5-8E48-894E-BD1E-FEB55B0C41C0}"/>
+                </a:ext>
+              </a:extLst>
+            </p:cNvPr>
+            <p:cNvCxnSpPr>
+              <a:cxnSpLocks/>
+            </p:cNvCxnSpPr>
+            <p:nvPr/>
+          </p:nvCxnSpPr>
+          <p:spPr>
+            <a:xfrm>
+              <a:off x="9338151" y="2135837"/>
+              <a:ext cx="409353" cy="0"/>
+            </a:xfrm>
+            <a:prstGeom prst="straightConnector1">
+              <a:avLst/>
+            </a:prstGeom>
+            <a:ln w="76200">
+              <a:solidFill>
+                <a:srgbClr val="7030A0"/>
+              </a:solidFill>
+              <a:headEnd type="none"/>
+              <a:tailEnd type="none"/>
+            </a:ln>
+          </p:spPr>
+          <p:style>
+            <a:lnRef idx="1">
+              <a:schemeClr val="accent1"/>
+            </a:lnRef>
+            <a:fillRef idx="0">
+              <a:schemeClr val="accent1"/>
+            </a:fillRef>
+            <a:effectRef idx="0">
+              <a:schemeClr val="accent1"/>
+            </a:effectRef>
+            <a:fontRef idx="minor">
+              <a:schemeClr val="tx1"/>
+            </a:fontRef>
+          </p:style>
+        </p:cxnSp>
+        <p:sp>
+          <p:nvSpPr>
+            <p:cNvPr id="32" name="Oval 31">
+              <a:extLst>
+                <a:ext uri="{FF2B5EF4-FFF2-40B4-BE49-F238E27FC236}">
+                  <a16:creationId xmlns:a16="http://schemas.microsoft.com/office/drawing/2014/main" id="{0273C6C6-B10A-D34E-825E-DA24F5047782}"/>
+                </a:ext>
+              </a:extLst>
+            </p:cNvPr>
+            <p:cNvSpPr/>
+            <p:nvPr/>
+          </p:nvSpPr>
+          <p:spPr>
+            <a:xfrm>
+              <a:off x="9173688" y="2017303"/>
+              <a:ext cx="237067" cy="237067"/>
+            </a:xfrm>
+            <a:prstGeom prst="ellipse">
+              <a:avLst/>
+            </a:prstGeom>
+            <a:solidFill>
+              <a:srgbClr val="7030A0"/>
+            </a:solidFill>
+            <a:ln w="38100">
+              <a:solidFill>
+                <a:srgbClr val="7030A0"/>
+              </a:solidFill>
+            </a:ln>
+          </p:spPr>
+          <p:style>
+            <a:lnRef idx="2">
+              <a:schemeClr val="accent1">
+                <a:shade val="50000"/>
+              </a:schemeClr>
+            </a:lnRef>
+            <a:fillRef idx="1">
+              <a:schemeClr val="accent1"/>
+            </a:fillRef>
+            <a:effectRef idx="0">
+              <a:schemeClr val="accent1"/>
+            </a:effectRef>
+            <a:fontRef idx="minor">
+              <a:schemeClr val="lt1"/>
+            </a:fontRef>
+          </p:style>
+          <p:txBody>
+            <a:bodyPr rtlCol="0" anchor="ctr"/>
+            <a:lstStyle/>
+            <a:p>
+              <a:pPr algn="ctr"/>
+              <a:endParaRPr lang="en-US"/>
+            </a:p>
+          </p:txBody>
+        </p:sp>
+        <p:cxnSp>
+          <p:nvCxnSpPr>
+            <p:cNvPr id="36" name="Straight Arrow Connector 35">
+              <a:extLst>
+                <a:ext uri="{FF2B5EF4-FFF2-40B4-BE49-F238E27FC236}">
+                  <a16:creationId xmlns:a16="http://schemas.microsoft.com/office/drawing/2014/main" id="{504B2B03-D53F-EC47-835C-597EA1B30601}"/>
+                </a:ext>
+              </a:extLst>
+            </p:cNvPr>
+            <p:cNvCxnSpPr>
+              <a:cxnSpLocks/>
+            </p:cNvCxnSpPr>
+            <p:nvPr/>
+          </p:nvCxnSpPr>
+          <p:spPr>
+            <a:xfrm>
+              <a:off x="9738360" y="2135836"/>
+              <a:ext cx="549701" cy="0"/>
+            </a:xfrm>
+            <a:prstGeom prst="straightConnector1">
+              <a:avLst/>
+            </a:prstGeom>
+            <a:ln w="76200">
+              <a:solidFill>
+                <a:srgbClr val="7030A0"/>
+              </a:solidFill>
+              <a:prstDash val="sysDot"/>
+              <a:headEnd type="none"/>
+              <a:tailEnd type="none"/>
+            </a:ln>
+          </p:spPr>
+          <p:style>
+            <a:lnRef idx="1">
+              <a:schemeClr val="accent1"/>
+            </a:lnRef>
+            <a:fillRef idx="0">
+              <a:schemeClr val="accent1"/>
+            </a:fillRef>
+            <a:effectRef idx="0">
+              <a:schemeClr val="accent1"/>
+            </a:effectRef>
+            <a:fontRef idx="minor">
+              <a:schemeClr val="tx1"/>
+            </a:fontRef>
+          </p:style>
+        </p:cxnSp>
+        <mc:AlternateContent xmlns:mc="http://schemas.openxmlformats.org/markup-compatibility/2006">
+          <mc:Choice xmlns:a14="http://schemas.microsoft.com/office/drawing/2010/main" Requires="a14">
+            <p:sp>
+              <p:nvSpPr>
+                <p:cNvPr id="41" name="TextBox 40">
+                  <a:extLst>
+                    <a:ext uri="{FF2B5EF4-FFF2-40B4-BE49-F238E27FC236}">
+                      <a16:creationId xmlns:a16="http://schemas.microsoft.com/office/drawing/2014/main" id="{98790F13-941B-2C4D-AFFC-2F19CE66938A}"/>
+                    </a:ext>
+                  </a:extLst>
+                </p:cNvPr>
+                <p:cNvSpPr txBox="1"/>
+                <p:nvPr/>
+              </p:nvSpPr>
+              <p:spPr>
+                <a:xfrm>
+                  <a:off x="1997092" y="4108089"/>
+                  <a:ext cx="338200" cy="523220"/>
+                </a:xfrm>
+                <a:prstGeom prst="rect">
+                  <a:avLst/>
+                </a:prstGeom>
+                <a:noFill/>
+              </p:spPr>
+              <p:txBody>
+                <a:bodyPr wrap="square" rtlCol="0">
+                  <a:spAutoFit/>
+                </a:bodyPr>
+                <a:lstStyle/>
+                <a:p>
+                  <a:pPr algn="ctr"/>
+                  <a14:m>
+                    <m:oMathPara xmlns:m="http://schemas.openxmlformats.org/officeDocument/2006/math">
+                      <m:oMathParaPr>
+                        <m:jc m:val="centerGroup"/>
+                      </m:oMathParaPr>
+                      <m:oMath xmlns:m="http://schemas.openxmlformats.org/officeDocument/2006/math">
+                        <m:r>
+                          <a:rPr lang="en-US" sz="2800" b="0" i="1" smtClean="0">
+                            <a:latin typeface="Cambria Math" panose="02040503050406030204" pitchFamily="18" charset="0"/>
+                          </a:rPr>
+                          <m:t>1</m:t>
+                        </m:r>
+                      </m:oMath>
+                    </m:oMathPara>
+                  </a14:m>
+                  <a:endParaRPr lang="en-US" sz="2800" dirty="0"/>
+                </a:p>
+              </p:txBody>
+            </p:sp>
+          </mc:Choice>
+          <mc:Fallback>
+            <p:sp>
+              <p:nvSpPr>
+                <p:cNvPr id="41" name="TextBox 40">
+                  <a:extLst>
+                    <a:ext uri="{FF2B5EF4-FFF2-40B4-BE49-F238E27FC236}">
+                      <a16:creationId xmlns:a16="http://schemas.microsoft.com/office/drawing/2014/main" id="{98790F13-941B-2C4D-AFFC-2F19CE66938A}"/>
+                    </a:ext>
+                  </a:extLst>
+                </p:cNvPr>
+                <p:cNvSpPr txBox="1">
+                  <a:spLocks noRot="1" noChangeAspect="1" noMove="1" noResize="1" noEditPoints="1" noAdjustHandles="1" noChangeArrowheads="1" noChangeShapeType="1" noTextEdit="1"/>
+                </p:cNvSpPr>
+                <p:nvPr/>
+              </p:nvSpPr>
+              <p:spPr>
+                <a:xfrm>
+                  <a:off x="1997092" y="4108089"/>
+                  <a:ext cx="338200" cy="523220"/>
+                </a:xfrm>
+                <a:prstGeom prst="rect">
+                  <a:avLst/>
+                </a:prstGeom>
+                <a:blipFill>
+                  <a:blip r:embed="rId8"/>
+                  <a:stretch>
+                    <a:fillRect l="-25000"/>
+                  </a:stretch>
+                </a:blipFill>
+              </p:spPr>
+              <p:txBody>
+                <a:bodyPr/>
+                <a:lstStyle/>
+                <a:p>
+                  <a:r>
+                    <a:rPr lang="en-US">
+                      <a:noFill/>
+                    </a:rPr>
+                    <a:t> </a:t>
+                  </a:r>
+                </a:p>
+              </p:txBody>
+            </p:sp>
+          </mc:Fallback>
+        </mc:AlternateContent>
+        <mc:AlternateContent xmlns:mc="http://schemas.openxmlformats.org/markup-compatibility/2006">
+          <mc:Choice xmlns:a14="http://schemas.microsoft.com/office/drawing/2010/main" Requires="a14">
+            <p:sp>
+              <p:nvSpPr>
+                <p:cNvPr id="42" name="TextBox 41">
+                  <a:extLst>
+                    <a:ext uri="{FF2B5EF4-FFF2-40B4-BE49-F238E27FC236}">
+                      <a16:creationId xmlns:a16="http://schemas.microsoft.com/office/drawing/2014/main" id="{547F7FB4-5249-B74A-8F8E-E85675384232}"/>
+                    </a:ext>
+                  </a:extLst>
+                </p:cNvPr>
+                <p:cNvSpPr txBox="1"/>
+                <p:nvPr/>
+              </p:nvSpPr>
+              <p:spPr>
+                <a:xfrm>
+                  <a:off x="1997092" y="2940828"/>
+                  <a:ext cx="338200" cy="523220"/>
+                </a:xfrm>
+                <a:prstGeom prst="rect">
+                  <a:avLst/>
+                </a:prstGeom>
+                <a:noFill/>
+              </p:spPr>
+              <p:txBody>
+                <a:bodyPr wrap="square" rtlCol="0">
+                  <a:spAutoFit/>
+                </a:bodyPr>
+                <a:lstStyle/>
+                <a:p>
+                  <a:pPr algn="ctr"/>
+                  <a14:m>
+                    <m:oMathPara xmlns:m="http://schemas.openxmlformats.org/officeDocument/2006/math">
+                      <m:oMathParaPr>
+                        <m:jc m:val="centerGroup"/>
+                      </m:oMathParaPr>
+                      <m:oMath xmlns:m="http://schemas.openxmlformats.org/officeDocument/2006/math">
+                        <m:r>
+                          <a:rPr lang="en-US" sz="2800" b="0" i="1" smtClean="0">
+                            <a:latin typeface="Cambria Math" panose="02040503050406030204" pitchFamily="18" charset="0"/>
+                          </a:rPr>
+                          <m:t>2</m:t>
+                        </m:r>
+                      </m:oMath>
+                    </m:oMathPara>
+                  </a14:m>
+                  <a:endParaRPr lang="en-US" sz="2800" dirty="0"/>
+                </a:p>
+              </p:txBody>
+            </p:sp>
+          </mc:Choice>
+          <mc:Fallback>
+            <p:sp>
+              <p:nvSpPr>
+                <p:cNvPr id="42" name="TextBox 41">
+                  <a:extLst>
+                    <a:ext uri="{FF2B5EF4-FFF2-40B4-BE49-F238E27FC236}">
+                      <a16:creationId xmlns:a16="http://schemas.microsoft.com/office/drawing/2014/main" id="{547F7FB4-5249-B74A-8F8E-E85675384232}"/>
+                    </a:ext>
+                  </a:extLst>
+                </p:cNvPr>
+                <p:cNvSpPr txBox="1">
+                  <a:spLocks noRot="1" noChangeAspect="1" noMove="1" noResize="1" noEditPoints="1" noAdjustHandles="1" noChangeArrowheads="1" noChangeShapeType="1" noTextEdit="1"/>
+                </p:cNvSpPr>
+                <p:nvPr/>
+              </p:nvSpPr>
+              <p:spPr>
+                <a:xfrm>
+                  <a:off x="1997092" y="2940828"/>
+                  <a:ext cx="338200" cy="523220"/>
+                </a:xfrm>
+                <a:prstGeom prst="rect">
+                  <a:avLst/>
+                </a:prstGeom>
+                <a:blipFill>
+                  <a:blip r:embed="rId9"/>
+                  <a:stretch>
+                    <a:fillRect l="-25000"/>
+                  </a:stretch>
+                </a:blipFill>
+              </p:spPr>
+              <p:txBody>
+                <a:bodyPr/>
+                <a:lstStyle/>
+                <a:p>
+                  <a:r>
+                    <a:rPr lang="en-US">
+                      <a:noFill/>
+                    </a:rPr>
+                    <a:t> </a:t>
+                  </a:r>
+                </a:p>
+              </p:txBody>
+            </p:sp>
+          </mc:Fallback>
+        </mc:AlternateContent>
+        <mc:AlternateContent xmlns:mc="http://schemas.openxmlformats.org/markup-compatibility/2006">
+          <mc:Choice xmlns:a14="http://schemas.microsoft.com/office/drawing/2010/main" Requires="a14">
+            <p:sp>
+              <p:nvSpPr>
+                <p:cNvPr id="43" name="TextBox 42">
+                  <a:extLst>
+                    <a:ext uri="{FF2B5EF4-FFF2-40B4-BE49-F238E27FC236}">
+                      <a16:creationId xmlns:a16="http://schemas.microsoft.com/office/drawing/2014/main" id="{1A48F87A-3067-D74E-ADE3-7C9E6EED7C78}"/>
+                    </a:ext>
+                  </a:extLst>
+                </p:cNvPr>
+                <p:cNvSpPr txBox="1"/>
+                <p:nvPr/>
+              </p:nvSpPr>
+              <p:spPr>
+                <a:xfrm>
+                  <a:off x="2007850" y="1875283"/>
+                  <a:ext cx="338200" cy="523220"/>
+                </a:xfrm>
+                <a:prstGeom prst="rect">
+                  <a:avLst/>
+                </a:prstGeom>
+                <a:noFill/>
+              </p:spPr>
+              <p:txBody>
+                <a:bodyPr wrap="square" rtlCol="0">
+                  <a:spAutoFit/>
+                </a:bodyPr>
+                <a:lstStyle/>
+                <a:p>
+                  <a:pPr algn="ctr"/>
+                  <a14:m>
+                    <m:oMathPara xmlns:m="http://schemas.openxmlformats.org/officeDocument/2006/math">
+                      <m:oMathParaPr>
+                        <m:jc m:val="centerGroup"/>
+                      </m:oMathParaPr>
+                      <m:oMath xmlns:m="http://schemas.openxmlformats.org/officeDocument/2006/math">
+                        <m:r>
+                          <a:rPr lang="en-US" sz="2800" b="0" i="1" smtClean="0">
+                            <a:latin typeface="Cambria Math" panose="02040503050406030204" pitchFamily="18" charset="0"/>
+                          </a:rPr>
+                          <m:t>3</m:t>
+                        </m:r>
+                      </m:oMath>
+                    </m:oMathPara>
+                  </a14:m>
+                  <a:endParaRPr lang="en-US" sz="2800" dirty="0"/>
+                </a:p>
+              </p:txBody>
+            </p:sp>
+          </mc:Choice>
+          <mc:Fallback>
+            <p:sp>
+              <p:nvSpPr>
+                <p:cNvPr id="43" name="TextBox 42">
+                  <a:extLst>
+                    <a:ext uri="{FF2B5EF4-FFF2-40B4-BE49-F238E27FC236}">
+                      <a16:creationId xmlns:a16="http://schemas.microsoft.com/office/drawing/2014/main" id="{1A48F87A-3067-D74E-ADE3-7C9E6EED7C78}"/>
+                    </a:ext>
+                  </a:extLst>
+                </p:cNvPr>
+                <p:cNvSpPr txBox="1">
+                  <a:spLocks noRot="1" noChangeAspect="1" noMove="1" noResize="1" noEditPoints="1" noAdjustHandles="1" noChangeArrowheads="1" noChangeShapeType="1" noTextEdit="1"/>
+                </p:cNvSpPr>
+                <p:nvPr/>
+              </p:nvSpPr>
+              <p:spPr>
+                <a:xfrm>
+                  <a:off x="2007850" y="1875283"/>
+                  <a:ext cx="338200" cy="523220"/>
+                </a:xfrm>
+                <a:prstGeom prst="rect">
+                  <a:avLst/>
+                </a:prstGeom>
+                <a:blipFill>
+                  <a:blip r:embed="rId10"/>
+                  <a:stretch>
+                    <a:fillRect l="-25000"/>
+                  </a:stretch>
+                </a:blipFill>
+              </p:spPr>
+              <p:txBody>
+                <a:bodyPr/>
+                <a:lstStyle/>
+                <a:p>
+                  <a:r>
+                    <a:rPr lang="en-US">
+                      <a:noFill/>
+                    </a:rPr>
+                    <a:t> </a:t>
+                  </a:r>
+                </a:p>
+              </p:txBody>
+            </p:sp>
+          </mc:Fallback>
+        </mc:AlternateContent>
+        <mc:AlternateContent xmlns:mc="http://schemas.openxmlformats.org/markup-compatibility/2006">
+          <mc:Choice xmlns:a14="http://schemas.microsoft.com/office/drawing/2010/main" Requires="a14">
+            <p:sp>
+              <p:nvSpPr>
+                <p:cNvPr id="33" name="TextBox 32">
+                  <a:extLst>
+                    <a:ext uri="{FF2B5EF4-FFF2-40B4-BE49-F238E27FC236}">
+                      <a16:creationId xmlns:a16="http://schemas.microsoft.com/office/drawing/2014/main" id="{79FDDFFA-BF7D-5D41-98F3-242BB422C476}"/>
+                    </a:ext>
+                  </a:extLst>
+                </p:cNvPr>
+                <p:cNvSpPr txBox="1"/>
+                <p:nvPr/>
+              </p:nvSpPr>
+              <p:spPr>
+                <a:xfrm>
+                  <a:off x="3419732" y="3918819"/>
+                  <a:ext cx="363252" cy="523220"/>
+                </a:xfrm>
+                <a:prstGeom prst="rect">
+                  <a:avLst/>
+                </a:prstGeom>
+                <a:noFill/>
+              </p:spPr>
+              <p:txBody>
+                <a:bodyPr wrap="square" rtlCol="0">
+                  <a:spAutoFit/>
+                </a:bodyPr>
+                <a:lstStyle/>
+                <a:p>
+                  <a:pPr algn="ctr"/>
+                  <a14:m>
+                    <m:oMathPara xmlns:m="http://schemas.openxmlformats.org/officeDocument/2006/math">
+                      <m:oMathParaPr>
+                        <m:jc m:val="centerGroup"/>
+                      </m:oMathParaPr>
+                      <m:oMath xmlns:m="http://schemas.openxmlformats.org/officeDocument/2006/math">
+                        <m:sSub>
+                          <m:sSubPr>
+                            <m:ctrlPr>
+                              <a:rPr lang="en-US" sz="2800" b="0" i="1" smtClean="0">
+                                <a:latin typeface="Cambria Math" panose="02040503050406030204" pitchFamily="18" charset="0"/>
+                              </a:rPr>
+                            </m:ctrlPr>
+                          </m:sSubPr>
+                          <m:e>
+                            <m:r>
+                              <a:rPr lang="en-US" sz="2800" b="0" i="1" smtClean="0">
+                                <a:latin typeface="Cambria Math" panose="02040503050406030204" pitchFamily="18" charset="0"/>
+                              </a:rPr>
+                              <m:t>𝛿</m:t>
+                            </m:r>
+                          </m:e>
+                          <m:sub>
+                            <m:r>
+                              <a:rPr lang="en-US" sz="2800" b="0" i="1" smtClean="0">
+                                <a:latin typeface="Cambria Math" panose="02040503050406030204" pitchFamily="18" charset="0"/>
+                              </a:rPr>
+                              <m:t>1</m:t>
+                            </m:r>
+                          </m:sub>
+                        </m:sSub>
+                      </m:oMath>
+                    </m:oMathPara>
+                  </a14:m>
+                  <a:endParaRPr lang="en-US" sz="2800" i="1" dirty="0"/>
+                </a:p>
+              </p:txBody>
+            </p:sp>
+          </mc:Choice>
+          <mc:Fallback>
+            <p:sp>
+              <p:nvSpPr>
+                <p:cNvPr id="33" name="TextBox 32">
+                  <a:extLst>
+                    <a:ext uri="{FF2B5EF4-FFF2-40B4-BE49-F238E27FC236}">
+                      <a16:creationId xmlns:a16="http://schemas.microsoft.com/office/drawing/2014/main" id="{79FDDFFA-BF7D-5D41-98F3-242BB422C476}"/>
+                    </a:ext>
+                  </a:extLst>
+                </p:cNvPr>
+                <p:cNvSpPr txBox="1">
+                  <a:spLocks noRot="1" noChangeAspect="1" noMove="1" noResize="1" noEditPoints="1" noAdjustHandles="1" noChangeArrowheads="1" noChangeShapeType="1" noTextEdit="1"/>
+                </p:cNvSpPr>
+                <p:nvPr/>
+              </p:nvSpPr>
+              <p:spPr>
+                <a:xfrm>
+                  <a:off x="3419732" y="3918819"/>
+                  <a:ext cx="363252" cy="523220"/>
+                </a:xfrm>
+                <a:prstGeom prst="rect">
+                  <a:avLst/>
+                </a:prstGeom>
+                <a:blipFill>
+                  <a:blip r:embed="rId11"/>
+                  <a:stretch>
+                    <a:fillRect l="-40000" r="-3333"/>
+                  </a:stretch>
+                </a:blipFill>
+              </p:spPr>
+              <p:txBody>
+                <a:bodyPr/>
+                <a:lstStyle/>
+                <a:p>
+                  <a:r>
+                    <a:rPr lang="en-US">
+                      <a:noFill/>
+                    </a:rPr>
+                    <a:t> </a:t>
+                  </a:r>
+                </a:p>
+              </p:txBody>
+            </p:sp>
+          </mc:Fallback>
+        </mc:AlternateContent>
+        <p:sp>
+          <p:nvSpPr>
+            <p:cNvPr id="34" name="Right Brace 33">
+              <a:extLst>
+                <a:ext uri="{FF2B5EF4-FFF2-40B4-BE49-F238E27FC236}">
+                  <a16:creationId xmlns:a16="http://schemas.microsoft.com/office/drawing/2014/main" id="{2C016B08-AA34-C948-A512-29578DA0640E}"/>
+                </a:ext>
+              </a:extLst>
+            </p:cNvPr>
+            <p:cNvSpPr/>
+            <p:nvPr/>
+          </p:nvSpPr>
+          <p:spPr>
+            <a:xfrm rot="16200000">
+              <a:off x="3161177" y="3728185"/>
+              <a:ext cx="790345" cy="2285998"/>
+            </a:xfrm>
+            <a:prstGeom prst="rightBrace">
+              <a:avLst/>
+            </a:prstGeom>
+            <a:ln w="38100">
+              <a:solidFill>
+                <a:schemeClr val="tx1"/>
+              </a:solidFill>
+            </a:ln>
+          </p:spPr>
+          <p:style>
+            <a:lnRef idx="1">
+              <a:schemeClr val="accent1"/>
+            </a:lnRef>
+            <a:fillRef idx="0">
+              <a:schemeClr val="accent1"/>
+            </a:fillRef>
+            <a:effectRef idx="0">
+              <a:schemeClr val="accent1"/>
+            </a:effectRef>
+            <a:fontRef idx="minor">
+              <a:schemeClr val="tx1"/>
+            </a:fontRef>
+          </p:style>
+          <p:txBody>
+            <a:bodyPr rtlCol="0" anchor="ctr"/>
+            <a:lstStyle/>
+            <a:p>
+              <a:pPr algn="ctr"/>
+              <a:endParaRPr lang="en-US"/>
+            </a:p>
+          </p:txBody>
+        </p:sp>
+        <mc:AlternateContent xmlns:mc="http://schemas.openxmlformats.org/markup-compatibility/2006">
+          <mc:Choice xmlns:a14="http://schemas.microsoft.com/office/drawing/2010/main" Requires="a14">
+            <p:sp>
+              <p:nvSpPr>
+                <p:cNvPr id="35" name="TextBox 34">
+                  <a:extLst>
+                    <a:ext uri="{FF2B5EF4-FFF2-40B4-BE49-F238E27FC236}">
+                      <a16:creationId xmlns:a16="http://schemas.microsoft.com/office/drawing/2014/main" id="{364246A0-D826-6845-A834-B05AE9E066DE}"/>
+                    </a:ext>
+                  </a:extLst>
+                </p:cNvPr>
+                <p:cNvSpPr txBox="1"/>
+                <p:nvPr/>
+              </p:nvSpPr>
+              <p:spPr>
+                <a:xfrm>
+                  <a:off x="5703650" y="2862405"/>
+                  <a:ext cx="363252" cy="523220"/>
+                </a:xfrm>
+                <a:prstGeom prst="rect">
+                  <a:avLst/>
+                </a:prstGeom>
+                <a:noFill/>
+              </p:spPr>
+              <p:txBody>
+                <a:bodyPr wrap="square" rtlCol="0">
+                  <a:spAutoFit/>
+                </a:bodyPr>
+                <a:lstStyle/>
+                <a:p>
+                  <a:pPr algn="ctr"/>
+                  <a14:m>
+                    <m:oMathPara xmlns:m="http://schemas.openxmlformats.org/officeDocument/2006/math">
+                      <m:oMathParaPr>
+                        <m:jc m:val="centerGroup"/>
+                      </m:oMathParaPr>
+                      <m:oMath xmlns:m="http://schemas.openxmlformats.org/officeDocument/2006/math">
+                        <m:sSub>
+                          <m:sSubPr>
+                            <m:ctrlPr>
+                              <a:rPr lang="en-US" sz="2800" b="0" i="1" smtClean="0">
+                                <a:latin typeface="Cambria Math" panose="02040503050406030204" pitchFamily="18" charset="0"/>
+                              </a:rPr>
+                            </m:ctrlPr>
+                          </m:sSubPr>
+                          <m:e>
+                            <m:r>
+                              <a:rPr lang="en-US" sz="2800" b="0" i="1" smtClean="0">
+                                <a:latin typeface="Cambria Math" panose="02040503050406030204" pitchFamily="18" charset="0"/>
+                              </a:rPr>
+                              <m:t>𝛿</m:t>
+                            </m:r>
+                          </m:e>
+                          <m:sub>
+                            <m:r>
+                              <a:rPr lang="en-US" sz="2800" b="0" i="1" smtClean="0">
+                                <a:latin typeface="Cambria Math" panose="02040503050406030204" pitchFamily="18" charset="0"/>
+                              </a:rPr>
+                              <m:t>2</m:t>
+                            </m:r>
+                          </m:sub>
+                        </m:sSub>
+                      </m:oMath>
+                    </m:oMathPara>
+                  </a14:m>
+                  <a:endParaRPr lang="en-US" sz="2800" i="1" dirty="0"/>
+                </a:p>
+              </p:txBody>
+            </p:sp>
+          </mc:Choice>
+          <mc:Fallback>
+            <p:sp>
+              <p:nvSpPr>
+                <p:cNvPr id="35" name="TextBox 34">
+                  <a:extLst>
+                    <a:ext uri="{FF2B5EF4-FFF2-40B4-BE49-F238E27FC236}">
+                      <a16:creationId xmlns:a16="http://schemas.microsoft.com/office/drawing/2014/main" id="{364246A0-D826-6845-A834-B05AE9E066DE}"/>
+                    </a:ext>
+                  </a:extLst>
+                </p:cNvPr>
+                <p:cNvSpPr txBox="1">
+                  <a:spLocks noRot="1" noChangeAspect="1" noMove="1" noResize="1" noEditPoints="1" noAdjustHandles="1" noChangeArrowheads="1" noChangeShapeType="1" noTextEdit="1"/>
+                </p:cNvSpPr>
+                <p:nvPr/>
+              </p:nvSpPr>
+              <p:spPr>
+                <a:xfrm>
+                  <a:off x="5703650" y="2862405"/>
+                  <a:ext cx="363252" cy="523220"/>
+                </a:xfrm>
+                <a:prstGeom prst="rect">
+                  <a:avLst/>
+                </a:prstGeom>
+                <a:blipFill>
+                  <a:blip r:embed="rId12"/>
+                  <a:stretch>
+                    <a:fillRect l="-40000" r="-3333"/>
+                  </a:stretch>
+                </a:blipFill>
+              </p:spPr>
+              <p:txBody>
+                <a:bodyPr/>
+                <a:lstStyle/>
+                <a:p>
+                  <a:r>
+                    <a:rPr lang="en-US">
+                      <a:noFill/>
+                    </a:rPr>
+                    <a:t> </a:t>
+                  </a:r>
+                </a:p>
+              </p:txBody>
+            </p:sp>
+          </mc:Fallback>
+        </mc:AlternateContent>
+        <p:sp>
+          <p:nvSpPr>
+            <p:cNvPr id="37" name="Right Brace 36">
+              <a:extLst>
+                <a:ext uri="{FF2B5EF4-FFF2-40B4-BE49-F238E27FC236}">
+                  <a16:creationId xmlns:a16="http://schemas.microsoft.com/office/drawing/2014/main" id="{BAB0CF95-29EA-5849-BE7E-F74728FB379D}"/>
+                </a:ext>
+              </a:extLst>
+            </p:cNvPr>
+            <p:cNvSpPr/>
+            <p:nvPr/>
+          </p:nvSpPr>
+          <p:spPr>
+            <a:xfrm rot="16200000">
+              <a:off x="5445095" y="2671771"/>
+              <a:ext cx="790345" cy="2285998"/>
+            </a:xfrm>
+            <a:prstGeom prst="rightBrace">
+              <a:avLst/>
+            </a:prstGeom>
+            <a:ln w="38100">
+              <a:solidFill>
+                <a:schemeClr val="tx1"/>
+              </a:solidFill>
+            </a:ln>
+          </p:spPr>
+          <p:style>
+            <a:lnRef idx="1">
+              <a:schemeClr val="accent1"/>
+            </a:lnRef>
+            <a:fillRef idx="0">
+              <a:schemeClr val="accent1"/>
+            </a:fillRef>
+            <a:effectRef idx="0">
+              <a:schemeClr val="accent1"/>
+            </a:effectRef>
+            <a:fontRef idx="minor">
+              <a:schemeClr val="tx1"/>
+            </a:fontRef>
+          </p:style>
+          <p:txBody>
+            <a:bodyPr rtlCol="0" anchor="ctr"/>
+            <a:lstStyle/>
+            <a:p>
+              <a:pPr algn="ctr"/>
+              <a:endParaRPr lang="en-US"/>
+            </a:p>
+          </p:txBody>
+        </p:sp>
+        <mc:AlternateContent xmlns:mc="http://schemas.openxmlformats.org/markup-compatibility/2006">
+          <mc:Choice xmlns:a14="http://schemas.microsoft.com/office/drawing/2010/main" Requires="a14">
+            <p:sp>
+              <p:nvSpPr>
+                <p:cNvPr id="38" name="TextBox 37">
+                  <a:extLst>
+                    <a:ext uri="{FF2B5EF4-FFF2-40B4-BE49-F238E27FC236}">
+                      <a16:creationId xmlns:a16="http://schemas.microsoft.com/office/drawing/2014/main" id="{CFF4B162-87CF-BB46-B6B6-D72A853EC2EE}"/>
+                    </a:ext>
+                  </a:extLst>
+                </p:cNvPr>
+                <p:cNvSpPr txBox="1"/>
+                <p:nvPr/>
+              </p:nvSpPr>
+              <p:spPr>
+                <a:xfrm>
+                  <a:off x="8004255" y="1707364"/>
+                  <a:ext cx="363252" cy="523220"/>
+                </a:xfrm>
+                <a:prstGeom prst="rect">
+                  <a:avLst/>
+                </a:prstGeom>
+                <a:noFill/>
+              </p:spPr>
+              <p:txBody>
+                <a:bodyPr wrap="square" rtlCol="0">
+                  <a:spAutoFit/>
+                </a:bodyPr>
+                <a:lstStyle/>
+                <a:p>
+                  <a:pPr algn="ctr"/>
+                  <a14:m>
+                    <m:oMathPara xmlns:m="http://schemas.openxmlformats.org/officeDocument/2006/math">
+                      <m:oMathParaPr>
+                        <m:jc m:val="centerGroup"/>
+                      </m:oMathParaPr>
+                      <m:oMath xmlns:m="http://schemas.openxmlformats.org/officeDocument/2006/math">
+                        <m:sSub>
+                          <m:sSubPr>
+                            <m:ctrlPr>
+                              <a:rPr lang="en-US" sz="2800" b="0" i="1" smtClean="0">
+                                <a:latin typeface="Cambria Math" panose="02040503050406030204" pitchFamily="18" charset="0"/>
+                              </a:rPr>
+                            </m:ctrlPr>
+                          </m:sSubPr>
+                          <m:e>
+                            <m:r>
+                              <a:rPr lang="en-US" sz="2800" b="0" i="1" smtClean="0">
+                                <a:latin typeface="Cambria Math" panose="02040503050406030204" pitchFamily="18" charset="0"/>
+                              </a:rPr>
+                              <m:t>𝛿</m:t>
+                            </m:r>
+                          </m:e>
+                          <m:sub>
+                            <m:r>
+                              <a:rPr lang="en-US" sz="2800" b="0" i="1" smtClean="0">
+                                <a:latin typeface="Cambria Math" panose="02040503050406030204" pitchFamily="18" charset="0"/>
+                              </a:rPr>
+                              <m:t>3</m:t>
+                            </m:r>
+                          </m:sub>
+                        </m:sSub>
+                      </m:oMath>
+                    </m:oMathPara>
+                  </a14:m>
+                  <a:endParaRPr lang="en-US" sz="2800" i="1" dirty="0"/>
+                </a:p>
+              </p:txBody>
+            </p:sp>
+          </mc:Choice>
+          <mc:Fallback>
+            <p:sp>
+              <p:nvSpPr>
+                <p:cNvPr id="38" name="TextBox 37">
+                  <a:extLst>
+                    <a:ext uri="{FF2B5EF4-FFF2-40B4-BE49-F238E27FC236}">
+                      <a16:creationId xmlns:a16="http://schemas.microsoft.com/office/drawing/2014/main" id="{CFF4B162-87CF-BB46-B6B6-D72A853EC2EE}"/>
+                    </a:ext>
+                  </a:extLst>
+                </p:cNvPr>
+                <p:cNvSpPr txBox="1">
+                  <a:spLocks noRot="1" noChangeAspect="1" noMove="1" noResize="1" noEditPoints="1" noAdjustHandles="1" noChangeArrowheads="1" noChangeShapeType="1" noTextEdit="1"/>
+                </p:cNvSpPr>
+                <p:nvPr/>
+              </p:nvSpPr>
+              <p:spPr>
+                <a:xfrm>
+                  <a:off x="8004255" y="1707364"/>
+                  <a:ext cx="363252" cy="523220"/>
+                </a:xfrm>
+                <a:prstGeom prst="rect">
+                  <a:avLst/>
+                </a:prstGeom>
+                <a:blipFill>
+                  <a:blip r:embed="rId13"/>
+                  <a:stretch>
+                    <a:fillRect l="-40000" r="-3333"/>
+                  </a:stretch>
+                </a:blipFill>
+              </p:spPr>
+              <p:txBody>
+                <a:bodyPr/>
+                <a:lstStyle/>
+                <a:p>
+                  <a:r>
+                    <a:rPr lang="en-US">
+                      <a:noFill/>
+                    </a:rPr>
+                    <a:t> </a:t>
+                  </a:r>
+                </a:p>
+              </p:txBody>
+            </p:sp>
+          </mc:Fallback>
+        </mc:AlternateContent>
+        <p:sp>
+          <p:nvSpPr>
+            <p:cNvPr id="39" name="Right Brace 38">
+              <a:extLst>
+                <a:ext uri="{FF2B5EF4-FFF2-40B4-BE49-F238E27FC236}">
+                  <a16:creationId xmlns:a16="http://schemas.microsoft.com/office/drawing/2014/main" id="{E60428BF-7CA2-164B-94A6-058FB94213D4}"/>
+                </a:ext>
+              </a:extLst>
+            </p:cNvPr>
+            <p:cNvSpPr/>
+            <p:nvPr/>
+          </p:nvSpPr>
+          <p:spPr>
+            <a:xfrm rot="16200000">
+              <a:off x="7745700" y="1516730"/>
+              <a:ext cx="790345" cy="2285998"/>
+            </a:xfrm>
+            <a:prstGeom prst="rightBrace">
+              <a:avLst/>
+            </a:prstGeom>
+            <a:ln w="38100">
+              <a:solidFill>
+                <a:schemeClr val="tx1"/>
+              </a:solidFill>
+            </a:ln>
+          </p:spPr>
+          <p:style>
+            <a:lnRef idx="1">
+              <a:schemeClr val="accent1"/>
+            </a:lnRef>
+            <a:fillRef idx="0">
+              <a:schemeClr val="accent1"/>
+            </a:fillRef>
+            <a:effectRef idx="0">
+              <a:schemeClr val="accent1"/>
+            </a:effectRef>
+            <a:fontRef idx="minor">
+              <a:schemeClr val="tx1"/>
+            </a:fontRef>
+          </p:style>
+          <p:txBody>
+            <a:bodyPr rtlCol="0" anchor="ctr"/>
+            <a:lstStyle/>
+            <a:p>
+              <a:pPr algn="ctr"/>
+              <a:endParaRPr lang="en-US"/>
+            </a:p>
+          </p:txBody>
+        </p:sp>
+      </p:grpSp>
+    </p:spTree>
+    <p:extLst>
+      <p:ext uri="{BB962C8B-B14F-4D97-AF65-F5344CB8AC3E}">
+        <p14:creationId xmlns:p14="http://schemas.microsoft.com/office/powerpoint/2010/main" val="2626425759"/>
+      </p:ext>
+    </p:extLst>
+  </p:cSld>
+  <p:clrMapOvr>
+    <a:masterClrMapping/>
+  </p:clrMapOvr>
+</p:sld>
+</file>
+
 <file path=ppt/theme/theme1.xml><?xml version="1.0" encoding="utf-8"?>
 <a:theme xmlns:a="http://schemas.openxmlformats.org/drawingml/2006/main" name="Office Theme">
   <a:themeElements>

--- a/figures/Chapter 1 - Introduction and Review/1.2 Poisson Processes.pptx
+++ b/figures/Chapter 1 - Introduction and Review/1.2 Poisson Processes.pptx
@@ -8,6 +8,7 @@
     <p:sldId id="256" r:id="rId2"/>
     <p:sldId id="257" r:id="rId3"/>
     <p:sldId id="258" r:id="rId4"/>
+    <p:sldId id="259" r:id="rId5"/>
   </p:sldIdLst>
   <p:sldSz cx="12192000" cy="6858000"/>
   <p:notesSz cx="6858000" cy="9144000"/>
@@ -261,7 +262,7 @@
           <a:p>
             <a:fld id="{0FAF8E43-509D-6949-B0CD-81E8CB114DFB}" type="datetimeFigureOut">
               <a:rPr lang="en-US" smtClean="0"/>
-              <a:t>11/17/18</a:t>
+              <a:t>11/18/18</a:t>
             </a:fld>
             <a:endParaRPr lang="en-US"/>
           </a:p>
@@ -459,7 +460,7 @@
           <a:p>
             <a:fld id="{0FAF8E43-509D-6949-B0CD-81E8CB114DFB}" type="datetimeFigureOut">
               <a:rPr lang="en-US" smtClean="0"/>
-              <a:t>11/17/18</a:t>
+              <a:t>11/18/18</a:t>
             </a:fld>
             <a:endParaRPr lang="en-US"/>
           </a:p>
@@ -667,7 +668,7 @@
           <a:p>
             <a:fld id="{0FAF8E43-509D-6949-B0CD-81E8CB114DFB}" type="datetimeFigureOut">
               <a:rPr lang="en-US" smtClean="0"/>
-              <a:t>11/17/18</a:t>
+              <a:t>11/18/18</a:t>
             </a:fld>
             <a:endParaRPr lang="en-US"/>
           </a:p>
@@ -865,7 +866,7 @@
           <a:p>
             <a:fld id="{0FAF8E43-509D-6949-B0CD-81E8CB114DFB}" type="datetimeFigureOut">
               <a:rPr lang="en-US" smtClean="0"/>
-              <a:t>11/17/18</a:t>
+              <a:t>11/18/18</a:t>
             </a:fld>
             <a:endParaRPr lang="en-US"/>
           </a:p>
@@ -1140,7 +1141,7 @@
           <a:p>
             <a:fld id="{0FAF8E43-509D-6949-B0CD-81E8CB114DFB}" type="datetimeFigureOut">
               <a:rPr lang="en-US" smtClean="0"/>
-              <a:t>11/17/18</a:t>
+              <a:t>11/18/18</a:t>
             </a:fld>
             <a:endParaRPr lang="en-US"/>
           </a:p>
@@ -1405,7 +1406,7 @@
           <a:p>
             <a:fld id="{0FAF8E43-509D-6949-B0CD-81E8CB114DFB}" type="datetimeFigureOut">
               <a:rPr lang="en-US" smtClean="0"/>
-              <a:t>11/17/18</a:t>
+              <a:t>11/18/18</a:t>
             </a:fld>
             <a:endParaRPr lang="en-US"/>
           </a:p>
@@ -1817,7 +1818,7 @@
           <a:p>
             <a:fld id="{0FAF8E43-509D-6949-B0CD-81E8CB114DFB}" type="datetimeFigureOut">
               <a:rPr lang="en-US" smtClean="0"/>
-              <a:t>11/17/18</a:t>
+              <a:t>11/18/18</a:t>
             </a:fld>
             <a:endParaRPr lang="en-US"/>
           </a:p>
@@ -1958,7 +1959,7 @@
           <a:p>
             <a:fld id="{0FAF8E43-509D-6949-B0CD-81E8CB114DFB}" type="datetimeFigureOut">
               <a:rPr lang="en-US" smtClean="0"/>
-              <a:t>11/17/18</a:t>
+              <a:t>11/18/18</a:t>
             </a:fld>
             <a:endParaRPr lang="en-US"/>
           </a:p>
@@ -2071,7 +2072,7 @@
           <a:p>
             <a:fld id="{0FAF8E43-509D-6949-B0CD-81E8CB114DFB}" type="datetimeFigureOut">
               <a:rPr lang="en-US" smtClean="0"/>
-              <a:t>11/17/18</a:t>
+              <a:t>11/18/18</a:t>
             </a:fld>
             <a:endParaRPr lang="en-US"/>
           </a:p>
@@ -2382,7 +2383,7 @@
           <a:p>
             <a:fld id="{0FAF8E43-509D-6949-B0CD-81E8CB114DFB}" type="datetimeFigureOut">
               <a:rPr lang="en-US" smtClean="0"/>
-              <a:t>11/17/18</a:t>
+              <a:t>11/18/18</a:t>
             </a:fld>
             <a:endParaRPr lang="en-US"/>
           </a:p>
@@ -2670,7 +2671,7 @@
           <a:p>
             <a:fld id="{0FAF8E43-509D-6949-B0CD-81E8CB114DFB}" type="datetimeFigureOut">
               <a:rPr lang="en-US" smtClean="0"/>
-              <a:t>11/17/18</a:t>
+              <a:t>11/18/18</a:t>
             </a:fld>
             <a:endParaRPr lang="en-US"/>
           </a:p>
@@ -2911,7 +2912,7 @@
           <a:p>
             <a:fld id="{0FAF8E43-509D-6949-B0CD-81E8CB114DFB}" type="datetimeFigureOut">
               <a:rPr lang="en-US" smtClean="0"/>
-              <a:t>11/17/18</a:t>
+              <a:t>11/18/18</a:t>
             </a:fld>
             <a:endParaRPr lang="en-US"/>
           </a:p>
@@ -3496,8 +3497,8 @@
             </a:fontRef>
           </p:style>
         </p:cxnSp>
-        <mc:AlternateContent xmlns:mc="http://schemas.openxmlformats.org/markup-compatibility/2006">
-          <mc:Choice xmlns:a14="http://schemas.microsoft.com/office/drawing/2010/main" Requires="a14">
+        <mc:AlternateContent xmlns:mc="http://schemas.openxmlformats.org/markup-compatibility/2006" xmlns:a14="http://schemas.microsoft.com/office/drawing/2010/main">
+          <mc:Choice Requires="a14">
             <p:sp>
               <p:nvSpPr>
                 <p:cNvPr id="8" name="TextBox 7">
@@ -3547,7 +3548,7 @@
               </p:txBody>
             </p:sp>
           </mc:Choice>
-          <mc:Fallback>
+          <mc:Fallback xmlns="">
             <p:sp>
               <p:nvSpPr>
                 <p:cNvPr id="8" name="TextBox 7">
@@ -3592,8 +3593,8 @@
             </p:sp>
           </mc:Fallback>
         </mc:AlternateContent>
-        <mc:AlternateContent xmlns:mc="http://schemas.openxmlformats.org/markup-compatibility/2006">
-          <mc:Choice xmlns:a14="http://schemas.microsoft.com/office/drawing/2010/main" Requires="a14">
+        <mc:AlternateContent xmlns:mc="http://schemas.openxmlformats.org/markup-compatibility/2006" xmlns:a14="http://schemas.microsoft.com/office/drawing/2010/main">
+          <mc:Choice Requires="a14">
             <p:sp>
               <p:nvSpPr>
                 <p:cNvPr id="9" name="TextBox 8">
@@ -3660,7 +3661,7 @@
               </p:txBody>
             </p:sp>
           </mc:Choice>
-          <mc:Fallback>
+          <mc:Fallback xmlns="">
             <p:sp>
               <p:nvSpPr>
                 <p:cNvPr id="9" name="TextBox 8">
@@ -3705,8 +3706,8 @@
             </p:sp>
           </mc:Fallback>
         </mc:AlternateContent>
-        <mc:AlternateContent xmlns:mc="http://schemas.openxmlformats.org/markup-compatibility/2006">
-          <mc:Choice xmlns:a14="http://schemas.microsoft.com/office/drawing/2010/main" Requires="a14">
+        <mc:AlternateContent xmlns:mc="http://schemas.openxmlformats.org/markup-compatibility/2006" xmlns:a14="http://schemas.microsoft.com/office/drawing/2010/main">
+          <mc:Choice Requires="a14">
             <p:sp>
               <p:nvSpPr>
                 <p:cNvPr id="10" name="TextBox 9">
@@ -3756,7 +3757,7 @@
               </p:txBody>
             </p:sp>
           </mc:Choice>
-          <mc:Fallback>
+          <mc:Fallback xmlns="">
             <p:sp>
               <p:nvSpPr>
                 <p:cNvPr id="10" name="TextBox 9">
@@ -4260,8 +4261,8 @@
             </a:p>
           </p:txBody>
         </p:sp>
-        <mc:AlternateContent xmlns:mc="http://schemas.openxmlformats.org/markup-compatibility/2006">
-          <mc:Choice xmlns:a14="http://schemas.microsoft.com/office/drawing/2010/main" Requires="a14">
+        <mc:AlternateContent xmlns:mc="http://schemas.openxmlformats.org/markup-compatibility/2006" xmlns:a14="http://schemas.microsoft.com/office/drawing/2010/main">
+          <mc:Choice Requires="a14">
             <p:sp>
               <p:nvSpPr>
                 <p:cNvPr id="28" name="TextBox 27">
@@ -4330,7 +4331,7 @@
               </p:txBody>
             </p:sp>
           </mc:Choice>
-          <mc:Fallback>
+          <mc:Fallback xmlns="">
             <p:sp>
               <p:nvSpPr>
                 <p:cNvPr id="28" name="TextBox 27">
@@ -4375,8 +4376,8 @@
             </p:sp>
           </mc:Fallback>
         </mc:AlternateContent>
-        <mc:AlternateContent xmlns:mc="http://schemas.openxmlformats.org/markup-compatibility/2006">
-          <mc:Choice xmlns:a14="http://schemas.microsoft.com/office/drawing/2010/main" Requires="a14">
+        <mc:AlternateContent xmlns:mc="http://schemas.openxmlformats.org/markup-compatibility/2006" xmlns:a14="http://schemas.microsoft.com/office/drawing/2010/main">
+          <mc:Choice Requires="a14">
             <p:sp>
               <p:nvSpPr>
                 <p:cNvPr id="29" name="TextBox 28">
@@ -4445,7 +4446,7 @@
               </p:txBody>
             </p:sp>
           </mc:Choice>
-          <mc:Fallback>
+          <mc:Fallback xmlns="">
             <p:sp>
               <p:nvSpPr>
                 <p:cNvPr id="29" name="TextBox 28">
@@ -4490,8 +4491,8 @@
             </p:sp>
           </mc:Fallback>
         </mc:AlternateContent>
-        <mc:AlternateContent xmlns:mc="http://schemas.openxmlformats.org/markup-compatibility/2006">
-          <mc:Choice xmlns:a14="http://schemas.microsoft.com/office/drawing/2010/main" Requires="a14">
+        <mc:AlternateContent xmlns:mc="http://schemas.openxmlformats.org/markup-compatibility/2006" xmlns:a14="http://schemas.microsoft.com/office/drawing/2010/main">
+          <mc:Choice Requires="a14">
             <p:sp>
               <p:nvSpPr>
                 <p:cNvPr id="30" name="TextBox 29">
@@ -4560,7 +4561,7 @@
               </p:txBody>
             </p:sp>
           </mc:Choice>
-          <mc:Fallback>
+          <mc:Fallback xmlns="">
             <p:sp>
               <p:nvSpPr>
                 <p:cNvPr id="30" name="TextBox 29">
@@ -4750,8 +4751,8 @@
             </a:fontRef>
           </p:style>
         </p:cxnSp>
-        <mc:AlternateContent xmlns:mc="http://schemas.openxmlformats.org/markup-compatibility/2006">
-          <mc:Choice xmlns:a14="http://schemas.microsoft.com/office/drawing/2010/main" Requires="a14">
+        <mc:AlternateContent xmlns:mc="http://schemas.openxmlformats.org/markup-compatibility/2006" xmlns:a14="http://schemas.microsoft.com/office/drawing/2010/main">
+          <mc:Choice Requires="a14">
             <p:sp>
               <p:nvSpPr>
                 <p:cNvPr id="41" name="TextBox 40">
@@ -4801,7 +4802,7 @@
               </p:txBody>
             </p:sp>
           </mc:Choice>
-          <mc:Fallback>
+          <mc:Fallback xmlns="">
             <p:sp>
               <p:nvSpPr>
                 <p:cNvPr id="41" name="TextBox 40">
@@ -4846,8 +4847,8 @@
             </p:sp>
           </mc:Fallback>
         </mc:AlternateContent>
-        <mc:AlternateContent xmlns:mc="http://schemas.openxmlformats.org/markup-compatibility/2006">
-          <mc:Choice xmlns:a14="http://schemas.microsoft.com/office/drawing/2010/main" Requires="a14">
+        <mc:AlternateContent xmlns:mc="http://schemas.openxmlformats.org/markup-compatibility/2006" xmlns:a14="http://schemas.microsoft.com/office/drawing/2010/main">
+          <mc:Choice Requires="a14">
             <p:sp>
               <p:nvSpPr>
                 <p:cNvPr id="42" name="TextBox 41">
@@ -4897,7 +4898,7 @@
               </p:txBody>
             </p:sp>
           </mc:Choice>
-          <mc:Fallback>
+          <mc:Fallback xmlns="">
             <p:sp>
               <p:nvSpPr>
                 <p:cNvPr id="42" name="TextBox 41">
@@ -4942,8 +4943,8 @@
             </p:sp>
           </mc:Fallback>
         </mc:AlternateContent>
-        <mc:AlternateContent xmlns:mc="http://schemas.openxmlformats.org/markup-compatibility/2006">
-          <mc:Choice xmlns:a14="http://schemas.microsoft.com/office/drawing/2010/main" Requires="a14">
+        <mc:AlternateContent xmlns:mc="http://schemas.openxmlformats.org/markup-compatibility/2006" xmlns:a14="http://schemas.microsoft.com/office/drawing/2010/main">
+          <mc:Choice Requires="a14">
             <p:sp>
               <p:nvSpPr>
                 <p:cNvPr id="43" name="TextBox 42">
@@ -4993,7 +4994,7 @@
               </p:txBody>
             </p:sp>
           </mc:Choice>
-          <mc:Fallback>
+          <mc:Fallback xmlns="">
             <p:sp>
               <p:nvSpPr>
                 <p:cNvPr id="43" name="TextBox 42">
@@ -5038,8 +5039,8 @@
             </p:sp>
           </mc:Fallback>
         </mc:AlternateContent>
-        <mc:AlternateContent xmlns:mc="http://schemas.openxmlformats.org/markup-compatibility/2006">
-          <mc:Choice xmlns:a14="http://schemas.microsoft.com/office/drawing/2010/main" Requires="a14">
+        <mc:AlternateContent xmlns:mc="http://schemas.openxmlformats.org/markup-compatibility/2006" xmlns:a14="http://schemas.microsoft.com/office/drawing/2010/main">
+          <mc:Choice Requires="a14">
             <p:sp>
               <p:nvSpPr>
                 <p:cNvPr id="45" name="TextBox 44">
@@ -5108,7 +5109,7 @@
               </p:txBody>
             </p:sp>
           </mc:Choice>
-          <mc:Fallback>
+          <mc:Fallback xmlns="">
             <p:sp>
               <p:nvSpPr>
                 <p:cNvPr id="45" name="TextBox 44">
@@ -5202,8 +5203,8 @@
             </a:p>
           </p:txBody>
         </p:sp>
-        <mc:AlternateContent xmlns:mc="http://schemas.openxmlformats.org/markup-compatibility/2006">
-          <mc:Choice xmlns:a14="http://schemas.microsoft.com/office/drawing/2010/main" Requires="a14">
+        <mc:AlternateContent xmlns:mc="http://schemas.openxmlformats.org/markup-compatibility/2006" xmlns:a14="http://schemas.microsoft.com/office/drawing/2010/main">
+          <mc:Choice Requires="a14">
             <p:sp>
               <p:nvSpPr>
                 <p:cNvPr id="47" name="TextBox 46">
@@ -5272,7 +5273,7 @@
               </p:txBody>
             </p:sp>
           </mc:Choice>
-          <mc:Fallback>
+          <mc:Fallback xmlns="">
             <p:sp>
               <p:nvSpPr>
                 <p:cNvPr id="47" name="TextBox 46">
@@ -5366,8 +5367,8 @@
             </a:p>
           </p:txBody>
         </p:sp>
-        <mc:AlternateContent xmlns:mc="http://schemas.openxmlformats.org/markup-compatibility/2006">
-          <mc:Choice xmlns:a14="http://schemas.microsoft.com/office/drawing/2010/main" Requires="a14">
+        <mc:AlternateContent xmlns:mc="http://schemas.openxmlformats.org/markup-compatibility/2006" xmlns:a14="http://schemas.microsoft.com/office/drawing/2010/main">
+          <mc:Choice Requires="a14">
             <p:sp>
               <p:nvSpPr>
                 <p:cNvPr id="49" name="TextBox 48">
@@ -5436,7 +5437,7 @@
               </p:txBody>
             </p:sp>
           </mc:Choice>
-          <mc:Fallback>
+          <mc:Fallback xmlns="">
             <p:sp>
               <p:nvSpPr>
                 <p:cNvPr id="49" name="TextBox 48">
@@ -5669,8 +5670,8 @@
             </a:fontRef>
           </p:style>
         </p:cxnSp>
-        <mc:AlternateContent xmlns:mc="http://schemas.openxmlformats.org/markup-compatibility/2006">
-          <mc:Choice xmlns:a14="http://schemas.microsoft.com/office/drawing/2010/main" Requires="a14">
+        <mc:AlternateContent xmlns:mc="http://schemas.openxmlformats.org/markup-compatibility/2006" xmlns:a14="http://schemas.microsoft.com/office/drawing/2010/main">
+          <mc:Choice Requires="a14">
             <p:sp>
               <p:nvSpPr>
                 <p:cNvPr id="8" name="TextBox 7">
@@ -5720,7 +5721,7 @@
               </p:txBody>
             </p:sp>
           </mc:Choice>
-          <mc:Fallback>
+          <mc:Fallback xmlns="">
             <p:sp>
               <p:nvSpPr>
                 <p:cNvPr id="8" name="TextBox 7">
@@ -5765,8 +5766,8 @@
             </p:sp>
           </mc:Fallback>
         </mc:AlternateContent>
-        <mc:AlternateContent xmlns:mc="http://schemas.openxmlformats.org/markup-compatibility/2006">
-          <mc:Choice xmlns:a14="http://schemas.microsoft.com/office/drawing/2010/main" Requires="a14">
+        <mc:AlternateContent xmlns:mc="http://schemas.openxmlformats.org/markup-compatibility/2006" xmlns:a14="http://schemas.microsoft.com/office/drawing/2010/main">
+          <mc:Choice Requires="a14">
             <p:sp>
               <p:nvSpPr>
                 <p:cNvPr id="9" name="TextBox 8">
@@ -5833,7 +5834,7 @@
               </p:txBody>
             </p:sp>
           </mc:Choice>
-          <mc:Fallback>
+          <mc:Fallback xmlns="">
             <p:sp>
               <p:nvSpPr>
                 <p:cNvPr id="9" name="TextBox 8">
@@ -5878,8 +5879,8 @@
             </p:sp>
           </mc:Fallback>
         </mc:AlternateContent>
-        <mc:AlternateContent xmlns:mc="http://schemas.openxmlformats.org/markup-compatibility/2006">
-          <mc:Choice xmlns:a14="http://schemas.microsoft.com/office/drawing/2010/main" Requires="a14">
+        <mc:AlternateContent xmlns:mc="http://schemas.openxmlformats.org/markup-compatibility/2006" xmlns:a14="http://schemas.microsoft.com/office/drawing/2010/main">
+          <mc:Choice Requires="a14">
             <p:sp>
               <p:nvSpPr>
                 <p:cNvPr id="10" name="TextBox 9">
@@ -5929,7 +5930,7 @@
               </p:txBody>
             </p:sp>
           </mc:Choice>
-          <mc:Fallback>
+          <mc:Fallback xmlns="">
             <p:sp>
               <p:nvSpPr>
                 <p:cNvPr id="10" name="TextBox 9">
@@ -6433,8 +6434,8 @@
             </a:p>
           </p:txBody>
         </p:sp>
-        <mc:AlternateContent xmlns:mc="http://schemas.openxmlformats.org/markup-compatibility/2006">
-          <mc:Choice xmlns:a14="http://schemas.microsoft.com/office/drawing/2010/main" Requires="a14">
+        <mc:AlternateContent xmlns:mc="http://schemas.openxmlformats.org/markup-compatibility/2006" xmlns:a14="http://schemas.microsoft.com/office/drawing/2010/main">
+          <mc:Choice Requires="a14">
             <p:sp>
               <p:nvSpPr>
                 <p:cNvPr id="28" name="TextBox 27">
@@ -6484,7 +6485,7 @@
               </p:txBody>
             </p:sp>
           </mc:Choice>
-          <mc:Fallback>
+          <mc:Fallback xmlns="">
             <p:sp>
               <p:nvSpPr>
                 <p:cNvPr id="28" name="TextBox 27">
@@ -6529,8 +6530,8 @@
             </p:sp>
           </mc:Fallback>
         </mc:AlternateContent>
-        <mc:AlternateContent xmlns:mc="http://schemas.openxmlformats.org/markup-compatibility/2006">
-          <mc:Choice xmlns:a14="http://schemas.microsoft.com/office/drawing/2010/main" Requires="a14">
+        <mc:AlternateContent xmlns:mc="http://schemas.openxmlformats.org/markup-compatibility/2006" xmlns:a14="http://schemas.microsoft.com/office/drawing/2010/main">
+          <mc:Choice Requires="a14">
             <p:sp>
               <p:nvSpPr>
                 <p:cNvPr id="29" name="TextBox 28">
@@ -6580,7 +6581,7 @@
               </p:txBody>
             </p:sp>
           </mc:Choice>
-          <mc:Fallback>
+          <mc:Fallback xmlns="">
             <p:sp>
               <p:nvSpPr>
                 <p:cNvPr id="29" name="TextBox 28">
@@ -6625,8 +6626,8 @@
             </p:sp>
           </mc:Fallback>
         </mc:AlternateContent>
-        <mc:AlternateContent xmlns:mc="http://schemas.openxmlformats.org/markup-compatibility/2006">
-          <mc:Choice xmlns:a14="http://schemas.microsoft.com/office/drawing/2010/main" Requires="a14">
+        <mc:AlternateContent xmlns:mc="http://schemas.openxmlformats.org/markup-compatibility/2006" xmlns:a14="http://schemas.microsoft.com/office/drawing/2010/main">
+          <mc:Choice Requires="a14">
             <p:sp>
               <p:nvSpPr>
                 <p:cNvPr id="30" name="TextBox 29">
@@ -6676,7 +6677,7 @@
               </p:txBody>
             </p:sp>
           </mc:Choice>
-          <mc:Fallback>
+          <mc:Fallback xmlns="">
             <p:sp>
               <p:nvSpPr>
                 <p:cNvPr id="30" name="TextBox 29">
@@ -6866,8 +6867,8 @@
             </a:fontRef>
           </p:style>
         </p:cxnSp>
-        <mc:AlternateContent xmlns:mc="http://schemas.openxmlformats.org/markup-compatibility/2006">
-          <mc:Choice xmlns:a14="http://schemas.microsoft.com/office/drawing/2010/main" Requires="a14">
+        <mc:AlternateContent xmlns:mc="http://schemas.openxmlformats.org/markup-compatibility/2006" xmlns:a14="http://schemas.microsoft.com/office/drawing/2010/main">
+          <mc:Choice Requires="a14">
             <p:sp>
               <p:nvSpPr>
                 <p:cNvPr id="41" name="TextBox 40">
@@ -6917,7 +6918,7 @@
               </p:txBody>
             </p:sp>
           </mc:Choice>
-          <mc:Fallback>
+          <mc:Fallback xmlns="">
             <p:sp>
               <p:nvSpPr>
                 <p:cNvPr id="41" name="TextBox 40">
@@ -6962,8 +6963,8 @@
             </p:sp>
           </mc:Fallback>
         </mc:AlternateContent>
-        <mc:AlternateContent xmlns:mc="http://schemas.openxmlformats.org/markup-compatibility/2006">
-          <mc:Choice xmlns:a14="http://schemas.microsoft.com/office/drawing/2010/main" Requires="a14">
+        <mc:AlternateContent xmlns:mc="http://schemas.openxmlformats.org/markup-compatibility/2006" xmlns:a14="http://schemas.microsoft.com/office/drawing/2010/main">
+          <mc:Choice Requires="a14">
             <p:sp>
               <p:nvSpPr>
                 <p:cNvPr id="42" name="TextBox 41">
@@ -7013,7 +7014,7 @@
               </p:txBody>
             </p:sp>
           </mc:Choice>
-          <mc:Fallback>
+          <mc:Fallback xmlns="">
             <p:sp>
               <p:nvSpPr>
                 <p:cNvPr id="42" name="TextBox 41">
@@ -7058,8 +7059,8 @@
             </p:sp>
           </mc:Fallback>
         </mc:AlternateContent>
-        <mc:AlternateContent xmlns:mc="http://schemas.openxmlformats.org/markup-compatibility/2006">
-          <mc:Choice xmlns:a14="http://schemas.microsoft.com/office/drawing/2010/main" Requires="a14">
+        <mc:AlternateContent xmlns:mc="http://schemas.openxmlformats.org/markup-compatibility/2006" xmlns:a14="http://schemas.microsoft.com/office/drawing/2010/main">
+          <mc:Choice Requires="a14">
             <p:sp>
               <p:nvSpPr>
                 <p:cNvPr id="43" name="TextBox 42">
@@ -7109,7 +7110,7 @@
               </p:txBody>
             </p:sp>
           </mc:Choice>
-          <mc:Fallback>
+          <mc:Fallback xmlns="">
             <p:sp>
               <p:nvSpPr>
                 <p:cNvPr id="43" name="TextBox 42">
@@ -7154,8 +7155,8 @@
             </p:sp>
           </mc:Fallback>
         </mc:AlternateContent>
-        <mc:AlternateContent xmlns:mc="http://schemas.openxmlformats.org/markup-compatibility/2006">
-          <mc:Choice xmlns:a14="http://schemas.microsoft.com/office/drawing/2010/main" Requires="a14">
+        <mc:AlternateContent xmlns:mc="http://schemas.openxmlformats.org/markup-compatibility/2006" xmlns:a14="http://schemas.microsoft.com/office/drawing/2010/main">
+          <mc:Choice Requires="a14">
             <p:sp>
               <p:nvSpPr>
                 <p:cNvPr id="33" name="TextBox 32">
@@ -7224,7 +7225,7 @@
               </p:txBody>
             </p:sp>
           </mc:Choice>
-          <mc:Fallback>
+          <mc:Fallback xmlns="">
             <p:sp>
               <p:nvSpPr>
                 <p:cNvPr id="33" name="TextBox 32">
@@ -7318,8 +7319,8 @@
             </a:p>
           </p:txBody>
         </p:sp>
-        <mc:AlternateContent xmlns:mc="http://schemas.openxmlformats.org/markup-compatibility/2006">
-          <mc:Choice xmlns:a14="http://schemas.microsoft.com/office/drawing/2010/main" Requires="a14">
+        <mc:AlternateContent xmlns:mc="http://schemas.openxmlformats.org/markup-compatibility/2006" xmlns:a14="http://schemas.microsoft.com/office/drawing/2010/main">
+          <mc:Choice Requires="a14">
             <p:sp>
               <p:nvSpPr>
                 <p:cNvPr id="35" name="TextBox 34">
@@ -7388,7 +7389,7 @@
               </p:txBody>
             </p:sp>
           </mc:Choice>
-          <mc:Fallback>
+          <mc:Fallback xmlns="">
             <p:sp>
               <p:nvSpPr>
                 <p:cNvPr id="35" name="TextBox 34">
@@ -7482,8 +7483,8 @@
             </a:p>
           </p:txBody>
         </p:sp>
-        <mc:AlternateContent xmlns:mc="http://schemas.openxmlformats.org/markup-compatibility/2006">
-          <mc:Choice xmlns:a14="http://schemas.microsoft.com/office/drawing/2010/main" Requires="a14">
+        <mc:AlternateContent xmlns:mc="http://schemas.openxmlformats.org/markup-compatibility/2006" xmlns:a14="http://schemas.microsoft.com/office/drawing/2010/main">
+          <mc:Choice Requires="a14">
             <p:sp>
               <p:nvSpPr>
                 <p:cNvPr id="38" name="TextBox 37">
@@ -7552,7 +7553,7 @@
               </p:txBody>
             </p:sp>
           </mc:Choice>
-          <mc:Fallback>
+          <mc:Fallback xmlns="">
             <p:sp>
               <p:nvSpPr>
                 <p:cNvPr id="38" name="TextBox 37">
@@ -7651,6 +7652,2747 @@
     <p:extLst>
       <p:ext uri="{BB962C8B-B14F-4D97-AF65-F5344CB8AC3E}">
         <p14:creationId xmlns:p14="http://schemas.microsoft.com/office/powerpoint/2010/main" val="2626425759"/>
+      </p:ext>
+    </p:extLst>
+  </p:cSld>
+  <p:clrMapOvr>
+    <a:masterClrMapping/>
+  </p:clrMapOvr>
+</p:sld>
+</file>
+
+<file path=ppt/slides/slide4.xml><?xml version="1.0" encoding="utf-8"?>
+<p:sld xmlns:a="http://schemas.openxmlformats.org/drawingml/2006/main" xmlns:r="http://schemas.openxmlformats.org/officeDocument/2006/relationships" xmlns:p="http://schemas.openxmlformats.org/presentationml/2006/main">
+  <p:cSld>
+    <p:spTree>
+      <p:nvGrpSpPr>
+        <p:cNvPr id="1" name=""/>
+        <p:cNvGrpSpPr/>
+        <p:nvPr/>
+      </p:nvGrpSpPr>
+      <p:grpSpPr>
+        <a:xfrm>
+          <a:off x="0" y="0"/>
+          <a:ext cx="0" cy="0"/>
+          <a:chOff x="0" y="0"/>
+          <a:chExt cx="0" cy="0"/>
+        </a:xfrm>
+      </p:grpSpPr>
+      <p:grpSp>
+        <p:nvGrpSpPr>
+          <p:cNvPr id="84" name="Group 83">
+            <a:extLst>
+              <a:ext uri="{FF2B5EF4-FFF2-40B4-BE49-F238E27FC236}">
+                <a16:creationId xmlns:a16="http://schemas.microsoft.com/office/drawing/2014/main" id="{0D1C153E-6E39-0F40-801C-6986CEDC1BE5}"/>
+              </a:ext>
+            </a:extLst>
+          </p:cNvPr>
+          <p:cNvGrpSpPr/>
+          <p:nvPr/>
+        </p:nvGrpSpPr>
+        <p:grpSpPr>
+          <a:xfrm>
+            <a:off x="1448965" y="713014"/>
+            <a:ext cx="9072898" cy="5197650"/>
+            <a:chOff x="1448965" y="713014"/>
+            <a:chExt cx="9072898" cy="5197650"/>
+          </a:xfrm>
+        </p:grpSpPr>
+        <p:cxnSp>
+          <p:nvCxnSpPr>
+            <p:cNvPr id="3" name="Straight Arrow Connector 2">
+              <a:extLst>
+                <a:ext uri="{FF2B5EF4-FFF2-40B4-BE49-F238E27FC236}">
+                  <a16:creationId xmlns:a16="http://schemas.microsoft.com/office/drawing/2014/main" id="{FDB94F1F-0C06-9846-A8EC-70FD3D5DF689}"/>
+                </a:ext>
+              </a:extLst>
+            </p:cNvPr>
+            <p:cNvCxnSpPr>
+              <a:cxnSpLocks/>
+            </p:cNvCxnSpPr>
+            <p:nvPr/>
+          </p:nvCxnSpPr>
+          <p:spPr>
+            <a:xfrm>
+              <a:off x="3068877" y="5423769"/>
+              <a:ext cx="3027123" cy="0"/>
+            </a:xfrm>
+            <a:prstGeom prst="straightConnector1">
+              <a:avLst/>
+            </a:prstGeom>
+            <a:ln w="57150">
+              <a:solidFill>
+                <a:schemeClr val="tx1"/>
+              </a:solidFill>
+              <a:headEnd type="none" w="med" len="med"/>
+              <a:tailEnd type="none" w="med" len="med"/>
+            </a:ln>
+          </p:spPr>
+          <p:style>
+            <a:lnRef idx="1">
+              <a:schemeClr val="accent1"/>
+            </a:lnRef>
+            <a:fillRef idx="0">
+              <a:schemeClr val="accent1"/>
+            </a:fillRef>
+            <a:effectRef idx="0">
+              <a:schemeClr val="accent1"/>
+            </a:effectRef>
+            <a:fontRef idx="minor">
+              <a:schemeClr val="tx1"/>
+            </a:fontRef>
+          </p:style>
+        </p:cxnSp>
+        <mc:AlternateContent xmlns:mc="http://schemas.openxmlformats.org/markup-compatibility/2006">
+          <mc:Choice xmlns:a14="http://schemas.microsoft.com/office/drawing/2010/main" Requires="a14">
+            <p:sp>
+              <p:nvSpPr>
+                <p:cNvPr id="8" name="TextBox 7">
+                  <a:extLst>
+                    <a:ext uri="{FF2B5EF4-FFF2-40B4-BE49-F238E27FC236}">
+                      <a16:creationId xmlns:a16="http://schemas.microsoft.com/office/drawing/2014/main" id="{B58B5C60-DEE6-1445-AA0C-219FA77EDEFB}"/>
+                    </a:ext>
+                  </a:extLst>
+                </p:cNvPr>
+                <p:cNvSpPr txBox="1"/>
+                <p:nvPr/>
+              </p:nvSpPr>
+              <p:spPr>
+                <a:xfrm>
+                  <a:off x="3220582" y="5385572"/>
+                  <a:ext cx="338200" cy="523220"/>
+                </a:xfrm>
+                <a:prstGeom prst="rect">
+                  <a:avLst/>
+                </a:prstGeom>
+                <a:noFill/>
+              </p:spPr>
+              <p:txBody>
+                <a:bodyPr wrap="square" rtlCol="0">
+                  <a:spAutoFit/>
+                </a:bodyPr>
+                <a:lstStyle/>
+                <a:p>
+                  <a:pPr algn="ctr"/>
+                  <a14:m>
+                    <m:oMathPara xmlns:m="http://schemas.openxmlformats.org/officeDocument/2006/math">
+                      <m:oMathParaPr>
+                        <m:jc m:val="centerGroup"/>
+                      </m:oMathParaPr>
+                      <m:oMath xmlns:m="http://schemas.openxmlformats.org/officeDocument/2006/math">
+                        <m:sSub>
+                          <m:sSubPr>
+                            <m:ctrlPr>
+                              <a:rPr lang="en-US" sz="2800" b="0" i="1" smtClean="0">
+                                <a:latin typeface="Cambria Math" panose="02040503050406030204" pitchFamily="18" charset="0"/>
+                              </a:rPr>
+                            </m:ctrlPr>
+                          </m:sSubPr>
+                          <m:e>
+                            <m:r>
+                              <a:rPr lang="en-US" sz="2800" b="0" i="1" smtClean="0">
+                                <a:latin typeface="Cambria Math" panose="02040503050406030204" pitchFamily="18" charset="0"/>
+                              </a:rPr>
+                              <m:t>𝑡</m:t>
+                            </m:r>
+                          </m:e>
+                          <m:sub>
+                            <m:r>
+                              <a:rPr lang="en-US" sz="2800" b="0" i="1" smtClean="0">
+                                <a:latin typeface="Cambria Math" panose="02040503050406030204" pitchFamily="18" charset="0"/>
+                              </a:rPr>
+                              <m:t>1</m:t>
+                            </m:r>
+                          </m:sub>
+                        </m:sSub>
+                      </m:oMath>
+                    </m:oMathPara>
+                  </a14:m>
+                  <a:endParaRPr lang="en-US" sz="2800" dirty="0"/>
+                </a:p>
+              </p:txBody>
+            </p:sp>
+          </mc:Choice>
+          <mc:Fallback>
+            <p:sp>
+              <p:nvSpPr>
+                <p:cNvPr id="8" name="TextBox 7">
+                  <a:extLst>
+                    <a:ext uri="{FF2B5EF4-FFF2-40B4-BE49-F238E27FC236}">
+                      <a16:creationId xmlns:a16="http://schemas.microsoft.com/office/drawing/2014/main" id="{B58B5C60-DEE6-1445-AA0C-219FA77EDEFB}"/>
+                    </a:ext>
+                  </a:extLst>
+                </p:cNvPr>
+                <p:cNvSpPr txBox="1">
+                  <a:spLocks noRot="1" noChangeAspect="1" noMove="1" noResize="1" noEditPoints="1" noAdjustHandles="1" noChangeArrowheads="1" noChangeShapeType="1" noTextEdit="1"/>
+                </p:cNvSpPr>
+                <p:nvPr/>
+              </p:nvSpPr>
+              <p:spPr>
+                <a:xfrm>
+                  <a:off x="3220582" y="5385572"/>
+                  <a:ext cx="338200" cy="523220"/>
+                </a:xfrm>
+                <a:prstGeom prst="rect">
+                  <a:avLst/>
+                </a:prstGeom>
+                <a:blipFill>
+                  <a:blip r:embed="rId2"/>
+                  <a:stretch>
+                    <a:fillRect l="-37037" b="-2381"/>
+                  </a:stretch>
+                </a:blipFill>
+              </p:spPr>
+              <p:txBody>
+                <a:bodyPr/>
+                <a:lstStyle/>
+                <a:p>
+                  <a:r>
+                    <a:rPr lang="en-US">
+                      <a:noFill/>
+                    </a:rPr>
+                    <a:t> </a:t>
+                  </a:r>
+                </a:p>
+              </p:txBody>
+            </p:sp>
+          </mc:Fallback>
+        </mc:AlternateContent>
+        <mc:AlternateContent xmlns:mc="http://schemas.openxmlformats.org/markup-compatibility/2006">
+          <mc:Choice xmlns:a14="http://schemas.microsoft.com/office/drawing/2010/main" Requires="a14">
+            <p:sp>
+              <p:nvSpPr>
+                <p:cNvPr id="10" name="TextBox 9">
+                  <a:extLst>
+                    <a:ext uri="{FF2B5EF4-FFF2-40B4-BE49-F238E27FC236}">
+                      <a16:creationId xmlns:a16="http://schemas.microsoft.com/office/drawing/2014/main" id="{1FFC6D24-B9A9-1C4D-BB0B-40A79BCC26E3}"/>
+                    </a:ext>
+                  </a:extLst>
+                </p:cNvPr>
+                <p:cNvSpPr txBox="1"/>
+                <p:nvPr/>
+              </p:nvSpPr>
+              <p:spPr>
+                <a:xfrm>
+                  <a:off x="9933953" y="5385572"/>
+                  <a:ext cx="363252" cy="523220"/>
+                </a:xfrm>
+                <a:prstGeom prst="rect">
+                  <a:avLst/>
+                </a:prstGeom>
+                <a:noFill/>
+              </p:spPr>
+              <p:txBody>
+                <a:bodyPr wrap="square" rtlCol="0">
+                  <a:spAutoFit/>
+                </a:bodyPr>
+                <a:lstStyle/>
+                <a:p>
+                  <a:pPr algn="ctr"/>
+                  <a14:m>
+                    <m:oMathPara xmlns:m="http://schemas.openxmlformats.org/officeDocument/2006/math">
+                      <m:oMathParaPr>
+                        <m:jc m:val="centerGroup"/>
+                      </m:oMathParaPr>
+                      <m:oMath xmlns:m="http://schemas.openxmlformats.org/officeDocument/2006/math">
+                        <m:r>
+                          <a:rPr lang="en-US" sz="2800" b="0" i="1" smtClean="0">
+                            <a:latin typeface="Cambria Math" panose="02040503050406030204" pitchFamily="18" charset="0"/>
+                          </a:rPr>
+                          <m:t>𝑡</m:t>
+                        </m:r>
+                      </m:oMath>
+                    </m:oMathPara>
+                  </a14:m>
+                  <a:endParaRPr lang="en-US" sz="2800" i="1" dirty="0"/>
+                </a:p>
+              </p:txBody>
+            </p:sp>
+          </mc:Choice>
+          <mc:Fallback>
+            <p:sp>
+              <p:nvSpPr>
+                <p:cNvPr id="10" name="TextBox 9">
+                  <a:extLst>
+                    <a:ext uri="{FF2B5EF4-FFF2-40B4-BE49-F238E27FC236}">
+                      <a16:creationId xmlns:a16="http://schemas.microsoft.com/office/drawing/2014/main" id="{1FFC6D24-B9A9-1C4D-BB0B-40A79BCC26E3}"/>
+                    </a:ext>
+                  </a:extLst>
+                </p:cNvPr>
+                <p:cNvSpPr txBox="1">
+                  <a:spLocks noRot="1" noChangeAspect="1" noMove="1" noResize="1" noEditPoints="1" noAdjustHandles="1" noChangeArrowheads="1" noChangeShapeType="1" noTextEdit="1"/>
+                </p:cNvSpPr>
+                <p:nvPr/>
+              </p:nvSpPr>
+              <p:spPr>
+                <a:xfrm>
+                  <a:off x="9933953" y="5385572"/>
+                  <a:ext cx="363252" cy="523220"/>
+                </a:xfrm>
+                <a:prstGeom prst="rect">
+                  <a:avLst/>
+                </a:prstGeom>
+                <a:blipFill>
+                  <a:blip r:embed="rId3"/>
+                  <a:stretch>
+                    <a:fillRect l="-6667"/>
+                  </a:stretch>
+                </a:blipFill>
+              </p:spPr>
+              <p:txBody>
+                <a:bodyPr/>
+                <a:lstStyle/>
+                <a:p>
+                  <a:r>
+                    <a:rPr lang="en-US">
+                      <a:noFill/>
+                    </a:rPr>
+                    <a:t> </a:t>
+                  </a:r>
+                </a:p>
+              </p:txBody>
+            </p:sp>
+          </mc:Fallback>
+        </mc:AlternateContent>
+        <mc:AlternateContent xmlns:mc="http://schemas.openxmlformats.org/markup-compatibility/2006">
+          <mc:Choice xmlns:a14="http://schemas.microsoft.com/office/drawing/2010/main" Requires="a14">
+            <p:sp>
+              <p:nvSpPr>
+                <p:cNvPr id="28" name="TextBox 27">
+                  <a:extLst>
+                    <a:ext uri="{FF2B5EF4-FFF2-40B4-BE49-F238E27FC236}">
+                      <a16:creationId xmlns:a16="http://schemas.microsoft.com/office/drawing/2014/main" id="{F76DF09F-6436-5642-8AC7-6603FA055411}"/>
+                    </a:ext>
+                  </a:extLst>
+                </p:cNvPr>
+                <p:cNvSpPr txBox="1"/>
+                <p:nvPr/>
+              </p:nvSpPr>
+              <p:spPr>
+                <a:xfrm>
+                  <a:off x="5528855" y="5387444"/>
+                  <a:ext cx="363252" cy="523220"/>
+                </a:xfrm>
+                <a:prstGeom prst="rect">
+                  <a:avLst/>
+                </a:prstGeom>
+                <a:noFill/>
+              </p:spPr>
+              <p:txBody>
+                <a:bodyPr wrap="square" rtlCol="0">
+                  <a:spAutoFit/>
+                </a:bodyPr>
+                <a:lstStyle/>
+                <a:p>
+                  <a:pPr algn="ctr"/>
+                  <a14:m>
+                    <m:oMathPara xmlns:m="http://schemas.openxmlformats.org/officeDocument/2006/math">
+                      <m:oMathParaPr>
+                        <m:jc m:val="centerGroup"/>
+                      </m:oMathParaPr>
+                      <m:oMath xmlns:m="http://schemas.openxmlformats.org/officeDocument/2006/math">
+                        <m:sSub>
+                          <m:sSubPr>
+                            <m:ctrlPr>
+                              <a:rPr lang="en-US" sz="2800" b="0" i="1" smtClean="0">
+                                <a:latin typeface="Cambria Math" panose="02040503050406030204" pitchFamily="18" charset="0"/>
+                              </a:rPr>
+                            </m:ctrlPr>
+                          </m:sSubPr>
+                          <m:e>
+                            <m:r>
+                              <a:rPr lang="en-US" sz="2800" b="0" i="1" smtClean="0">
+                                <a:latin typeface="Cambria Math" panose="02040503050406030204" pitchFamily="18" charset="0"/>
+                              </a:rPr>
+                              <m:t>𝑡</m:t>
+                            </m:r>
+                          </m:e>
+                          <m:sub>
+                            <m:r>
+                              <a:rPr lang="en-US" sz="2800" b="0" i="1" smtClean="0">
+                                <a:latin typeface="Cambria Math" panose="02040503050406030204" pitchFamily="18" charset="0"/>
+                              </a:rPr>
+                              <m:t>2</m:t>
+                            </m:r>
+                          </m:sub>
+                        </m:sSub>
+                      </m:oMath>
+                    </m:oMathPara>
+                  </a14:m>
+                  <a:endParaRPr lang="en-US" sz="2800" i="1" dirty="0"/>
+                </a:p>
+              </p:txBody>
+            </p:sp>
+          </mc:Choice>
+          <mc:Fallback>
+            <p:sp>
+              <p:nvSpPr>
+                <p:cNvPr id="28" name="TextBox 27">
+                  <a:extLst>
+                    <a:ext uri="{FF2B5EF4-FFF2-40B4-BE49-F238E27FC236}">
+                      <a16:creationId xmlns:a16="http://schemas.microsoft.com/office/drawing/2014/main" id="{F76DF09F-6436-5642-8AC7-6603FA055411}"/>
+                    </a:ext>
+                  </a:extLst>
+                </p:cNvPr>
+                <p:cNvSpPr txBox="1">
+                  <a:spLocks noRot="1" noChangeAspect="1" noMove="1" noResize="1" noEditPoints="1" noAdjustHandles="1" noChangeArrowheads="1" noChangeShapeType="1" noTextEdit="1"/>
+                </p:cNvSpPr>
+                <p:nvPr/>
+              </p:nvSpPr>
+              <p:spPr>
+                <a:xfrm>
+                  <a:off x="5528855" y="5387444"/>
+                  <a:ext cx="363252" cy="523220"/>
+                </a:xfrm>
+                <a:prstGeom prst="rect">
+                  <a:avLst/>
+                </a:prstGeom>
+                <a:blipFill>
+                  <a:blip r:embed="rId4"/>
+                  <a:stretch>
+                    <a:fillRect l="-26667" b="-2381"/>
+                  </a:stretch>
+                </a:blipFill>
+              </p:spPr>
+              <p:txBody>
+                <a:bodyPr/>
+                <a:lstStyle/>
+                <a:p>
+                  <a:r>
+                    <a:rPr lang="en-US">
+                      <a:noFill/>
+                    </a:rPr>
+                    <a:t> </a:t>
+                  </a:r>
+                </a:p>
+              </p:txBody>
+            </p:sp>
+          </mc:Fallback>
+        </mc:AlternateContent>
+        <mc:AlternateContent xmlns:mc="http://schemas.openxmlformats.org/markup-compatibility/2006">
+          <mc:Choice xmlns:a14="http://schemas.microsoft.com/office/drawing/2010/main" Requires="a14">
+            <p:sp>
+              <p:nvSpPr>
+                <p:cNvPr id="29" name="TextBox 28">
+                  <a:extLst>
+                    <a:ext uri="{FF2B5EF4-FFF2-40B4-BE49-F238E27FC236}">
+                      <a16:creationId xmlns:a16="http://schemas.microsoft.com/office/drawing/2014/main" id="{6396A6A0-5072-9F40-BAA0-3EE203F9B908}"/>
+                    </a:ext>
+                  </a:extLst>
+                </p:cNvPr>
+                <p:cNvSpPr txBox="1"/>
+                <p:nvPr/>
+              </p:nvSpPr>
+              <p:spPr>
+                <a:xfrm>
+                  <a:off x="7183092" y="5387444"/>
+                  <a:ext cx="363252" cy="523220"/>
+                </a:xfrm>
+                <a:prstGeom prst="rect">
+                  <a:avLst/>
+                </a:prstGeom>
+                <a:noFill/>
+              </p:spPr>
+              <p:txBody>
+                <a:bodyPr wrap="square" rtlCol="0">
+                  <a:spAutoFit/>
+                </a:bodyPr>
+                <a:lstStyle/>
+                <a:p>
+                  <a:pPr algn="ctr"/>
+                  <a14:m>
+                    <m:oMathPara xmlns:m="http://schemas.openxmlformats.org/officeDocument/2006/math">
+                      <m:oMathParaPr>
+                        <m:jc m:val="centerGroup"/>
+                      </m:oMathParaPr>
+                      <m:oMath xmlns:m="http://schemas.openxmlformats.org/officeDocument/2006/math">
+                        <m:sSub>
+                          <m:sSubPr>
+                            <m:ctrlPr>
+                              <a:rPr lang="en-US" sz="2800" b="0" i="1" smtClean="0">
+                                <a:latin typeface="Cambria Math" panose="02040503050406030204" pitchFamily="18" charset="0"/>
+                              </a:rPr>
+                            </m:ctrlPr>
+                          </m:sSubPr>
+                          <m:e>
+                            <m:r>
+                              <a:rPr lang="en-US" sz="2800" b="0" i="1" smtClean="0">
+                                <a:latin typeface="Cambria Math" panose="02040503050406030204" pitchFamily="18" charset="0"/>
+                              </a:rPr>
+                              <m:t>𝑡</m:t>
+                            </m:r>
+                          </m:e>
+                          <m:sub>
+                            <m:r>
+                              <a:rPr lang="en-US" sz="2800" b="0" i="1" smtClean="0">
+                                <a:latin typeface="Cambria Math" panose="02040503050406030204" pitchFamily="18" charset="0"/>
+                              </a:rPr>
+                              <m:t>3</m:t>
+                            </m:r>
+                          </m:sub>
+                        </m:sSub>
+                      </m:oMath>
+                    </m:oMathPara>
+                  </a14:m>
+                  <a:endParaRPr lang="en-US" sz="2800" i="1" dirty="0"/>
+                </a:p>
+              </p:txBody>
+            </p:sp>
+          </mc:Choice>
+          <mc:Fallback>
+            <p:sp>
+              <p:nvSpPr>
+                <p:cNvPr id="29" name="TextBox 28">
+                  <a:extLst>
+                    <a:ext uri="{FF2B5EF4-FFF2-40B4-BE49-F238E27FC236}">
+                      <a16:creationId xmlns:a16="http://schemas.microsoft.com/office/drawing/2014/main" id="{6396A6A0-5072-9F40-BAA0-3EE203F9B908}"/>
+                    </a:ext>
+                  </a:extLst>
+                </p:cNvPr>
+                <p:cNvSpPr txBox="1">
+                  <a:spLocks noRot="1" noChangeAspect="1" noMove="1" noResize="1" noEditPoints="1" noAdjustHandles="1" noChangeArrowheads="1" noChangeShapeType="1" noTextEdit="1"/>
+                </p:cNvSpPr>
+                <p:nvPr/>
+              </p:nvSpPr>
+              <p:spPr>
+                <a:xfrm>
+                  <a:off x="7183092" y="5387444"/>
+                  <a:ext cx="363252" cy="523220"/>
+                </a:xfrm>
+                <a:prstGeom prst="rect">
+                  <a:avLst/>
+                </a:prstGeom>
+                <a:blipFill>
+                  <a:blip r:embed="rId5"/>
+                  <a:stretch>
+                    <a:fillRect l="-31034" b="-2381"/>
+                  </a:stretch>
+                </a:blipFill>
+              </p:spPr>
+              <p:txBody>
+                <a:bodyPr/>
+                <a:lstStyle/>
+                <a:p>
+                  <a:r>
+                    <a:rPr lang="en-US">
+                      <a:noFill/>
+                    </a:rPr>
+                    <a:t> </a:t>
+                  </a:r>
+                </a:p>
+              </p:txBody>
+            </p:sp>
+          </mc:Fallback>
+        </mc:AlternateContent>
+        <mc:AlternateContent xmlns:mc="http://schemas.openxmlformats.org/markup-compatibility/2006">
+          <mc:Choice xmlns:a14="http://schemas.microsoft.com/office/drawing/2010/main" Requires="a14">
+            <p:sp>
+              <p:nvSpPr>
+                <p:cNvPr id="30" name="TextBox 29">
+                  <a:extLst>
+                    <a:ext uri="{FF2B5EF4-FFF2-40B4-BE49-F238E27FC236}">
+                      <a16:creationId xmlns:a16="http://schemas.microsoft.com/office/drawing/2014/main" id="{0723A41B-58CB-A642-BC1C-5934E46739FD}"/>
+                    </a:ext>
+                  </a:extLst>
+                </p:cNvPr>
+                <p:cNvSpPr txBox="1"/>
+                <p:nvPr/>
+              </p:nvSpPr>
+              <p:spPr>
+                <a:xfrm>
+                  <a:off x="9440796" y="5387444"/>
+                  <a:ext cx="363252" cy="523220"/>
+                </a:xfrm>
+                <a:prstGeom prst="rect">
+                  <a:avLst/>
+                </a:prstGeom>
+                <a:noFill/>
+              </p:spPr>
+              <p:txBody>
+                <a:bodyPr wrap="square" rtlCol="0">
+                  <a:spAutoFit/>
+                </a:bodyPr>
+                <a:lstStyle/>
+                <a:p>
+                  <a:pPr algn="ctr"/>
+                  <a14:m>
+                    <m:oMathPara xmlns:m="http://schemas.openxmlformats.org/officeDocument/2006/math">
+                      <m:oMathParaPr>
+                        <m:jc m:val="centerGroup"/>
+                      </m:oMathParaPr>
+                      <m:oMath xmlns:m="http://schemas.openxmlformats.org/officeDocument/2006/math">
+                        <m:sSub>
+                          <m:sSubPr>
+                            <m:ctrlPr>
+                              <a:rPr lang="en-US" sz="2800" b="0" i="1" smtClean="0">
+                                <a:latin typeface="Cambria Math" panose="02040503050406030204" pitchFamily="18" charset="0"/>
+                              </a:rPr>
+                            </m:ctrlPr>
+                          </m:sSubPr>
+                          <m:e>
+                            <m:r>
+                              <a:rPr lang="en-US" sz="2800" b="0" i="1" smtClean="0">
+                                <a:latin typeface="Cambria Math" panose="02040503050406030204" pitchFamily="18" charset="0"/>
+                              </a:rPr>
+                              <m:t>𝑡</m:t>
+                            </m:r>
+                          </m:e>
+                          <m:sub>
+                            <m:r>
+                              <a:rPr lang="en-US" sz="2800" b="0" i="1" smtClean="0">
+                                <a:latin typeface="Cambria Math" panose="02040503050406030204" pitchFamily="18" charset="0"/>
+                              </a:rPr>
+                              <m:t>4</m:t>
+                            </m:r>
+                          </m:sub>
+                        </m:sSub>
+                      </m:oMath>
+                    </m:oMathPara>
+                  </a14:m>
+                  <a:endParaRPr lang="en-US" sz="2800" i="1" dirty="0"/>
+                </a:p>
+              </p:txBody>
+            </p:sp>
+          </mc:Choice>
+          <mc:Fallback>
+            <p:sp>
+              <p:nvSpPr>
+                <p:cNvPr id="30" name="TextBox 29">
+                  <a:extLst>
+                    <a:ext uri="{FF2B5EF4-FFF2-40B4-BE49-F238E27FC236}">
+                      <a16:creationId xmlns:a16="http://schemas.microsoft.com/office/drawing/2014/main" id="{0723A41B-58CB-A642-BC1C-5934E46739FD}"/>
+                    </a:ext>
+                  </a:extLst>
+                </p:cNvPr>
+                <p:cNvSpPr txBox="1">
+                  <a:spLocks noRot="1" noChangeAspect="1" noMove="1" noResize="1" noEditPoints="1" noAdjustHandles="1" noChangeArrowheads="1" noChangeShapeType="1" noTextEdit="1"/>
+                </p:cNvSpPr>
+                <p:nvPr/>
+              </p:nvSpPr>
+              <p:spPr>
+                <a:xfrm>
+                  <a:off x="9440796" y="5387444"/>
+                  <a:ext cx="363252" cy="523220"/>
+                </a:xfrm>
+                <a:prstGeom prst="rect">
+                  <a:avLst/>
+                </a:prstGeom>
+                <a:blipFill>
+                  <a:blip r:embed="rId6"/>
+                  <a:stretch>
+                    <a:fillRect l="-26667" b="-2381"/>
+                  </a:stretch>
+                </a:blipFill>
+              </p:spPr>
+              <p:txBody>
+                <a:bodyPr/>
+                <a:lstStyle/>
+                <a:p>
+                  <a:r>
+                    <a:rPr lang="en-US">
+                      <a:noFill/>
+                    </a:rPr>
+                    <a:t> </a:t>
+                  </a:r>
+                </a:p>
+              </p:txBody>
+            </p:sp>
+          </mc:Fallback>
+        </mc:AlternateContent>
+        <p:sp>
+          <p:nvSpPr>
+            <p:cNvPr id="34" name="Right Brace 33">
+              <a:extLst>
+                <a:ext uri="{FF2B5EF4-FFF2-40B4-BE49-F238E27FC236}">
+                  <a16:creationId xmlns:a16="http://schemas.microsoft.com/office/drawing/2014/main" id="{2C016B08-AA34-C948-A512-29578DA0640E}"/>
+                </a:ext>
+              </a:extLst>
+            </p:cNvPr>
+            <p:cNvSpPr/>
+            <p:nvPr/>
+          </p:nvSpPr>
+          <p:spPr>
+            <a:xfrm rot="16200000">
+              <a:off x="4220510" y="3951212"/>
+              <a:ext cx="523221" cy="2286002"/>
+            </a:xfrm>
+            <a:prstGeom prst="rightBrace">
+              <a:avLst/>
+            </a:prstGeom>
+            <a:ln w="38100">
+              <a:solidFill>
+                <a:srgbClr val="7030A0"/>
+              </a:solidFill>
+            </a:ln>
+          </p:spPr>
+          <p:style>
+            <a:lnRef idx="1">
+              <a:schemeClr val="accent1"/>
+            </a:lnRef>
+            <a:fillRef idx="0">
+              <a:schemeClr val="accent1"/>
+            </a:fillRef>
+            <a:effectRef idx="0">
+              <a:schemeClr val="accent1"/>
+            </a:effectRef>
+            <a:fontRef idx="minor">
+              <a:schemeClr val="tx1"/>
+            </a:fontRef>
+          </p:style>
+          <p:txBody>
+            <a:bodyPr rtlCol="0" anchor="ctr"/>
+            <a:lstStyle/>
+            <a:p>
+              <a:pPr algn="ctr"/>
+              <a:endParaRPr lang="en-US"/>
+            </a:p>
+          </p:txBody>
+        </p:sp>
+        <mc:AlternateContent xmlns:mc="http://schemas.openxmlformats.org/markup-compatibility/2006">
+          <mc:Choice xmlns:a14="http://schemas.microsoft.com/office/drawing/2010/main" Requires="a14">
+            <p:sp>
+              <p:nvSpPr>
+                <p:cNvPr id="44" name="TextBox 43">
+                  <a:extLst>
+                    <a:ext uri="{FF2B5EF4-FFF2-40B4-BE49-F238E27FC236}">
+                      <a16:creationId xmlns:a16="http://schemas.microsoft.com/office/drawing/2014/main" id="{1E9B5173-EED7-4F42-AA80-FF0959ED3B88}"/>
+                    </a:ext>
+                  </a:extLst>
+                </p:cNvPr>
+                <p:cNvSpPr txBox="1"/>
+                <p:nvPr/>
+              </p:nvSpPr>
+              <p:spPr>
+                <a:xfrm>
+                  <a:off x="2413349" y="4377327"/>
+                  <a:ext cx="8108514" cy="584775"/>
+                </a:xfrm>
+                <a:prstGeom prst="rect">
+                  <a:avLst/>
+                </a:prstGeom>
+                <a:noFill/>
+              </p:spPr>
+              <p:txBody>
+                <a:bodyPr wrap="square" rtlCol="0">
+                  <a:spAutoFit/>
+                </a:bodyPr>
+                <a:lstStyle/>
+                <a:p>
+                  <a:pPr algn="ctr"/>
+                  <a14:m>
+                    <m:oMathPara xmlns:m="http://schemas.openxmlformats.org/officeDocument/2006/math">
+                      <m:oMathParaPr>
+                        <m:jc m:val="centerGroup"/>
+                      </m:oMathParaPr>
+                      <m:oMath xmlns:m="http://schemas.openxmlformats.org/officeDocument/2006/math">
+                        <m:sSub>
+                          <m:sSubPr>
+                            <m:ctrlPr>
+                              <a:rPr lang="en-US" sz="3200" b="0" i="1" smtClean="0">
+                                <a:solidFill>
+                                  <a:srgbClr val="7030A0"/>
+                                </a:solidFill>
+                                <a:latin typeface="Cambria Math" panose="02040503050406030204" pitchFamily="18" charset="0"/>
+                              </a:rPr>
+                            </m:ctrlPr>
+                          </m:sSubPr>
+                          <m:e>
+                            <m:r>
+                              <a:rPr lang="en-US" sz="3200" b="0" i="1" smtClean="0">
+                                <a:solidFill>
+                                  <a:srgbClr val="7030A0"/>
+                                </a:solidFill>
+                                <a:latin typeface="Cambria Math" panose="02040503050406030204" pitchFamily="18" charset="0"/>
+                              </a:rPr>
+                              <m:t>𝑡</m:t>
+                            </m:r>
+                          </m:e>
+                          <m:sub>
+                            <m:r>
+                              <a:rPr lang="en-US" sz="3200" b="0" i="1" smtClean="0">
+                                <a:solidFill>
+                                  <a:srgbClr val="7030A0"/>
+                                </a:solidFill>
+                                <a:latin typeface="Cambria Math" panose="02040503050406030204" pitchFamily="18" charset="0"/>
+                              </a:rPr>
+                              <m:t>2</m:t>
+                            </m:r>
+                          </m:sub>
+                        </m:sSub>
+                        <m:r>
+                          <a:rPr lang="en-US" sz="3200" b="0" i="1" smtClean="0">
+                            <a:solidFill>
+                              <a:srgbClr val="7030A0"/>
+                            </a:solidFill>
+                            <a:latin typeface="Cambria Math" panose="02040503050406030204" pitchFamily="18" charset="0"/>
+                          </a:rPr>
+                          <m:t>−</m:t>
+                        </m:r>
+                        <m:sSub>
+                          <m:sSubPr>
+                            <m:ctrlPr>
+                              <a:rPr lang="en-US" sz="3200" b="0" i="1" smtClean="0">
+                                <a:solidFill>
+                                  <a:srgbClr val="7030A0"/>
+                                </a:solidFill>
+                                <a:latin typeface="Cambria Math" panose="02040503050406030204" pitchFamily="18" charset="0"/>
+                              </a:rPr>
+                            </m:ctrlPr>
+                          </m:sSubPr>
+                          <m:e>
+                            <m:r>
+                              <a:rPr lang="en-US" sz="3200" b="0" i="1" smtClean="0">
+                                <a:solidFill>
+                                  <a:srgbClr val="7030A0"/>
+                                </a:solidFill>
+                                <a:latin typeface="Cambria Math" panose="02040503050406030204" pitchFamily="18" charset="0"/>
+                              </a:rPr>
+                              <m:t>𝑡</m:t>
+                            </m:r>
+                          </m:e>
+                          <m:sub>
+                            <m:r>
+                              <a:rPr lang="en-US" sz="3200" b="0" i="1" smtClean="0">
+                                <a:solidFill>
+                                  <a:srgbClr val="7030A0"/>
+                                </a:solidFill>
+                                <a:latin typeface="Cambria Math" panose="02040503050406030204" pitchFamily="18" charset="0"/>
+                              </a:rPr>
+                              <m:t>1</m:t>
+                            </m:r>
+                          </m:sub>
+                        </m:sSub>
+                        <m:r>
+                          <a:rPr lang="en-US" sz="3200" b="0" i="1" smtClean="0">
+                            <a:solidFill>
+                              <a:srgbClr val="7030A0"/>
+                            </a:solidFill>
+                            <a:latin typeface="Cambria Math" panose="02040503050406030204" pitchFamily="18" charset="0"/>
+                          </a:rPr>
+                          <m:t>    =   </m:t>
+                        </m:r>
+                        <m:r>
+                          <a:rPr lang="en-US" sz="3200" b="1">
+                            <a:solidFill>
+                              <a:srgbClr val="7030A0"/>
+                            </a:solidFill>
+                            <a:latin typeface="Cambria Math" panose="02040503050406030204" pitchFamily="18" charset="0"/>
+                          </a:rPr>
+                          <m:t>𝚫</m:t>
+                        </m:r>
+                        <m:r>
+                          <a:rPr lang="en-US" sz="3200" b="1" i="1">
+                            <a:solidFill>
+                              <a:srgbClr val="7030A0"/>
+                            </a:solidFill>
+                            <a:latin typeface="Cambria Math" panose="02040503050406030204" pitchFamily="18" charset="0"/>
+                          </a:rPr>
+                          <m:t>𝒕</m:t>
+                        </m:r>
+                        <m:r>
+                          <a:rPr lang="en-US" sz="3200" b="0" i="1" smtClean="0">
+                            <a:solidFill>
+                              <a:srgbClr val="7030A0"/>
+                            </a:solidFill>
+                            <a:latin typeface="Cambria Math" panose="02040503050406030204" pitchFamily="18" charset="0"/>
+                          </a:rPr>
+                          <m:t>   =    </m:t>
+                        </m:r>
+                        <m:sSub>
+                          <m:sSubPr>
+                            <m:ctrlPr>
+                              <a:rPr lang="en-US" sz="3200" b="0" i="1" smtClean="0">
+                                <a:solidFill>
+                                  <a:srgbClr val="7030A0"/>
+                                </a:solidFill>
+                                <a:latin typeface="Cambria Math" panose="02040503050406030204" pitchFamily="18" charset="0"/>
+                              </a:rPr>
+                            </m:ctrlPr>
+                          </m:sSubPr>
+                          <m:e>
+                            <m:r>
+                              <a:rPr lang="en-US" sz="3200" b="0" i="1" smtClean="0">
+                                <a:solidFill>
+                                  <a:srgbClr val="7030A0"/>
+                                </a:solidFill>
+                                <a:latin typeface="Cambria Math" panose="02040503050406030204" pitchFamily="18" charset="0"/>
+                              </a:rPr>
+                              <m:t>𝑡</m:t>
+                            </m:r>
+                          </m:e>
+                          <m:sub>
+                            <m:r>
+                              <a:rPr lang="en-US" sz="3200" b="0" i="1" smtClean="0">
+                                <a:solidFill>
+                                  <a:srgbClr val="7030A0"/>
+                                </a:solidFill>
+                                <a:latin typeface="Cambria Math" panose="02040503050406030204" pitchFamily="18" charset="0"/>
+                              </a:rPr>
+                              <m:t>4</m:t>
+                            </m:r>
+                          </m:sub>
+                        </m:sSub>
+                        <m:r>
+                          <a:rPr lang="en-US" sz="3200" b="0" i="1" smtClean="0">
+                            <a:solidFill>
+                              <a:srgbClr val="7030A0"/>
+                            </a:solidFill>
+                            <a:latin typeface="Cambria Math" panose="02040503050406030204" pitchFamily="18" charset="0"/>
+                          </a:rPr>
+                          <m:t>−</m:t>
+                        </m:r>
+                        <m:sSub>
+                          <m:sSubPr>
+                            <m:ctrlPr>
+                              <a:rPr lang="en-US" sz="3200" b="0" i="1" smtClean="0">
+                                <a:solidFill>
+                                  <a:srgbClr val="7030A0"/>
+                                </a:solidFill>
+                                <a:latin typeface="Cambria Math" panose="02040503050406030204" pitchFamily="18" charset="0"/>
+                              </a:rPr>
+                            </m:ctrlPr>
+                          </m:sSubPr>
+                          <m:e>
+                            <m:r>
+                              <a:rPr lang="en-US" sz="3200" b="0" i="1" smtClean="0">
+                                <a:solidFill>
+                                  <a:srgbClr val="7030A0"/>
+                                </a:solidFill>
+                                <a:latin typeface="Cambria Math" panose="02040503050406030204" pitchFamily="18" charset="0"/>
+                              </a:rPr>
+                              <m:t>𝑡</m:t>
+                            </m:r>
+                          </m:e>
+                          <m:sub>
+                            <m:r>
+                              <a:rPr lang="en-US" sz="3200" b="0" i="1" smtClean="0">
+                                <a:solidFill>
+                                  <a:srgbClr val="7030A0"/>
+                                </a:solidFill>
+                                <a:latin typeface="Cambria Math" panose="02040503050406030204" pitchFamily="18" charset="0"/>
+                              </a:rPr>
+                              <m:t>3</m:t>
+                            </m:r>
+                          </m:sub>
+                        </m:sSub>
+                      </m:oMath>
+                    </m:oMathPara>
+                  </a14:m>
+                  <a:endParaRPr lang="en-US" sz="3200" b="1" i="1" dirty="0">
+                    <a:solidFill>
+                      <a:srgbClr val="7030A0"/>
+                    </a:solidFill>
+                  </a:endParaRPr>
+                </a:p>
+              </p:txBody>
+            </p:sp>
+          </mc:Choice>
+          <mc:Fallback>
+            <p:sp>
+              <p:nvSpPr>
+                <p:cNvPr id="44" name="TextBox 43">
+                  <a:extLst>
+                    <a:ext uri="{FF2B5EF4-FFF2-40B4-BE49-F238E27FC236}">
+                      <a16:creationId xmlns:a16="http://schemas.microsoft.com/office/drawing/2014/main" id="{1E9B5173-EED7-4F42-AA80-FF0959ED3B88}"/>
+                    </a:ext>
+                  </a:extLst>
+                </p:cNvPr>
+                <p:cNvSpPr txBox="1">
+                  <a:spLocks noRot="1" noChangeAspect="1" noMove="1" noResize="1" noEditPoints="1" noAdjustHandles="1" noChangeArrowheads="1" noChangeShapeType="1" noTextEdit="1"/>
+                </p:cNvSpPr>
+                <p:nvPr/>
+              </p:nvSpPr>
+              <p:spPr>
+                <a:xfrm>
+                  <a:off x="2413349" y="4377327"/>
+                  <a:ext cx="8108514" cy="584775"/>
+                </a:xfrm>
+                <a:prstGeom prst="rect">
+                  <a:avLst/>
+                </a:prstGeom>
+                <a:blipFill>
+                  <a:blip r:embed="rId7"/>
+                  <a:stretch>
+                    <a:fillRect b="-21277"/>
+                  </a:stretch>
+                </a:blipFill>
+              </p:spPr>
+              <p:txBody>
+                <a:bodyPr/>
+                <a:lstStyle/>
+                <a:p>
+                  <a:r>
+                    <a:rPr lang="en-US">
+                      <a:noFill/>
+                    </a:rPr>
+                    <a:t> </a:t>
+                  </a:r>
+                </a:p>
+              </p:txBody>
+            </p:sp>
+          </mc:Fallback>
+        </mc:AlternateContent>
+        <p:cxnSp>
+          <p:nvCxnSpPr>
+            <p:cNvPr id="45" name="Straight Arrow Connector 44">
+              <a:extLst>
+                <a:ext uri="{FF2B5EF4-FFF2-40B4-BE49-F238E27FC236}">
+                  <a16:creationId xmlns:a16="http://schemas.microsoft.com/office/drawing/2014/main" id="{C041E04A-4E35-E04F-A521-799AD65C69BE}"/>
+                </a:ext>
+              </a:extLst>
+            </p:cNvPr>
+            <p:cNvCxnSpPr>
+              <a:cxnSpLocks/>
+            </p:cNvCxnSpPr>
+            <p:nvPr/>
+          </p:nvCxnSpPr>
+          <p:spPr>
+            <a:xfrm>
+              <a:off x="2413348" y="5423769"/>
+              <a:ext cx="925770" cy="0"/>
+            </a:xfrm>
+            <a:prstGeom prst="straightConnector1">
+              <a:avLst/>
+            </a:prstGeom>
+            <a:ln w="57150">
+              <a:solidFill>
+                <a:schemeClr val="tx1"/>
+              </a:solidFill>
+              <a:prstDash val="sysDot"/>
+              <a:headEnd type="none" w="med" len="med"/>
+              <a:tailEnd type="none" w="med" len="med"/>
+            </a:ln>
+          </p:spPr>
+          <p:style>
+            <a:lnRef idx="1">
+              <a:schemeClr val="accent1"/>
+            </a:lnRef>
+            <a:fillRef idx="0">
+              <a:schemeClr val="accent1"/>
+            </a:fillRef>
+            <a:effectRef idx="0">
+              <a:schemeClr val="accent1"/>
+            </a:effectRef>
+            <a:fontRef idx="minor">
+              <a:schemeClr val="tx1"/>
+            </a:fontRef>
+          </p:style>
+        </p:cxnSp>
+        <p:cxnSp>
+          <p:nvCxnSpPr>
+            <p:cNvPr id="46" name="Straight Arrow Connector 45">
+              <a:extLst>
+                <a:ext uri="{FF2B5EF4-FFF2-40B4-BE49-F238E27FC236}">
+                  <a16:creationId xmlns:a16="http://schemas.microsoft.com/office/drawing/2014/main" id="{A4938E1E-E15D-EA44-AC25-8B054451A6C9}"/>
+                </a:ext>
+              </a:extLst>
+            </p:cNvPr>
+            <p:cNvCxnSpPr>
+              <a:cxnSpLocks/>
+            </p:cNvCxnSpPr>
+            <p:nvPr/>
+          </p:nvCxnSpPr>
+          <p:spPr>
+            <a:xfrm>
+              <a:off x="6004841" y="5423769"/>
+              <a:ext cx="925770" cy="0"/>
+            </a:xfrm>
+            <a:prstGeom prst="straightConnector1">
+              <a:avLst/>
+            </a:prstGeom>
+            <a:ln w="57150">
+              <a:solidFill>
+                <a:schemeClr val="tx1"/>
+              </a:solidFill>
+              <a:prstDash val="sysDot"/>
+              <a:headEnd type="none" w="med" len="med"/>
+              <a:tailEnd type="none" w="med" len="med"/>
+            </a:ln>
+          </p:spPr>
+          <p:style>
+            <a:lnRef idx="1">
+              <a:schemeClr val="accent1"/>
+            </a:lnRef>
+            <a:fillRef idx="0">
+              <a:schemeClr val="accent1"/>
+            </a:fillRef>
+            <a:effectRef idx="0">
+              <a:schemeClr val="accent1"/>
+            </a:effectRef>
+            <a:fontRef idx="minor">
+              <a:schemeClr val="tx1"/>
+            </a:fontRef>
+          </p:style>
+        </p:cxnSp>
+        <p:cxnSp>
+          <p:nvCxnSpPr>
+            <p:cNvPr id="47" name="Straight Arrow Connector 46">
+              <a:extLst>
+                <a:ext uri="{FF2B5EF4-FFF2-40B4-BE49-F238E27FC236}">
+                  <a16:creationId xmlns:a16="http://schemas.microsoft.com/office/drawing/2014/main" id="{97F7A26C-729F-2E44-A1E5-AE84EE919275}"/>
+                </a:ext>
+              </a:extLst>
+            </p:cNvPr>
+            <p:cNvCxnSpPr>
+              <a:cxnSpLocks/>
+            </p:cNvCxnSpPr>
+            <p:nvPr/>
+          </p:nvCxnSpPr>
+          <p:spPr>
+            <a:xfrm>
+              <a:off x="6930611" y="5423769"/>
+              <a:ext cx="3127789" cy="0"/>
+            </a:xfrm>
+            <a:prstGeom prst="straightConnector1">
+              <a:avLst/>
+            </a:prstGeom>
+            <a:ln w="57150">
+              <a:solidFill>
+                <a:schemeClr val="tx1"/>
+              </a:solidFill>
+              <a:tailEnd type="triangle"/>
+            </a:ln>
+          </p:spPr>
+          <p:style>
+            <a:lnRef idx="1">
+              <a:schemeClr val="accent1"/>
+            </a:lnRef>
+            <a:fillRef idx="0">
+              <a:schemeClr val="accent1"/>
+            </a:fillRef>
+            <a:effectRef idx="0">
+              <a:schemeClr val="accent1"/>
+            </a:effectRef>
+            <a:fontRef idx="minor">
+              <a:schemeClr val="tx1"/>
+            </a:fontRef>
+          </p:style>
+        </p:cxnSp>
+        <p:cxnSp>
+          <p:nvCxnSpPr>
+            <p:cNvPr id="48" name="Straight Arrow Connector 47">
+              <a:extLst>
+                <a:ext uri="{FF2B5EF4-FFF2-40B4-BE49-F238E27FC236}">
+                  <a16:creationId xmlns:a16="http://schemas.microsoft.com/office/drawing/2014/main" id="{7D4F06AC-173C-C24C-8FA7-EFED7B4770B1}"/>
+                </a:ext>
+              </a:extLst>
+            </p:cNvPr>
+            <p:cNvCxnSpPr>
+              <a:cxnSpLocks/>
+            </p:cNvCxnSpPr>
+            <p:nvPr/>
+          </p:nvCxnSpPr>
+          <p:spPr>
+            <a:xfrm flipV="1">
+              <a:off x="2417523" y="814400"/>
+              <a:ext cx="0" cy="1831646"/>
+            </a:xfrm>
+            <a:prstGeom prst="straightConnector1">
+              <a:avLst/>
+            </a:prstGeom>
+            <a:ln w="57150">
+              <a:solidFill>
+                <a:schemeClr val="tx1"/>
+              </a:solidFill>
+              <a:tailEnd type="triangle"/>
+            </a:ln>
+          </p:spPr>
+          <p:style>
+            <a:lnRef idx="1">
+              <a:schemeClr val="accent1"/>
+            </a:lnRef>
+            <a:fillRef idx="0">
+              <a:schemeClr val="accent1"/>
+            </a:fillRef>
+            <a:effectRef idx="0">
+              <a:schemeClr val="accent1"/>
+            </a:effectRef>
+            <a:fontRef idx="minor">
+              <a:schemeClr val="tx1"/>
+            </a:fontRef>
+          </p:style>
+        </p:cxnSp>
+        <mc:AlternateContent xmlns:mc="http://schemas.openxmlformats.org/markup-compatibility/2006">
+          <mc:Choice xmlns:a14="http://schemas.microsoft.com/office/drawing/2010/main" Requires="a14">
+            <p:sp>
+              <p:nvSpPr>
+                <p:cNvPr id="49" name="TextBox 48">
+                  <a:extLst>
+                    <a:ext uri="{FF2B5EF4-FFF2-40B4-BE49-F238E27FC236}">
+                      <a16:creationId xmlns:a16="http://schemas.microsoft.com/office/drawing/2014/main" id="{D4022E3A-8D1E-BE44-A1E2-932E20F264DE}"/>
+                    </a:ext>
+                  </a:extLst>
+                </p:cNvPr>
+                <p:cNvSpPr txBox="1"/>
+                <p:nvPr/>
+              </p:nvSpPr>
+              <p:spPr>
+                <a:xfrm>
+                  <a:off x="1605425" y="713014"/>
+                  <a:ext cx="770345" cy="523220"/>
+                </a:xfrm>
+                <a:prstGeom prst="rect">
+                  <a:avLst/>
+                </a:prstGeom>
+                <a:noFill/>
+              </p:spPr>
+              <p:txBody>
+                <a:bodyPr wrap="square" rtlCol="0">
+                  <a:spAutoFit/>
+                </a:bodyPr>
+                <a:lstStyle/>
+                <a:p>
+                  <a:pPr algn="ctr"/>
+                  <a14:m>
+                    <m:oMathPara xmlns:m="http://schemas.openxmlformats.org/officeDocument/2006/math">
+                      <m:oMathParaPr>
+                        <m:jc m:val="centerGroup"/>
+                      </m:oMathParaPr>
+                      <m:oMath xmlns:m="http://schemas.openxmlformats.org/officeDocument/2006/math">
+                        <m:r>
+                          <a:rPr lang="en-US" sz="2800" b="0" i="1" smtClean="0">
+                            <a:latin typeface="Cambria Math" panose="02040503050406030204" pitchFamily="18" charset="0"/>
+                          </a:rPr>
+                          <m:t>𝑁</m:t>
+                        </m:r>
+                        <m:d>
+                          <m:dPr>
+                            <m:ctrlPr>
+                              <a:rPr lang="en-US" sz="2800" b="0" i="1" smtClean="0">
+                                <a:latin typeface="Cambria Math" panose="02040503050406030204" pitchFamily="18" charset="0"/>
+                              </a:rPr>
+                            </m:ctrlPr>
+                          </m:dPr>
+                          <m:e>
+                            <m:r>
+                              <a:rPr lang="en-US" sz="2800" b="0" i="1" smtClean="0">
+                                <a:latin typeface="Cambria Math" panose="02040503050406030204" pitchFamily="18" charset="0"/>
+                              </a:rPr>
+                              <m:t>𝑡</m:t>
+                            </m:r>
+                          </m:e>
+                        </m:d>
+                      </m:oMath>
+                    </m:oMathPara>
+                  </a14:m>
+                  <a:endParaRPr lang="en-US" sz="2800" i="1" dirty="0"/>
+                </a:p>
+              </p:txBody>
+            </p:sp>
+          </mc:Choice>
+          <mc:Fallback>
+            <p:sp>
+              <p:nvSpPr>
+                <p:cNvPr id="49" name="TextBox 48">
+                  <a:extLst>
+                    <a:ext uri="{FF2B5EF4-FFF2-40B4-BE49-F238E27FC236}">
+                      <a16:creationId xmlns:a16="http://schemas.microsoft.com/office/drawing/2014/main" id="{D4022E3A-8D1E-BE44-A1E2-932E20F264DE}"/>
+                    </a:ext>
+                  </a:extLst>
+                </p:cNvPr>
+                <p:cNvSpPr txBox="1">
+                  <a:spLocks noRot="1" noChangeAspect="1" noMove="1" noResize="1" noEditPoints="1" noAdjustHandles="1" noChangeArrowheads="1" noChangeShapeType="1" noTextEdit="1"/>
+                </p:cNvSpPr>
+                <p:nvPr/>
+              </p:nvSpPr>
+              <p:spPr>
+                <a:xfrm>
+                  <a:off x="1605425" y="713014"/>
+                  <a:ext cx="770345" cy="523220"/>
+                </a:xfrm>
+                <a:prstGeom prst="rect">
+                  <a:avLst/>
+                </a:prstGeom>
+                <a:blipFill>
+                  <a:blip r:embed="rId8"/>
+                  <a:stretch>
+                    <a:fillRect l="-16129"/>
+                  </a:stretch>
+                </a:blipFill>
+              </p:spPr>
+              <p:txBody>
+                <a:bodyPr/>
+                <a:lstStyle/>
+                <a:p>
+                  <a:r>
+                    <a:rPr lang="en-US">
+                      <a:noFill/>
+                    </a:rPr>
+                    <a:t> </a:t>
+                  </a:r>
+                </a:p>
+              </p:txBody>
+            </p:sp>
+          </mc:Fallback>
+        </mc:AlternateContent>
+        <p:sp>
+          <p:nvSpPr>
+            <p:cNvPr id="50" name="Right Brace 49">
+              <a:extLst>
+                <a:ext uri="{FF2B5EF4-FFF2-40B4-BE49-F238E27FC236}">
+                  <a16:creationId xmlns:a16="http://schemas.microsoft.com/office/drawing/2014/main" id="{B36114A0-B3BE-E348-B4CB-AD6C263B6D03}"/>
+                </a:ext>
+              </a:extLst>
+            </p:cNvPr>
+            <p:cNvSpPr/>
+            <p:nvPr/>
+          </p:nvSpPr>
+          <p:spPr>
+            <a:xfrm rot="16200000">
+              <a:off x="8106935" y="3951212"/>
+              <a:ext cx="523221" cy="2286001"/>
+            </a:xfrm>
+            <a:prstGeom prst="rightBrace">
+              <a:avLst/>
+            </a:prstGeom>
+            <a:ln w="38100">
+              <a:solidFill>
+                <a:srgbClr val="7030A0"/>
+              </a:solidFill>
+            </a:ln>
+          </p:spPr>
+          <p:style>
+            <a:lnRef idx="1">
+              <a:schemeClr val="accent1"/>
+            </a:lnRef>
+            <a:fillRef idx="0">
+              <a:schemeClr val="accent1"/>
+            </a:fillRef>
+            <a:effectRef idx="0">
+              <a:schemeClr val="accent1"/>
+            </a:effectRef>
+            <a:fontRef idx="minor">
+              <a:schemeClr val="tx1"/>
+            </a:fontRef>
+          </p:style>
+          <p:txBody>
+            <a:bodyPr rtlCol="0" anchor="ctr"/>
+            <a:lstStyle/>
+            <a:p>
+              <a:pPr algn="ctr"/>
+              <a:endParaRPr lang="en-US"/>
+            </a:p>
+          </p:txBody>
+        </p:sp>
+        <p:cxnSp>
+          <p:nvCxnSpPr>
+            <p:cNvPr id="52" name="Straight Arrow Connector 51">
+              <a:extLst>
+                <a:ext uri="{FF2B5EF4-FFF2-40B4-BE49-F238E27FC236}">
+                  <a16:creationId xmlns:a16="http://schemas.microsoft.com/office/drawing/2014/main" id="{8FA8260A-B4E1-0040-AF4F-58D513CE4A9F}"/>
+                </a:ext>
+              </a:extLst>
+            </p:cNvPr>
+            <p:cNvCxnSpPr>
+              <a:cxnSpLocks/>
+            </p:cNvCxnSpPr>
+            <p:nvPr/>
+          </p:nvCxnSpPr>
+          <p:spPr>
+            <a:xfrm flipV="1">
+              <a:off x="2413348" y="2646046"/>
+              <a:ext cx="0" cy="548654"/>
+            </a:xfrm>
+            <a:prstGeom prst="straightConnector1">
+              <a:avLst/>
+            </a:prstGeom>
+            <a:ln w="57150">
+              <a:solidFill>
+                <a:schemeClr val="tx1"/>
+              </a:solidFill>
+              <a:prstDash val="sysDot"/>
+              <a:tailEnd type="none"/>
+            </a:ln>
+          </p:spPr>
+          <p:style>
+            <a:lnRef idx="1">
+              <a:schemeClr val="accent1"/>
+            </a:lnRef>
+            <a:fillRef idx="0">
+              <a:schemeClr val="accent1"/>
+            </a:fillRef>
+            <a:effectRef idx="0">
+              <a:schemeClr val="accent1"/>
+            </a:effectRef>
+            <a:fontRef idx="minor">
+              <a:schemeClr val="tx1"/>
+            </a:fontRef>
+          </p:style>
+        </p:cxnSp>
+        <p:cxnSp>
+          <p:nvCxnSpPr>
+            <p:cNvPr id="59" name="Straight Arrow Connector 58">
+              <a:extLst>
+                <a:ext uri="{FF2B5EF4-FFF2-40B4-BE49-F238E27FC236}">
+                  <a16:creationId xmlns:a16="http://schemas.microsoft.com/office/drawing/2014/main" id="{66842E24-CDE3-1B4A-A469-1E7922B9B691}"/>
+                </a:ext>
+              </a:extLst>
+            </p:cNvPr>
+            <p:cNvCxnSpPr>
+              <a:cxnSpLocks/>
+            </p:cNvCxnSpPr>
+            <p:nvPr/>
+          </p:nvCxnSpPr>
+          <p:spPr>
+            <a:xfrm flipV="1">
+              <a:off x="2413348" y="3184937"/>
+              <a:ext cx="0" cy="1123049"/>
+            </a:xfrm>
+            <a:prstGeom prst="straightConnector1">
+              <a:avLst/>
+            </a:prstGeom>
+            <a:ln w="57150">
+              <a:solidFill>
+                <a:schemeClr val="tx1"/>
+              </a:solidFill>
+              <a:tailEnd type="none"/>
+            </a:ln>
+          </p:spPr>
+          <p:style>
+            <a:lnRef idx="1">
+              <a:schemeClr val="accent1"/>
+            </a:lnRef>
+            <a:fillRef idx="0">
+              <a:schemeClr val="accent1"/>
+            </a:fillRef>
+            <a:effectRef idx="0">
+              <a:schemeClr val="accent1"/>
+            </a:effectRef>
+            <a:fontRef idx="minor">
+              <a:schemeClr val="tx1"/>
+            </a:fontRef>
+          </p:style>
+        </p:cxnSp>
+        <p:cxnSp>
+          <p:nvCxnSpPr>
+            <p:cNvPr id="61" name="Straight Arrow Connector 60">
+              <a:extLst>
+                <a:ext uri="{FF2B5EF4-FFF2-40B4-BE49-F238E27FC236}">
+                  <a16:creationId xmlns:a16="http://schemas.microsoft.com/office/drawing/2014/main" id="{05436214-558F-F54B-BCC3-F73E9004A08A}"/>
+                </a:ext>
+              </a:extLst>
+            </p:cNvPr>
+            <p:cNvCxnSpPr>
+              <a:cxnSpLocks/>
+            </p:cNvCxnSpPr>
+            <p:nvPr/>
+          </p:nvCxnSpPr>
+          <p:spPr>
+            <a:xfrm flipV="1">
+              <a:off x="2413348" y="4321676"/>
+              <a:ext cx="0" cy="1102095"/>
+            </a:xfrm>
+            <a:prstGeom prst="straightConnector1">
+              <a:avLst/>
+            </a:prstGeom>
+            <a:ln w="57150">
+              <a:solidFill>
+                <a:schemeClr val="tx1"/>
+              </a:solidFill>
+              <a:prstDash val="sysDot"/>
+              <a:tailEnd type="none"/>
+            </a:ln>
+          </p:spPr>
+          <p:style>
+            <a:lnRef idx="1">
+              <a:schemeClr val="accent1"/>
+            </a:lnRef>
+            <a:fillRef idx="0">
+              <a:schemeClr val="accent1"/>
+            </a:fillRef>
+            <a:effectRef idx="0">
+              <a:schemeClr val="accent1"/>
+            </a:effectRef>
+            <a:fontRef idx="minor">
+              <a:schemeClr val="tx1"/>
+            </a:fontRef>
+          </p:style>
+        </p:cxnSp>
+        <mc:AlternateContent xmlns:mc="http://schemas.openxmlformats.org/markup-compatibility/2006">
+          <mc:Choice xmlns:a14="http://schemas.microsoft.com/office/drawing/2010/main" Requires="a14">
+            <p:sp>
+              <p:nvSpPr>
+                <p:cNvPr id="63" name="TextBox 62">
+                  <a:extLst>
+                    <a:ext uri="{FF2B5EF4-FFF2-40B4-BE49-F238E27FC236}">
+                      <a16:creationId xmlns:a16="http://schemas.microsoft.com/office/drawing/2014/main" id="{6A4B9238-75B6-BC49-AB6B-AC05750661DF}"/>
+                    </a:ext>
+                  </a:extLst>
+                </p:cNvPr>
+                <p:cNvSpPr txBox="1"/>
+                <p:nvPr/>
+              </p:nvSpPr>
+              <p:spPr>
+                <a:xfrm>
+                  <a:off x="2179296" y="5379305"/>
+                  <a:ext cx="338200" cy="523220"/>
+                </a:xfrm>
+                <a:prstGeom prst="rect">
+                  <a:avLst/>
+                </a:prstGeom>
+                <a:noFill/>
+              </p:spPr>
+              <p:txBody>
+                <a:bodyPr wrap="square" rtlCol="0">
+                  <a:spAutoFit/>
+                </a:bodyPr>
+                <a:lstStyle/>
+                <a:p>
+                  <a:pPr algn="ctr"/>
+                  <a14:m>
+                    <m:oMathPara xmlns:m="http://schemas.openxmlformats.org/officeDocument/2006/math">
+                      <m:oMathParaPr>
+                        <m:jc m:val="centerGroup"/>
+                      </m:oMathParaPr>
+                      <m:oMath xmlns:m="http://schemas.openxmlformats.org/officeDocument/2006/math">
+                        <m:r>
+                          <a:rPr lang="en-US" sz="2800" b="0" i="1" smtClean="0">
+                            <a:latin typeface="Cambria Math" panose="02040503050406030204" pitchFamily="18" charset="0"/>
+                          </a:rPr>
+                          <m:t>0</m:t>
+                        </m:r>
+                      </m:oMath>
+                    </m:oMathPara>
+                  </a14:m>
+                  <a:endParaRPr lang="en-US" sz="2800" dirty="0"/>
+                </a:p>
+              </p:txBody>
+            </p:sp>
+          </mc:Choice>
+          <mc:Fallback>
+            <p:sp>
+              <p:nvSpPr>
+                <p:cNvPr id="63" name="TextBox 62">
+                  <a:extLst>
+                    <a:ext uri="{FF2B5EF4-FFF2-40B4-BE49-F238E27FC236}">
+                      <a16:creationId xmlns:a16="http://schemas.microsoft.com/office/drawing/2014/main" id="{6A4B9238-75B6-BC49-AB6B-AC05750661DF}"/>
+                    </a:ext>
+                  </a:extLst>
+                </p:cNvPr>
+                <p:cNvSpPr txBox="1">
+                  <a:spLocks noRot="1" noChangeAspect="1" noMove="1" noResize="1" noEditPoints="1" noAdjustHandles="1" noChangeArrowheads="1" noChangeShapeType="1" noTextEdit="1"/>
+                </p:cNvSpPr>
+                <p:nvPr/>
+              </p:nvSpPr>
+              <p:spPr>
+                <a:xfrm>
+                  <a:off x="2179296" y="5379305"/>
+                  <a:ext cx="338200" cy="523220"/>
+                </a:xfrm>
+                <a:prstGeom prst="rect">
+                  <a:avLst/>
+                </a:prstGeom>
+                <a:blipFill>
+                  <a:blip r:embed="rId9"/>
+                  <a:stretch>
+                    <a:fillRect l="-25926" r="-3704"/>
+                  </a:stretch>
+                </a:blipFill>
+              </p:spPr>
+              <p:txBody>
+                <a:bodyPr/>
+                <a:lstStyle/>
+                <a:p>
+                  <a:r>
+                    <a:rPr lang="en-US">
+                      <a:noFill/>
+                    </a:rPr>
+                    <a:t> </a:t>
+                  </a:r>
+                </a:p>
+              </p:txBody>
+            </p:sp>
+          </mc:Fallback>
+        </mc:AlternateContent>
+        <p:sp>
+          <p:nvSpPr>
+            <p:cNvPr id="64" name="Right Brace 63">
+              <a:extLst>
+                <a:ext uri="{FF2B5EF4-FFF2-40B4-BE49-F238E27FC236}">
+                  <a16:creationId xmlns:a16="http://schemas.microsoft.com/office/drawing/2014/main" id="{90640710-A843-4F48-807B-BCED27025ED7}"/>
+                </a:ext>
+              </a:extLst>
+            </p:cNvPr>
+            <p:cNvSpPr/>
+            <p:nvPr/>
+          </p:nvSpPr>
+          <p:spPr>
+            <a:xfrm>
+              <a:off x="2479918" y="3241154"/>
+              <a:ext cx="588947" cy="932541"/>
+            </a:xfrm>
+            <a:prstGeom prst="rightBrace">
+              <a:avLst/>
+            </a:prstGeom>
+            <a:ln w="38100">
+              <a:solidFill>
+                <a:srgbClr val="00B050"/>
+              </a:solidFill>
+            </a:ln>
+          </p:spPr>
+          <p:style>
+            <a:lnRef idx="1">
+              <a:schemeClr val="accent1"/>
+            </a:lnRef>
+            <a:fillRef idx="0">
+              <a:schemeClr val="accent1"/>
+            </a:fillRef>
+            <a:effectRef idx="0">
+              <a:schemeClr val="accent1"/>
+            </a:effectRef>
+            <a:fontRef idx="minor">
+              <a:schemeClr val="tx1"/>
+            </a:fontRef>
+          </p:style>
+          <p:txBody>
+            <a:bodyPr rtlCol="0" anchor="ctr"/>
+            <a:lstStyle/>
+            <a:p>
+              <a:pPr algn="ctr"/>
+              <a:endParaRPr lang="en-US"/>
+            </a:p>
+          </p:txBody>
+        </p:sp>
+        <p:sp>
+          <p:nvSpPr>
+            <p:cNvPr id="67" name="Right Brace 66">
+              <a:extLst>
+                <a:ext uri="{FF2B5EF4-FFF2-40B4-BE49-F238E27FC236}">
+                  <a16:creationId xmlns:a16="http://schemas.microsoft.com/office/drawing/2014/main" id="{DBE5CCEA-9909-B240-9F53-498E39079352}"/>
+                </a:ext>
+              </a:extLst>
+            </p:cNvPr>
+            <p:cNvSpPr/>
+            <p:nvPr/>
+          </p:nvSpPr>
+          <p:spPr>
+            <a:xfrm>
+              <a:off x="2479918" y="1455841"/>
+              <a:ext cx="588947" cy="932541"/>
+            </a:xfrm>
+            <a:prstGeom prst="rightBrace">
+              <a:avLst/>
+            </a:prstGeom>
+            <a:ln w="38100">
+              <a:solidFill>
+                <a:srgbClr val="00B050"/>
+              </a:solidFill>
+            </a:ln>
+          </p:spPr>
+          <p:style>
+            <a:lnRef idx="1">
+              <a:schemeClr val="accent1"/>
+            </a:lnRef>
+            <a:fillRef idx="0">
+              <a:schemeClr val="accent1"/>
+            </a:fillRef>
+            <a:effectRef idx="0">
+              <a:schemeClr val="accent1"/>
+            </a:effectRef>
+            <a:fontRef idx="minor">
+              <a:schemeClr val="tx1"/>
+            </a:fontRef>
+          </p:style>
+          <p:txBody>
+            <a:bodyPr rtlCol="0" anchor="ctr"/>
+            <a:lstStyle/>
+            <a:p>
+              <a:pPr algn="ctr"/>
+              <a:endParaRPr lang="en-US"/>
+            </a:p>
+          </p:txBody>
+        </p:sp>
+        <mc:AlternateContent xmlns:mc="http://schemas.openxmlformats.org/markup-compatibility/2006">
+          <mc:Choice xmlns:a14="http://schemas.microsoft.com/office/drawing/2010/main" Requires="a14">
+            <p:sp>
+              <p:nvSpPr>
+                <p:cNvPr id="70" name="TextBox 69">
+                  <a:extLst>
+                    <a:ext uri="{FF2B5EF4-FFF2-40B4-BE49-F238E27FC236}">
+                      <a16:creationId xmlns:a16="http://schemas.microsoft.com/office/drawing/2014/main" id="{CD612F7F-C327-C54E-9522-3B1DC2C02412}"/>
+                    </a:ext>
+                  </a:extLst>
+                </p:cNvPr>
+                <p:cNvSpPr txBox="1"/>
+                <p:nvPr/>
+              </p:nvSpPr>
+              <p:spPr>
+                <a:xfrm>
+                  <a:off x="1448965" y="3912085"/>
+                  <a:ext cx="964383" cy="523220"/>
+                </a:xfrm>
+                <a:prstGeom prst="rect">
+                  <a:avLst/>
+                </a:prstGeom>
+                <a:noFill/>
+              </p:spPr>
+              <p:txBody>
+                <a:bodyPr wrap="square" rtlCol="0">
+                  <a:spAutoFit/>
+                </a:bodyPr>
+                <a:lstStyle/>
+                <a:p>
+                  <a:pPr algn="ctr"/>
+                  <a14:m>
+                    <m:oMathPara xmlns:m="http://schemas.openxmlformats.org/officeDocument/2006/math">
+                      <m:oMathParaPr>
+                        <m:jc m:val="centerGroup"/>
+                      </m:oMathParaPr>
+                      <m:oMath xmlns:m="http://schemas.openxmlformats.org/officeDocument/2006/math">
+                        <m:r>
+                          <a:rPr lang="en-US" sz="2800" b="0" i="1" smtClean="0">
+                            <a:latin typeface="Cambria Math" panose="02040503050406030204" pitchFamily="18" charset="0"/>
+                          </a:rPr>
+                          <m:t>𝑁</m:t>
+                        </m:r>
+                        <m:d>
+                          <m:dPr>
+                            <m:ctrlPr>
+                              <a:rPr lang="en-US" sz="2800" b="0" i="1" smtClean="0">
+                                <a:latin typeface="Cambria Math" panose="02040503050406030204" pitchFamily="18" charset="0"/>
+                              </a:rPr>
+                            </m:ctrlPr>
+                          </m:dPr>
+                          <m:e>
+                            <m:sSub>
+                              <m:sSubPr>
+                                <m:ctrlPr>
+                                  <a:rPr lang="en-US" sz="2800" b="0" i="1" smtClean="0">
+                                    <a:latin typeface="Cambria Math" panose="02040503050406030204" pitchFamily="18" charset="0"/>
+                                  </a:rPr>
+                                </m:ctrlPr>
+                              </m:sSubPr>
+                              <m:e>
+                                <m:r>
+                                  <a:rPr lang="en-US" sz="2800" b="0" i="1" smtClean="0">
+                                    <a:latin typeface="Cambria Math" panose="02040503050406030204" pitchFamily="18" charset="0"/>
+                                  </a:rPr>
+                                  <m:t>𝑡</m:t>
+                                </m:r>
+                              </m:e>
+                              <m:sub>
+                                <m:r>
+                                  <a:rPr lang="en-US" sz="2800" b="0" i="1" smtClean="0">
+                                    <a:latin typeface="Cambria Math" panose="02040503050406030204" pitchFamily="18" charset="0"/>
+                                  </a:rPr>
+                                  <m:t>1</m:t>
+                                </m:r>
+                              </m:sub>
+                            </m:sSub>
+                          </m:e>
+                        </m:d>
+                      </m:oMath>
+                    </m:oMathPara>
+                  </a14:m>
+                  <a:endParaRPr lang="en-US" sz="2800" dirty="0"/>
+                </a:p>
+              </p:txBody>
+            </p:sp>
+          </mc:Choice>
+          <mc:Fallback>
+            <p:sp>
+              <p:nvSpPr>
+                <p:cNvPr id="70" name="TextBox 69">
+                  <a:extLst>
+                    <a:ext uri="{FF2B5EF4-FFF2-40B4-BE49-F238E27FC236}">
+                      <a16:creationId xmlns:a16="http://schemas.microsoft.com/office/drawing/2014/main" id="{CD612F7F-C327-C54E-9522-3B1DC2C02412}"/>
+                    </a:ext>
+                  </a:extLst>
+                </p:cNvPr>
+                <p:cNvSpPr txBox="1">
+                  <a:spLocks noRot="1" noChangeAspect="1" noMove="1" noResize="1" noEditPoints="1" noAdjustHandles="1" noChangeArrowheads="1" noChangeShapeType="1" noTextEdit="1"/>
+                </p:cNvSpPr>
+                <p:nvPr/>
+              </p:nvSpPr>
+              <p:spPr>
+                <a:xfrm>
+                  <a:off x="1448965" y="3912085"/>
+                  <a:ext cx="964383" cy="523220"/>
+                </a:xfrm>
+                <a:prstGeom prst="rect">
+                  <a:avLst/>
+                </a:prstGeom>
+                <a:blipFill>
+                  <a:blip r:embed="rId10"/>
+                  <a:stretch>
+                    <a:fillRect l="-10390"/>
+                  </a:stretch>
+                </a:blipFill>
+              </p:spPr>
+              <p:txBody>
+                <a:bodyPr/>
+                <a:lstStyle/>
+                <a:p>
+                  <a:r>
+                    <a:rPr lang="en-US">
+                      <a:noFill/>
+                    </a:rPr>
+                    <a:t> </a:t>
+                  </a:r>
+                </a:p>
+              </p:txBody>
+            </p:sp>
+          </mc:Fallback>
+        </mc:AlternateContent>
+        <mc:AlternateContent xmlns:mc="http://schemas.openxmlformats.org/markup-compatibility/2006">
+          <mc:Choice xmlns:a14="http://schemas.microsoft.com/office/drawing/2010/main" Requires="a14">
+            <p:sp>
+              <p:nvSpPr>
+                <p:cNvPr id="71" name="TextBox 70">
+                  <a:extLst>
+                    <a:ext uri="{FF2B5EF4-FFF2-40B4-BE49-F238E27FC236}">
+                      <a16:creationId xmlns:a16="http://schemas.microsoft.com/office/drawing/2014/main" id="{BA7DF5EF-B01C-4D4B-8C20-C5CCD5124060}"/>
+                    </a:ext>
+                  </a:extLst>
+                </p:cNvPr>
+                <p:cNvSpPr txBox="1"/>
+                <p:nvPr/>
+              </p:nvSpPr>
+              <p:spPr>
+                <a:xfrm>
+                  <a:off x="1448965" y="2972392"/>
+                  <a:ext cx="964383" cy="523220"/>
+                </a:xfrm>
+                <a:prstGeom prst="rect">
+                  <a:avLst/>
+                </a:prstGeom>
+                <a:noFill/>
+              </p:spPr>
+              <p:txBody>
+                <a:bodyPr wrap="square" rtlCol="0">
+                  <a:spAutoFit/>
+                </a:bodyPr>
+                <a:lstStyle/>
+                <a:p>
+                  <a:pPr algn="ctr"/>
+                  <a14:m>
+                    <m:oMathPara xmlns:m="http://schemas.openxmlformats.org/officeDocument/2006/math">
+                      <m:oMathParaPr>
+                        <m:jc m:val="centerGroup"/>
+                      </m:oMathParaPr>
+                      <m:oMath xmlns:m="http://schemas.openxmlformats.org/officeDocument/2006/math">
+                        <m:r>
+                          <a:rPr lang="en-US" sz="2800" b="0" i="1" smtClean="0">
+                            <a:latin typeface="Cambria Math" panose="02040503050406030204" pitchFamily="18" charset="0"/>
+                          </a:rPr>
+                          <m:t>𝑁</m:t>
+                        </m:r>
+                        <m:d>
+                          <m:dPr>
+                            <m:ctrlPr>
+                              <a:rPr lang="en-US" sz="2800" b="0" i="1" smtClean="0">
+                                <a:latin typeface="Cambria Math" panose="02040503050406030204" pitchFamily="18" charset="0"/>
+                              </a:rPr>
+                            </m:ctrlPr>
+                          </m:dPr>
+                          <m:e>
+                            <m:sSub>
+                              <m:sSubPr>
+                                <m:ctrlPr>
+                                  <a:rPr lang="en-US" sz="2800" b="0" i="1" smtClean="0">
+                                    <a:latin typeface="Cambria Math" panose="02040503050406030204" pitchFamily="18" charset="0"/>
+                                  </a:rPr>
+                                </m:ctrlPr>
+                              </m:sSubPr>
+                              <m:e>
+                                <m:r>
+                                  <a:rPr lang="en-US" sz="2800" b="0" i="1" smtClean="0">
+                                    <a:latin typeface="Cambria Math" panose="02040503050406030204" pitchFamily="18" charset="0"/>
+                                  </a:rPr>
+                                  <m:t>𝑡</m:t>
+                                </m:r>
+                              </m:e>
+                              <m:sub>
+                                <m:r>
+                                  <a:rPr lang="en-US" sz="2800" b="0" i="1" smtClean="0">
+                                    <a:latin typeface="Cambria Math" panose="02040503050406030204" pitchFamily="18" charset="0"/>
+                                  </a:rPr>
+                                  <m:t>2</m:t>
+                                </m:r>
+                              </m:sub>
+                            </m:sSub>
+                          </m:e>
+                        </m:d>
+                      </m:oMath>
+                    </m:oMathPara>
+                  </a14:m>
+                  <a:endParaRPr lang="en-US" sz="2800" dirty="0"/>
+                </a:p>
+              </p:txBody>
+            </p:sp>
+          </mc:Choice>
+          <mc:Fallback>
+            <p:sp>
+              <p:nvSpPr>
+                <p:cNvPr id="71" name="TextBox 70">
+                  <a:extLst>
+                    <a:ext uri="{FF2B5EF4-FFF2-40B4-BE49-F238E27FC236}">
+                      <a16:creationId xmlns:a16="http://schemas.microsoft.com/office/drawing/2014/main" id="{BA7DF5EF-B01C-4D4B-8C20-C5CCD5124060}"/>
+                    </a:ext>
+                  </a:extLst>
+                </p:cNvPr>
+                <p:cNvSpPr txBox="1">
+                  <a:spLocks noRot="1" noChangeAspect="1" noMove="1" noResize="1" noEditPoints="1" noAdjustHandles="1" noChangeArrowheads="1" noChangeShapeType="1" noTextEdit="1"/>
+                </p:cNvSpPr>
+                <p:nvPr/>
+              </p:nvSpPr>
+              <p:spPr>
+                <a:xfrm>
+                  <a:off x="1448965" y="2972392"/>
+                  <a:ext cx="964383" cy="523220"/>
+                </a:xfrm>
+                <a:prstGeom prst="rect">
+                  <a:avLst/>
+                </a:prstGeom>
+                <a:blipFill>
+                  <a:blip r:embed="rId11"/>
+                  <a:stretch>
+                    <a:fillRect l="-10390" b="-2381"/>
+                  </a:stretch>
+                </a:blipFill>
+              </p:spPr>
+              <p:txBody>
+                <a:bodyPr/>
+                <a:lstStyle/>
+                <a:p>
+                  <a:r>
+                    <a:rPr lang="en-US">
+                      <a:noFill/>
+                    </a:rPr>
+                    <a:t> </a:t>
+                  </a:r>
+                </a:p>
+              </p:txBody>
+            </p:sp>
+          </mc:Fallback>
+        </mc:AlternateContent>
+        <mc:AlternateContent xmlns:mc="http://schemas.openxmlformats.org/markup-compatibility/2006">
+          <mc:Choice xmlns:a14="http://schemas.microsoft.com/office/drawing/2010/main" Requires="a14">
+            <p:sp>
+              <p:nvSpPr>
+                <p:cNvPr id="72" name="TextBox 71">
+                  <a:extLst>
+                    <a:ext uri="{FF2B5EF4-FFF2-40B4-BE49-F238E27FC236}">
+                      <a16:creationId xmlns:a16="http://schemas.microsoft.com/office/drawing/2014/main" id="{847C98C8-FF99-9F49-88D1-81785C1C80BE}"/>
+                    </a:ext>
+                  </a:extLst>
+                </p:cNvPr>
+                <p:cNvSpPr txBox="1"/>
+                <p:nvPr/>
+              </p:nvSpPr>
+              <p:spPr>
+                <a:xfrm>
+                  <a:off x="1448965" y="2122826"/>
+                  <a:ext cx="964383" cy="523220"/>
+                </a:xfrm>
+                <a:prstGeom prst="rect">
+                  <a:avLst/>
+                </a:prstGeom>
+                <a:noFill/>
+              </p:spPr>
+              <p:txBody>
+                <a:bodyPr wrap="square" rtlCol="0">
+                  <a:spAutoFit/>
+                </a:bodyPr>
+                <a:lstStyle/>
+                <a:p>
+                  <a:pPr algn="ctr"/>
+                  <a14:m>
+                    <m:oMathPara xmlns:m="http://schemas.openxmlformats.org/officeDocument/2006/math">
+                      <m:oMathParaPr>
+                        <m:jc m:val="centerGroup"/>
+                      </m:oMathParaPr>
+                      <m:oMath xmlns:m="http://schemas.openxmlformats.org/officeDocument/2006/math">
+                        <m:r>
+                          <a:rPr lang="en-US" sz="2800" b="0" i="1" smtClean="0">
+                            <a:latin typeface="Cambria Math" panose="02040503050406030204" pitchFamily="18" charset="0"/>
+                          </a:rPr>
+                          <m:t>𝑁</m:t>
+                        </m:r>
+                        <m:d>
+                          <m:dPr>
+                            <m:ctrlPr>
+                              <a:rPr lang="en-US" sz="2800" b="0" i="1" smtClean="0">
+                                <a:latin typeface="Cambria Math" panose="02040503050406030204" pitchFamily="18" charset="0"/>
+                              </a:rPr>
+                            </m:ctrlPr>
+                          </m:dPr>
+                          <m:e>
+                            <m:sSub>
+                              <m:sSubPr>
+                                <m:ctrlPr>
+                                  <a:rPr lang="en-US" sz="2800" b="0" i="1" smtClean="0">
+                                    <a:latin typeface="Cambria Math" panose="02040503050406030204" pitchFamily="18" charset="0"/>
+                                  </a:rPr>
+                                </m:ctrlPr>
+                              </m:sSubPr>
+                              <m:e>
+                                <m:r>
+                                  <a:rPr lang="en-US" sz="2800" b="0" i="1" smtClean="0">
+                                    <a:latin typeface="Cambria Math" panose="02040503050406030204" pitchFamily="18" charset="0"/>
+                                  </a:rPr>
+                                  <m:t>𝑡</m:t>
+                                </m:r>
+                              </m:e>
+                              <m:sub>
+                                <m:r>
+                                  <a:rPr lang="en-US" sz="2800" b="0" i="1" smtClean="0">
+                                    <a:latin typeface="Cambria Math" panose="02040503050406030204" pitchFamily="18" charset="0"/>
+                                  </a:rPr>
+                                  <m:t>3</m:t>
+                                </m:r>
+                              </m:sub>
+                            </m:sSub>
+                          </m:e>
+                        </m:d>
+                      </m:oMath>
+                    </m:oMathPara>
+                  </a14:m>
+                  <a:endParaRPr lang="en-US" sz="2800" dirty="0"/>
+                </a:p>
+              </p:txBody>
+            </p:sp>
+          </mc:Choice>
+          <mc:Fallback>
+            <p:sp>
+              <p:nvSpPr>
+                <p:cNvPr id="72" name="TextBox 71">
+                  <a:extLst>
+                    <a:ext uri="{FF2B5EF4-FFF2-40B4-BE49-F238E27FC236}">
+                      <a16:creationId xmlns:a16="http://schemas.microsoft.com/office/drawing/2014/main" id="{847C98C8-FF99-9F49-88D1-81785C1C80BE}"/>
+                    </a:ext>
+                  </a:extLst>
+                </p:cNvPr>
+                <p:cNvSpPr txBox="1">
+                  <a:spLocks noRot="1" noChangeAspect="1" noMove="1" noResize="1" noEditPoints="1" noAdjustHandles="1" noChangeArrowheads="1" noChangeShapeType="1" noTextEdit="1"/>
+                </p:cNvSpPr>
+                <p:nvPr/>
+              </p:nvSpPr>
+              <p:spPr>
+                <a:xfrm>
+                  <a:off x="1448965" y="2122826"/>
+                  <a:ext cx="964383" cy="523220"/>
+                </a:xfrm>
+                <a:prstGeom prst="rect">
+                  <a:avLst/>
+                </a:prstGeom>
+                <a:blipFill>
+                  <a:blip r:embed="rId12"/>
+                  <a:stretch>
+                    <a:fillRect l="-10390" b="-2381"/>
+                  </a:stretch>
+                </a:blipFill>
+              </p:spPr>
+              <p:txBody>
+                <a:bodyPr/>
+                <a:lstStyle/>
+                <a:p>
+                  <a:r>
+                    <a:rPr lang="en-US">
+                      <a:noFill/>
+                    </a:rPr>
+                    <a:t> </a:t>
+                  </a:r>
+                </a:p>
+              </p:txBody>
+            </p:sp>
+          </mc:Fallback>
+        </mc:AlternateContent>
+        <mc:AlternateContent xmlns:mc="http://schemas.openxmlformats.org/markup-compatibility/2006">
+          <mc:Choice xmlns:a14="http://schemas.microsoft.com/office/drawing/2010/main" Requires="a14">
+            <p:sp>
+              <p:nvSpPr>
+                <p:cNvPr id="73" name="TextBox 72">
+                  <a:extLst>
+                    <a:ext uri="{FF2B5EF4-FFF2-40B4-BE49-F238E27FC236}">
+                      <a16:creationId xmlns:a16="http://schemas.microsoft.com/office/drawing/2014/main" id="{3E59AB30-8E34-B142-843A-A92742DEA6E2}"/>
+                    </a:ext>
+                  </a:extLst>
+                </p:cNvPr>
+                <p:cNvSpPr txBox="1"/>
+                <p:nvPr/>
+              </p:nvSpPr>
+              <p:spPr>
+                <a:xfrm>
+                  <a:off x="1448965" y="1175113"/>
+                  <a:ext cx="964383" cy="523220"/>
+                </a:xfrm>
+                <a:prstGeom prst="rect">
+                  <a:avLst/>
+                </a:prstGeom>
+                <a:noFill/>
+              </p:spPr>
+              <p:txBody>
+                <a:bodyPr wrap="square" rtlCol="0">
+                  <a:spAutoFit/>
+                </a:bodyPr>
+                <a:lstStyle/>
+                <a:p>
+                  <a:pPr algn="ctr"/>
+                  <a14:m>
+                    <m:oMathPara xmlns:m="http://schemas.openxmlformats.org/officeDocument/2006/math">
+                      <m:oMathParaPr>
+                        <m:jc m:val="centerGroup"/>
+                      </m:oMathParaPr>
+                      <m:oMath xmlns:m="http://schemas.openxmlformats.org/officeDocument/2006/math">
+                        <m:r>
+                          <a:rPr lang="en-US" sz="2800" b="0" i="1" smtClean="0">
+                            <a:latin typeface="Cambria Math" panose="02040503050406030204" pitchFamily="18" charset="0"/>
+                          </a:rPr>
+                          <m:t>𝑁</m:t>
+                        </m:r>
+                        <m:d>
+                          <m:dPr>
+                            <m:ctrlPr>
+                              <a:rPr lang="en-US" sz="2800" b="0" i="1" smtClean="0">
+                                <a:latin typeface="Cambria Math" panose="02040503050406030204" pitchFamily="18" charset="0"/>
+                              </a:rPr>
+                            </m:ctrlPr>
+                          </m:dPr>
+                          <m:e>
+                            <m:sSub>
+                              <m:sSubPr>
+                                <m:ctrlPr>
+                                  <a:rPr lang="en-US" sz="2800" b="0" i="1" smtClean="0">
+                                    <a:latin typeface="Cambria Math" panose="02040503050406030204" pitchFamily="18" charset="0"/>
+                                  </a:rPr>
+                                </m:ctrlPr>
+                              </m:sSubPr>
+                              <m:e>
+                                <m:r>
+                                  <a:rPr lang="en-US" sz="2800" b="0" i="1" smtClean="0">
+                                    <a:latin typeface="Cambria Math" panose="02040503050406030204" pitchFamily="18" charset="0"/>
+                                  </a:rPr>
+                                  <m:t>𝑡</m:t>
+                                </m:r>
+                              </m:e>
+                              <m:sub>
+                                <m:r>
+                                  <a:rPr lang="en-US" sz="2800" b="0" i="1" smtClean="0">
+                                    <a:latin typeface="Cambria Math" panose="02040503050406030204" pitchFamily="18" charset="0"/>
+                                  </a:rPr>
+                                  <m:t>4</m:t>
+                                </m:r>
+                              </m:sub>
+                            </m:sSub>
+                          </m:e>
+                        </m:d>
+                      </m:oMath>
+                    </m:oMathPara>
+                  </a14:m>
+                  <a:endParaRPr lang="en-US" sz="2800" dirty="0"/>
+                </a:p>
+              </p:txBody>
+            </p:sp>
+          </mc:Choice>
+          <mc:Fallback>
+            <p:sp>
+              <p:nvSpPr>
+                <p:cNvPr id="73" name="TextBox 72">
+                  <a:extLst>
+                    <a:ext uri="{FF2B5EF4-FFF2-40B4-BE49-F238E27FC236}">
+                      <a16:creationId xmlns:a16="http://schemas.microsoft.com/office/drawing/2014/main" id="{3E59AB30-8E34-B142-843A-A92742DEA6E2}"/>
+                    </a:ext>
+                  </a:extLst>
+                </p:cNvPr>
+                <p:cNvSpPr txBox="1">
+                  <a:spLocks noRot="1" noChangeAspect="1" noMove="1" noResize="1" noEditPoints="1" noAdjustHandles="1" noChangeArrowheads="1" noChangeShapeType="1" noTextEdit="1"/>
+                </p:cNvSpPr>
+                <p:nvPr/>
+              </p:nvSpPr>
+              <p:spPr>
+                <a:xfrm>
+                  <a:off x="1448965" y="1175113"/>
+                  <a:ext cx="964383" cy="523220"/>
+                </a:xfrm>
+                <a:prstGeom prst="rect">
+                  <a:avLst/>
+                </a:prstGeom>
+                <a:blipFill>
+                  <a:blip r:embed="rId13"/>
+                  <a:stretch>
+                    <a:fillRect l="-10390"/>
+                  </a:stretch>
+                </a:blipFill>
+              </p:spPr>
+              <p:txBody>
+                <a:bodyPr/>
+                <a:lstStyle/>
+                <a:p>
+                  <a:r>
+                    <a:rPr lang="en-US">
+                      <a:noFill/>
+                    </a:rPr>
+                    <a:t> </a:t>
+                  </a:r>
+                </a:p>
+              </p:txBody>
+            </p:sp>
+          </mc:Fallback>
+        </mc:AlternateContent>
+        <mc:AlternateContent xmlns:mc="http://schemas.openxmlformats.org/markup-compatibility/2006">
+          <mc:Choice xmlns:a14="http://schemas.microsoft.com/office/drawing/2010/main" Requires="a14">
+            <p:sp>
+              <p:nvSpPr>
+                <p:cNvPr id="80" name="TextBox 79">
+                  <a:extLst>
+                    <a:ext uri="{FF2B5EF4-FFF2-40B4-BE49-F238E27FC236}">
+                      <a16:creationId xmlns:a16="http://schemas.microsoft.com/office/drawing/2014/main" id="{BD296028-27F7-0948-B764-F7E550D91794}"/>
+                    </a:ext>
+                  </a:extLst>
+                </p:cNvPr>
+                <p:cNvSpPr txBox="1"/>
+                <p:nvPr/>
+              </p:nvSpPr>
+              <p:spPr>
+                <a:xfrm>
+                  <a:off x="3068864" y="3445814"/>
+                  <a:ext cx="4847583" cy="523220"/>
+                </a:xfrm>
+                <a:prstGeom prst="rect">
+                  <a:avLst/>
+                </a:prstGeom>
+                <a:noFill/>
+              </p:spPr>
+              <p:txBody>
+                <a:bodyPr wrap="square" rtlCol="0">
+                  <a:spAutoFit/>
+                </a:bodyPr>
+                <a:lstStyle/>
+                <a:p>
+                  <a:pPr algn="ctr"/>
+                  <a14:m>
+                    <m:oMathPara xmlns:m="http://schemas.openxmlformats.org/officeDocument/2006/math">
+                      <m:oMathParaPr>
+                        <m:jc m:val="centerGroup"/>
+                      </m:oMathParaPr>
+                      <m:oMath xmlns:m="http://schemas.openxmlformats.org/officeDocument/2006/math">
+                        <m:r>
+                          <a:rPr lang="en-US" sz="2800" b="0" i="1" smtClean="0">
+                            <a:solidFill>
+                              <a:srgbClr val="00B050"/>
+                            </a:solidFill>
+                            <a:latin typeface="Cambria Math" panose="02040503050406030204" pitchFamily="18" charset="0"/>
+                          </a:rPr>
+                          <m:t>𝑁</m:t>
+                        </m:r>
+                        <m:d>
+                          <m:dPr>
+                            <m:ctrlPr>
+                              <a:rPr lang="en-US" sz="2800" b="0" i="1" smtClean="0">
+                                <a:solidFill>
+                                  <a:srgbClr val="00B050"/>
+                                </a:solidFill>
+                                <a:latin typeface="Cambria Math" panose="02040503050406030204" pitchFamily="18" charset="0"/>
+                              </a:rPr>
+                            </m:ctrlPr>
+                          </m:dPr>
+                          <m:e>
+                            <m:sSub>
+                              <m:sSubPr>
+                                <m:ctrlPr>
+                                  <a:rPr lang="en-US" sz="2800" b="0" i="1" smtClean="0">
+                                    <a:solidFill>
+                                      <a:srgbClr val="00B050"/>
+                                    </a:solidFill>
+                                    <a:latin typeface="Cambria Math" panose="02040503050406030204" pitchFamily="18" charset="0"/>
+                                  </a:rPr>
+                                </m:ctrlPr>
+                              </m:sSubPr>
+                              <m:e>
+                                <m:r>
+                                  <a:rPr lang="en-US" sz="2800" b="0" i="1" smtClean="0">
+                                    <a:solidFill>
+                                      <a:srgbClr val="00B050"/>
+                                    </a:solidFill>
+                                    <a:latin typeface="Cambria Math" panose="02040503050406030204" pitchFamily="18" charset="0"/>
+                                  </a:rPr>
+                                  <m:t>𝑡</m:t>
+                                </m:r>
+                              </m:e>
+                              <m:sub>
+                                <m:r>
+                                  <a:rPr lang="en-US" sz="2800" b="0" i="1" smtClean="0">
+                                    <a:solidFill>
+                                      <a:srgbClr val="00B050"/>
+                                    </a:solidFill>
+                                    <a:latin typeface="Cambria Math" panose="02040503050406030204" pitchFamily="18" charset="0"/>
+                                  </a:rPr>
+                                  <m:t>2</m:t>
+                                </m:r>
+                              </m:sub>
+                            </m:sSub>
+                          </m:e>
+                        </m:d>
+                        <m:r>
+                          <a:rPr lang="en-US" sz="2800" b="0" i="1" smtClean="0">
+                            <a:solidFill>
+                              <a:srgbClr val="00B050"/>
+                            </a:solidFill>
+                            <a:latin typeface="Cambria Math" panose="02040503050406030204" pitchFamily="18" charset="0"/>
+                          </a:rPr>
+                          <m:t>−</m:t>
+                        </m:r>
+                        <m:r>
+                          <a:rPr lang="en-US" sz="2800" b="0" i="1" smtClean="0">
+                            <a:solidFill>
+                              <a:srgbClr val="00B050"/>
+                            </a:solidFill>
+                            <a:latin typeface="Cambria Math" panose="02040503050406030204" pitchFamily="18" charset="0"/>
+                          </a:rPr>
+                          <m:t>𝑁</m:t>
+                        </m:r>
+                        <m:d>
+                          <m:dPr>
+                            <m:ctrlPr>
+                              <a:rPr lang="en-US" sz="2800" b="0" i="1" smtClean="0">
+                                <a:solidFill>
+                                  <a:srgbClr val="00B050"/>
+                                </a:solidFill>
+                                <a:latin typeface="Cambria Math" panose="02040503050406030204" pitchFamily="18" charset="0"/>
+                              </a:rPr>
+                            </m:ctrlPr>
+                          </m:dPr>
+                          <m:e>
+                            <m:sSub>
+                              <m:sSubPr>
+                                <m:ctrlPr>
+                                  <a:rPr lang="en-US" sz="2800" b="0" i="1" smtClean="0">
+                                    <a:solidFill>
+                                      <a:srgbClr val="00B050"/>
+                                    </a:solidFill>
+                                    <a:latin typeface="Cambria Math" panose="02040503050406030204" pitchFamily="18" charset="0"/>
+                                  </a:rPr>
+                                </m:ctrlPr>
+                              </m:sSubPr>
+                              <m:e>
+                                <m:r>
+                                  <a:rPr lang="en-US" sz="2800" b="0" i="1" smtClean="0">
+                                    <a:solidFill>
+                                      <a:srgbClr val="00B050"/>
+                                    </a:solidFill>
+                                    <a:latin typeface="Cambria Math" panose="02040503050406030204" pitchFamily="18" charset="0"/>
+                                  </a:rPr>
+                                  <m:t>𝑡</m:t>
+                                </m:r>
+                              </m:e>
+                              <m:sub>
+                                <m:r>
+                                  <a:rPr lang="en-US" sz="2800" b="0" i="1" smtClean="0">
+                                    <a:solidFill>
+                                      <a:srgbClr val="00B050"/>
+                                    </a:solidFill>
+                                    <a:latin typeface="Cambria Math" panose="02040503050406030204" pitchFamily="18" charset="0"/>
+                                  </a:rPr>
+                                  <m:t>1</m:t>
+                                </m:r>
+                              </m:sub>
+                            </m:sSub>
+                          </m:e>
+                        </m:d>
+                        <m:r>
+                          <a:rPr lang="en-US" sz="2800" b="0" i="1" smtClean="0">
+                            <a:solidFill>
+                              <a:srgbClr val="00B050"/>
+                            </a:solidFill>
+                            <a:latin typeface="Cambria Math" panose="02040503050406030204" pitchFamily="18" charset="0"/>
+                          </a:rPr>
+                          <m:t> ~ </m:t>
+                        </m:r>
+                        <m:r>
+                          <a:rPr lang="en-US" sz="2800" b="0" i="1" smtClean="0">
+                            <a:solidFill>
+                              <a:srgbClr val="00B050"/>
+                            </a:solidFill>
+                            <a:latin typeface="Cambria Math" panose="02040503050406030204" pitchFamily="18" charset="0"/>
+                          </a:rPr>
+                          <m:t>𝑃𝑜𝑖𝑠𝑠𝑜𝑛</m:t>
+                        </m:r>
+                        <m:d>
+                          <m:dPr>
+                            <m:ctrlPr>
+                              <a:rPr lang="en-US" sz="2800" b="0" i="1" smtClean="0">
+                                <a:solidFill>
+                                  <a:srgbClr val="00B050"/>
+                                </a:solidFill>
+                                <a:latin typeface="Cambria Math" panose="02040503050406030204" pitchFamily="18" charset="0"/>
+                              </a:rPr>
+                            </m:ctrlPr>
+                          </m:dPr>
+                          <m:e>
+                            <m:r>
+                              <a:rPr lang="en-US" sz="2800" b="0" i="1" smtClean="0">
+                                <a:solidFill>
+                                  <a:srgbClr val="00B050"/>
+                                </a:solidFill>
+                                <a:latin typeface="Cambria Math" panose="02040503050406030204" pitchFamily="18" charset="0"/>
+                              </a:rPr>
+                              <m:t>𝜆</m:t>
+                            </m:r>
+                            <m:r>
+                              <m:rPr>
+                                <m:sty m:val="p"/>
+                              </m:rPr>
+                              <a:rPr lang="en-US" sz="2800" b="0" i="0" smtClean="0">
+                                <a:solidFill>
+                                  <a:srgbClr val="7030A0"/>
+                                </a:solidFill>
+                                <a:latin typeface="Cambria Math" panose="02040503050406030204" pitchFamily="18" charset="0"/>
+                              </a:rPr>
+                              <m:t>Δ</m:t>
+                            </m:r>
+                            <m:r>
+                              <a:rPr lang="en-US" sz="2800" b="0" i="1" smtClean="0">
+                                <a:solidFill>
+                                  <a:srgbClr val="7030A0"/>
+                                </a:solidFill>
+                                <a:latin typeface="Cambria Math" panose="02040503050406030204" pitchFamily="18" charset="0"/>
+                              </a:rPr>
+                              <m:t>𝑡</m:t>
+                            </m:r>
+                          </m:e>
+                        </m:d>
+                      </m:oMath>
+                    </m:oMathPara>
+                  </a14:m>
+                  <a:endParaRPr lang="en-US" sz="2800" dirty="0">
+                    <a:solidFill>
+                      <a:srgbClr val="00B050"/>
+                    </a:solidFill>
+                  </a:endParaRPr>
+                </a:p>
+              </p:txBody>
+            </p:sp>
+          </mc:Choice>
+          <mc:Fallback>
+            <p:sp>
+              <p:nvSpPr>
+                <p:cNvPr id="80" name="TextBox 79">
+                  <a:extLst>
+                    <a:ext uri="{FF2B5EF4-FFF2-40B4-BE49-F238E27FC236}">
+                      <a16:creationId xmlns:a16="http://schemas.microsoft.com/office/drawing/2014/main" id="{BD296028-27F7-0948-B764-F7E550D91794}"/>
+                    </a:ext>
+                  </a:extLst>
+                </p:cNvPr>
+                <p:cNvSpPr txBox="1">
+                  <a:spLocks noRot="1" noChangeAspect="1" noMove="1" noResize="1" noEditPoints="1" noAdjustHandles="1" noChangeArrowheads="1" noChangeShapeType="1" noTextEdit="1"/>
+                </p:cNvSpPr>
+                <p:nvPr/>
+              </p:nvSpPr>
+              <p:spPr>
+                <a:xfrm>
+                  <a:off x="3068864" y="3445814"/>
+                  <a:ext cx="4847583" cy="523220"/>
+                </a:xfrm>
+                <a:prstGeom prst="rect">
+                  <a:avLst/>
+                </a:prstGeom>
+                <a:blipFill>
+                  <a:blip r:embed="rId14"/>
+                  <a:stretch>
+                    <a:fillRect l="-1309" b="-18605"/>
+                  </a:stretch>
+                </a:blipFill>
+              </p:spPr>
+              <p:txBody>
+                <a:bodyPr/>
+                <a:lstStyle/>
+                <a:p>
+                  <a:r>
+                    <a:rPr lang="en-US">
+                      <a:noFill/>
+                    </a:rPr>
+                    <a:t> </a:t>
+                  </a:r>
+                </a:p>
+              </p:txBody>
+            </p:sp>
+          </mc:Fallback>
+        </mc:AlternateContent>
+        <mc:AlternateContent xmlns:mc="http://schemas.openxmlformats.org/markup-compatibility/2006">
+          <mc:Choice xmlns:a14="http://schemas.microsoft.com/office/drawing/2010/main" Requires="a14">
+            <p:sp>
+              <p:nvSpPr>
+                <p:cNvPr id="82" name="TextBox 81">
+                  <a:extLst>
+                    <a:ext uri="{FF2B5EF4-FFF2-40B4-BE49-F238E27FC236}">
+                      <a16:creationId xmlns:a16="http://schemas.microsoft.com/office/drawing/2014/main" id="{BD6E4050-0CA8-CB4D-BA66-46D260E3F44D}"/>
+                    </a:ext>
+                  </a:extLst>
+                </p:cNvPr>
+                <p:cNvSpPr txBox="1"/>
+                <p:nvPr/>
+              </p:nvSpPr>
+              <p:spPr>
+                <a:xfrm>
+                  <a:off x="3068863" y="1666840"/>
+                  <a:ext cx="4847583" cy="523220"/>
+                </a:xfrm>
+                <a:prstGeom prst="rect">
+                  <a:avLst/>
+                </a:prstGeom>
+                <a:noFill/>
+              </p:spPr>
+              <p:txBody>
+                <a:bodyPr wrap="square" rtlCol="0">
+                  <a:spAutoFit/>
+                </a:bodyPr>
+                <a:lstStyle/>
+                <a:p>
+                  <a:pPr algn="ctr"/>
+                  <a14:m>
+                    <m:oMathPara xmlns:m="http://schemas.openxmlformats.org/officeDocument/2006/math">
+                      <m:oMathParaPr>
+                        <m:jc m:val="centerGroup"/>
+                      </m:oMathParaPr>
+                      <m:oMath xmlns:m="http://schemas.openxmlformats.org/officeDocument/2006/math">
+                        <m:r>
+                          <a:rPr lang="en-US" sz="2800" b="0" i="1" smtClean="0">
+                            <a:solidFill>
+                              <a:srgbClr val="00B050"/>
+                            </a:solidFill>
+                            <a:latin typeface="Cambria Math" panose="02040503050406030204" pitchFamily="18" charset="0"/>
+                          </a:rPr>
+                          <m:t>𝑁</m:t>
+                        </m:r>
+                        <m:d>
+                          <m:dPr>
+                            <m:ctrlPr>
+                              <a:rPr lang="en-US" sz="2800" b="0" i="1" smtClean="0">
+                                <a:solidFill>
+                                  <a:srgbClr val="00B050"/>
+                                </a:solidFill>
+                                <a:latin typeface="Cambria Math" panose="02040503050406030204" pitchFamily="18" charset="0"/>
+                              </a:rPr>
+                            </m:ctrlPr>
+                          </m:dPr>
+                          <m:e>
+                            <m:sSub>
+                              <m:sSubPr>
+                                <m:ctrlPr>
+                                  <a:rPr lang="en-US" sz="2800" b="0" i="1" smtClean="0">
+                                    <a:solidFill>
+                                      <a:srgbClr val="00B050"/>
+                                    </a:solidFill>
+                                    <a:latin typeface="Cambria Math" panose="02040503050406030204" pitchFamily="18" charset="0"/>
+                                  </a:rPr>
+                                </m:ctrlPr>
+                              </m:sSubPr>
+                              <m:e>
+                                <m:r>
+                                  <a:rPr lang="en-US" sz="2800" b="0" i="1" smtClean="0">
+                                    <a:solidFill>
+                                      <a:srgbClr val="00B050"/>
+                                    </a:solidFill>
+                                    <a:latin typeface="Cambria Math" panose="02040503050406030204" pitchFamily="18" charset="0"/>
+                                  </a:rPr>
+                                  <m:t>𝑡</m:t>
+                                </m:r>
+                              </m:e>
+                              <m:sub>
+                                <m:r>
+                                  <a:rPr lang="en-US" sz="2800" b="0" i="1" smtClean="0">
+                                    <a:solidFill>
+                                      <a:srgbClr val="00B050"/>
+                                    </a:solidFill>
+                                    <a:latin typeface="Cambria Math" panose="02040503050406030204" pitchFamily="18" charset="0"/>
+                                  </a:rPr>
+                                  <m:t>4</m:t>
+                                </m:r>
+                              </m:sub>
+                            </m:sSub>
+                          </m:e>
+                        </m:d>
+                        <m:r>
+                          <a:rPr lang="en-US" sz="2800" b="0" i="1" smtClean="0">
+                            <a:solidFill>
+                              <a:srgbClr val="00B050"/>
+                            </a:solidFill>
+                            <a:latin typeface="Cambria Math" panose="02040503050406030204" pitchFamily="18" charset="0"/>
+                          </a:rPr>
+                          <m:t>−</m:t>
+                        </m:r>
+                        <m:r>
+                          <a:rPr lang="en-US" sz="2800" b="0" i="1" smtClean="0">
+                            <a:solidFill>
+                              <a:srgbClr val="00B050"/>
+                            </a:solidFill>
+                            <a:latin typeface="Cambria Math" panose="02040503050406030204" pitchFamily="18" charset="0"/>
+                          </a:rPr>
+                          <m:t>𝑁</m:t>
+                        </m:r>
+                        <m:d>
+                          <m:dPr>
+                            <m:ctrlPr>
+                              <a:rPr lang="en-US" sz="2800" b="0" i="1" smtClean="0">
+                                <a:solidFill>
+                                  <a:srgbClr val="00B050"/>
+                                </a:solidFill>
+                                <a:latin typeface="Cambria Math" panose="02040503050406030204" pitchFamily="18" charset="0"/>
+                              </a:rPr>
+                            </m:ctrlPr>
+                          </m:dPr>
+                          <m:e>
+                            <m:sSub>
+                              <m:sSubPr>
+                                <m:ctrlPr>
+                                  <a:rPr lang="en-US" sz="2800" b="0" i="1" smtClean="0">
+                                    <a:solidFill>
+                                      <a:srgbClr val="00B050"/>
+                                    </a:solidFill>
+                                    <a:latin typeface="Cambria Math" panose="02040503050406030204" pitchFamily="18" charset="0"/>
+                                  </a:rPr>
+                                </m:ctrlPr>
+                              </m:sSubPr>
+                              <m:e>
+                                <m:r>
+                                  <a:rPr lang="en-US" sz="2800" b="0" i="1" smtClean="0">
+                                    <a:solidFill>
+                                      <a:srgbClr val="00B050"/>
+                                    </a:solidFill>
+                                    <a:latin typeface="Cambria Math" panose="02040503050406030204" pitchFamily="18" charset="0"/>
+                                  </a:rPr>
+                                  <m:t>𝑡</m:t>
+                                </m:r>
+                              </m:e>
+                              <m:sub>
+                                <m:r>
+                                  <a:rPr lang="en-US" sz="2800" b="0" i="1" smtClean="0">
+                                    <a:solidFill>
+                                      <a:srgbClr val="00B050"/>
+                                    </a:solidFill>
+                                    <a:latin typeface="Cambria Math" panose="02040503050406030204" pitchFamily="18" charset="0"/>
+                                  </a:rPr>
+                                  <m:t>3</m:t>
+                                </m:r>
+                              </m:sub>
+                            </m:sSub>
+                          </m:e>
+                        </m:d>
+                        <m:r>
+                          <a:rPr lang="en-US" sz="2800" b="0" i="1" smtClean="0">
+                            <a:solidFill>
+                              <a:srgbClr val="00B050"/>
+                            </a:solidFill>
+                            <a:latin typeface="Cambria Math" panose="02040503050406030204" pitchFamily="18" charset="0"/>
+                          </a:rPr>
+                          <m:t> ~ </m:t>
+                        </m:r>
+                        <m:r>
+                          <a:rPr lang="en-US" sz="2800" b="0" i="1" smtClean="0">
+                            <a:solidFill>
+                              <a:srgbClr val="00B050"/>
+                            </a:solidFill>
+                            <a:latin typeface="Cambria Math" panose="02040503050406030204" pitchFamily="18" charset="0"/>
+                          </a:rPr>
+                          <m:t>𝑃𝑜𝑖𝑠𝑠𝑜𝑛</m:t>
+                        </m:r>
+                        <m:d>
+                          <m:dPr>
+                            <m:ctrlPr>
+                              <a:rPr lang="en-US" sz="2800" b="0" i="1" smtClean="0">
+                                <a:solidFill>
+                                  <a:srgbClr val="00B050"/>
+                                </a:solidFill>
+                                <a:latin typeface="Cambria Math" panose="02040503050406030204" pitchFamily="18" charset="0"/>
+                              </a:rPr>
+                            </m:ctrlPr>
+                          </m:dPr>
+                          <m:e>
+                            <m:r>
+                              <a:rPr lang="en-US" sz="2800" b="0" i="1" smtClean="0">
+                                <a:solidFill>
+                                  <a:srgbClr val="00B050"/>
+                                </a:solidFill>
+                                <a:latin typeface="Cambria Math" panose="02040503050406030204" pitchFamily="18" charset="0"/>
+                              </a:rPr>
+                              <m:t>𝜆</m:t>
+                            </m:r>
+                            <m:r>
+                              <m:rPr>
+                                <m:sty m:val="p"/>
+                              </m:rPr>
+                              <a:rPr lang="en-US" sz="2800" b="0" i="0" smtClean="0">
+                                <a:solidFill>
+                                  <a:srgbClr val="7030A0"/>
+                                </a:solidFill>
+                                <a:latin typeface="Cambria Math" panose="02040503050406030204" pitchFamily="18" charset="0"/>
+                              </a:rPr>
+                              <m:t>Δ</m:t>
+                            </m:r>
+                            <m:r>
+                              <a:rPr lang="en-US" sz="2800" b="0" i="1" smtClean="0">
+                                <a:solidFill>
+                                  <a:srgbClr val="7030A0"/>
+                                </a:solidFill>
+                                <a:latin typeface="Cambria Math" panose="02040503050406030204" pitchFamily="18" charset="0"/>
+                              </a:rPr>
+                              <m:t>𝑡</m:t>
+                            </m:r>
+                          </m:e>
+                        </m:d>
+                      </m:oMath>
+                    </m:oMathPara>
+                  </a14:m>
+                  <a:endParaRPr lang="en-US" sz="2800" dirty="0">
+                    <a:solidFill>
+                      <a:srgbClr val="00B050"/>
+                    </a:solidFill>
+                  </a:endParaRPr>
+                </a:p>
+              </p:txBody>
+            </p:sp>
+          </mc:Choice>
+          <mc:Fallback>
+            <p:sp>
+              <p:nvSpPr>
+                <p:cNvPr id="82" name="TextBox 81">
+                  <a:extLst>
+                    <a:ext uri="{FF2B5EF4-FFF2-40B4-BE49-F238E27FC236}">
+                      <a16:creationId xmlns:a16="http://schemas.microsoft.com/office/drawing/2014/main" id="{BD6E4050-0CA8-CB4D-BA66-46D260E3F44D}"/>
+                    </a:ext>
+                  </a:extLst>
+                </p:cNvPr>
+                <p:cNvSpPr txBox="1">
+                  <a:spLocks noRot="1" noChangeAspect="1" noMove="1" noResize="1" noEditPoints="1" noAdjustHandles="1" noChangeArrowheads="1" noChangeShapeType="1" noTextEdit="1"/>
+                </p:cNvSpPr>
+                <p:nvPr/>
+              </p:nvSpPr>
+              <p:spPr>
+                <a:xfrm>
+                  <a:off x="3068863" y="1666840"/>
+                  <a:ext cx="4847583" cy="523220"/>
+                </a:xfrm>
+                <a:prstGeom prst="rect">
+                  <a:avLst/>
+                </a:prstGeom>
+                <a:blipFill>
+                  <a:blip r:embed="rId15"/>
+                  <a:stretch>
+                    <a:fillRect l="-1309" b="-21429"/>
+                  </a:stretch>
+                </a:blipFill>
+              </p:spPr>
+              <p:txBody>
+                <a:bodyPr/>
+                <a:lstStyle/>
+                <a:p>
+                  <a:r>
+                    <a:rPr lang="en-US">
+                      <a:noFill/>
+                    </a:rPr>
+                    <a:t> </a:t>
+                  </a:r>
+                </a:p>
+              </p:txBody>
+            </p:sp>
+          </mc:Fallback>
+        </mc:AlternateContent>
+      </p:grpSp>
+    </p:spTree>
+    <p:extLst>
+      <p:ext uri="{BB962C8B-B14F-4D97-AF65-F5344CB8AC3E}">
+        <p14:creationId xmlns:p14="http://schemas.microsoft.com/office/powerpoint/2010/main" val="2238712733"/>
       </p:ext>
     </p:extLst>
   </p:cSld>
